--- a/help/data-sheets/assets/DMeStandardSupportDatasheet_2022.pptx
+++ b/help/data-sheets/assets/DMeStandardSupportDatasheet_2022.pptx
@@ -553,7 +553,7 @@
           <a:p>
             <a:fld id="{A438815C-EDE5-F947-A55F-7634403F36C4}" type="datetimeFigureOut">
               <a:rPr lang="en-US" smtClean="0"/>
-              <a:t>3/3/2022</a:t>
+              <a:t>3/24/2022</a:t>
             </a:fld>
             <a:endParaRPr lang="en-US" dirty="0"/>
           </a:p>
@@ -1176,7 +1176,7 @@
           <a:p>
             <a:fld id="{1D8BD707-D9CF-40AE-B4C6-C98DA3205C09}" type="datetimeFigureOut">
               <a:rPr lang="en-US"/>
-              <a:t>3/3/2022</a:t>
+              <a:t>3/24/2022</a:t>
             </a:fld>
             <a:endParaRPr lang="en-US" dirty="0"/>
           </a:p>
@@ -1331,7 +1331,7 @@
           <a:p>
             <a:fld id="{1D8BD707-D9CF-40AE-B4C6-C98DA3205C09}" type="datetimeFigureOut">
               <a:rPr lang="en-US"/>
-              <a:t>3/3/2022</a:t>
+              <a:t>3/24/2022</a:t>
             </a:fld>
             <a:endParaRPr lang="en-US" dirty="0"/>
           </a:p>
@@ -1634,7 +1634,7 @@
           <a:p>
             <a:fld id="{1D8BD707-D9CF-40AE-B4C6-C98DA3205C09}" type="datetimeFigureOut">
               <a:rPr lang="en-US"/>
-              <a:t>3/3/2022</a:t>
+              <a:t>3/24/2022</a:t>
             </a:fld>
             <a:endParaRPr lang="en-US" dirty="0"/>
           </a:p>
@@ -1881,7 +1881,7 @@
               </a:spcBef>
             </a:pPr>
             <a:r>
-              <a:rPr sz="1400" b="1" u="heavy" spc="10" dirty="0">
+              <a:rPr lang="es-ES" sz="1400" b="1" u="heavy" dirty="0">
                 <a:solidFill>
                   <a:srgbClr val="020302"/>
                 </a:solidFill>
@@ -1893,87 +1893,8 @@
                 <a:latin typeface="Adobe Clean"/>
                 <a:cs typeface="Adobe Clean"/>
               </a:rPr>
-              <a:t>Service </a:t>
+              <a:t>Destinatarios de nivel de servicio: Respuesta inicial</a:t>
             </a:r>
-            <a:r>
-              <a:rPr lang="en-US" sz="1400" b="1" u="heavy" spc="-10" dirty="0">
-                <a:solidFill>
-                  <a:srgbClr val="020302"/>
-                </a:solidFill>
-                <a:uFill>
-                  <a:solidFill>
-                    <a:srgbClr val="020302"/>
-                  </a:solidFill>
-                </a:uFill>
-                <a:latin typeface="Adobe Clean"/>
-                <a:cs typeface="Adobe Clean"/>
-              </a:rPr>
-              <a:t>Level </a:t>
-            </a:r>
-            <a:r>
-              <a:rPr lang="en-US" sz="1400" b="1" u="heavy" spc="-45" dirty="0">
-                <a:solidFill>
-                  <a:srgbClr val="020302"/>
-                </a:solidFill>
-                <a:uFill>
-                  <a:solidFill>
-                    <a:srgbClr val="020302"/>
-                  </a:solidFill>
-                </a:uFill>
-                <a:latin typeface="Adobe Clean"/>
-                <a:cs typeface="Adobe Clean"/>
-              </a:rPr>
-              <a:t>Targets: </a:t>
-            </a:r>
-            <a:r>
-              <a:rPr lang="en-US" sz="1400" b="1" u="heavy" spc="-10" dirty="0">
-                <a:solidFill>
-                  <a:srgbClr val="020302"/>
-                </a:solidFill>
-                <a:uFill>
-                  <a:solidFill>
-                    <a:srgbClr val="020302"/>
-                  </a:solidFill>
-                </a:uFill>
-                <a:latin typeface="Adobe Clean"/>
-                <a:cs typeface="Adobe Clean"/>
-              </a:rPr>
-              <a:t>Initial</a:t>
-            </a:r>
-            <a:r>
-              <a:rPr lang="en-US" sz="1400" b="1" u="heavy" spc="-140" dirty="0">
-                <a:solidFill>
-                  <a:srgbClr val="020302"/>
-                </a:solidFill>
-                <a:uFill>
-                  <a:solidFill>
-                    <a:srgbClr val="020302"/>
-                  </a:solidFill>
-                </a:uFill>
-                <a:latin typeface="Adobe Clean"/>
-                <a:cs typeface="Adobe Clean"/>
-              </a:rPr>
-              <a:t> </a:t>
-            </a:r>
-            <a:r>
-              <a:rPr lang="en-US" sz="1400" b="1" u="heavy" spc="-15" dirty="0">
-                <a:solidFill>
-                  <a:srgbClr val="020302"/>
-                </a:solidFill>
-                <a:uFill>
-                  <a:solidFill>
-                    <a:srgbClr val="020302"/>
-                  </a:solidFill>
-                </a:uFill>
-                <a:latin typeface="Adobe Clean"/>
-                <a:cs typeface="Adobe Clean"/>
-              </a:rPr>
-              <a:t>Response</a:t>
-            </a:r>
-            <a:endParaRPr sz="1400" dirty="0">
-              <a:latin typeface="Adobe Clean"/>
-              <a:cs typeface="Adobe Clean"/>
-            </a:endParaRPr>
           </a:p>
         </p:txBody>
       </p:sp>
@@ -2015,7 +1936,7 @@
         <p:spPr>
           <a:xfrm>
             <a:off x="102031" y="580032"/>
-            <a:ext cx="6134100" cy="1127232"/>
+            <a:ext cx="6070169" cy="1281120"/>
           </a:xfrm>
           <a:prstGeom prst="rect">
             <a:avLst/>
@@ -2036,7 +1957,7 @@
               </a:spcBef>
             </a:pPr>
             <a:r>
-              <a:rPr lang="en-US" sz="1200" b="1" dirty="0">
+              <a:rPr lang="es-ES" sz="1200" b="1" dirty="0">
                 <a:solidFill>
                   <a:schemeClr val="bg1"/>
                 </a:solidFill>
@@ -2044,7 +1965,7 @@
               <a:t>Standard</a:t>
             </a:r>
             <a:r>
-              <a:rPr lang="en-US" sz="1200" dirty="0">
+              <a:rPr lang="es-ES" sz="1200" dirty="0">
                 <a:solidFill>
                   <a:schemeClr val="bg1"/>
                 </a:solidFill>
@@ -2052,12 +1973,6 @@
               </a:rPr>
               <a:t> | Business | Enterprise | Elite</a:t>
             </a:r>
-            <a:endParaRPr lang="en-US" sz="900" dirty="0">
-              <a:solidFill>
-                <a:schemeClr val="bg1"/>
-              </a:solidFill>
-              <a:latin typeface="Adobe Clean Light" panose="020B0303020404020204" pitchFamily="34" charset="0"/>
-            </a:endParaRPr>
           </a:p>
           <a:p>
             <a:pPr marL="12700" marR="5080">
@@ -2069,16 +1984,16 @@
               </a:spcBef>
             </a:pPr>
             <a:r>
-              <a:rPr lang="en-US" sz="1000" dirty="0">
+              <a:rPr lang="es-ES" sz="1000" dirty="0">
                 <a:solidFill>
                   <a:schemeClr val="bg1"/>
                 </a:solidFill>
                 <a:latin typeface="Adobe Clean SemiLight"/>
               </a:rPr>
-              <a:t>Adobe provides a comprehensive range of technical resources to help support your business included as part of your Adobe enterprise subscription. Standard support includes 24x7 access to our self-help support resources including articles on HelpX and engagement with other customers on Adobe Community. You can take advantage of our detailed and in-depth technical product documentation and current release notes published on </a:t>
+              <a:t>Adobe ofrece una amplia variedad de recursos técnicos para ayudar a su negocio, incluidos como parte de su suscripción empresarial de Adobe. El soporte Standard incluye acceso 24x7 a nuestros recursos de soporte de autoayuda, como artículos sobre ayuda y participación con otros clientes en la comunidad de Adobe. Puede encontrar documentación técnica completa y detallada sobre productos y notas de la versión actual en </a:t>
             </a:r>
             <a:r>
-              <a:rPr lang="en-US" sz="1000" u="sng" dirty="0">
+              <a:rPr lang="es-ES" sz="1000" u="sng" dirty="0">
                 <a:solidFill>
                   <a:schemeClr val="bg1"/>
                 </a:solidFill>
@@ -2094,7 +2009,7 @@
               <a:t>http://www.adobe.com</a:t>
             </a:r>
             <a:r>
-              <a:rPr lang="en-US" sz="1000" u="sng" dirty="0">
+              <a:rPr lang="es-ES" sz="1000" u="sng" dirty="0">
                 <a:solidFill>
                   <a:schemeClr val="bg1"/>
                 </a:solidFill>
@@ -2103,21 +2018,14 @@
               <a:t>. </a:t>
             </a:r>
             <a:r>
-              <a:rPr lang="en-US" sz="1000" dirty="0">
+              <a:rPr lang="es-ES" sz="1000" dirty="0">
                 <a:solidFill>
                   <a:schemeClr val="bg1"/>
                 </a:solidFill>
                 <a:latin typeface="Adobe Clean SemiLight"/>
               </a:rPr>
-              <a:t>Our standard support also includes 24x7 access for Authorized Users (Admins) to our technical support teams via chat or telephone as well as the ability to log requests for assistance via our support web portal. </a:t>
+              <a:t>Nuestro soporte Standard también incluye acceso 24x7 para usuarios autorizados (administradores) a nuestros equipos de Soporte técnico a través de chat o teléfono, así como la posibilidad de enviar solicitudes para recibir ayuda a través de nuestro portal web. </a:t>
             </a:r>
-            <a:endParaRPr lang="en-US" sz="1000" dirty="0">
-              <a:solidFill>
-                <a:schemeClr val="bg1"/>
-              </a:solidFill>
-              <a:latin typeface="Adobe Clean Light" panose="020B0303020404020204" pitchFamily="34" charset="0"/>
-              <a:cs typeface="AdobeClean-Light"/>
-            </a:endParaRPr>
           </a:p>
         </p:txBody>
       </p:sp>
@@ -2159,7 +2067,7 @@
           <p:nvPr>
             <p:extLst>
               <p:ext uri="{D42A27DB-BD31-4B8C-83A1-F6EECF244321}">
-                <p14:modId xmlns:p14="http://schemas.microsoft.com/office/powerpoint/2010/main" val="3167048013"/>
+                <p14:modId xmlns:p14="http://schemas.microsoft.com/office/powerpoint/2010/main" val="4105177770"/>
               </p:ext>
             </p:extLst>
           </p:nvPr>
@@ -2260,29 +2168,15 @@
                         </a:spcBef>
                       </a:pPr>
                       <a:r>
-                        <a:rPr lang="en-US" sz="1000" spc="0" dirty="0">
+                        <a:rPr lang="es-ES" sz="1000" dirty="0">
                           <a:solidFill>
                             <a:srgbClr val="404040"/>
                           </a:solidFill>
                           <a:latin typeface="Adobe Clean"/>
                           <a:cs typeface="Adobe Clean"/>
                         </a:rPr>
-                        <a:t>Standard </a:t>
+                        <a:t>Soporte Standard</a:t>
                       </a:r>
-                      <a:r>
-                        <a:rPr sz="1000" spc="0" dirty="0">
-                          <a:solidFill>
-                            <a:srgbClr val="404040"/>
-                          </a:solidFill>
-                          <a:latin typeface="Adobe Clean"/>
-                          <a:cs typeface="Adobe Clean"/>
-                        </a:rPr>
-                        <a:t>Support</a:t>
-                      </a:r>
-                      <a:endParaRPr sz="1000" spc="0" dirty="0">
-                        <a:latin typeface="Adobe Clean"/>
-                        <a:cs typeface="Adobe Clean"/>
-                      </a:endParaRPr>
                     </a:p>
                   </a:txBody>
                   <a:tcPr marL="0" marR="0" marT="7620" marB="0" anchor="ctr">
@@ -2317,39 +2211,113 @@
                         </a:spcBef>
                       </a:pPr>
                       <a:r>
-                        <a:rPr sz="1000" spc="0" dirty="0">
+                        <a:rPr lang="es-ES" sz="1000">
                           <a:solidFill>
                             <a:srgbClr val="FFFFFF"/>
                           </a:solidFill>
                           <a:latin typeface="Adobe Clean"/>
                           <a:cs typeface="Adobe Clean"/>
                         </a:rPr>
-                        <a:t>Business</a:t>
+                        <a:t>Soporte Business</a:t>
                       </a:r>
+                    </a:p>
+                  </a:txBody>
+                  <a:tcPr marL="0" marR="0" marT="7620" marB="0" anchor="ctr">
+                    <a:lnL w="3175">
+                      <a:solidFill>
+                        <a:srgbClr val="B7B8B8"/>
+                      </a:solidFill>
+                      <a:prstDash val="solid"/>
+                    </a:lnL>
+                    <a:lnR w="3175">
+                      <a:solidFill>
+                        <a:srgbClr val="B7B8B8"/>
+                      </a:solidFill>
+                      <a:prstDash val="solid"/>
+                    </a:lnR>
+                    <a:lnB w="76200">
+                      <a:solidFill>
+                        <a:srgbClr val="ACD2FF"/>
+                      </a:solidFill>
+                      <a:prstDash val="solid"/>
+                    </a:lnB>
+                    <a:solidFill>
+                      <a:srgbClr val="7D7D7D"/>
+                    </a:solidFill>
+                  </a:tcPr>
+                </a:tc>
+                <a:tc gridSpan="2">
+                  <a:txBody>
+                    <a:bodyPr/>
+                    <a:lstStyle/>
+                    <a:p>
+                      <a:pPr marL="2540" algn="ctr">
+                        <a:lnSpc>
+                          <a:spcPct val="100000"/>
+                        </a:lnSpc>
+                        <a:spcBef>
+                          <a:spcPts val="60"/>
+                        </a:spcBef>
+                      </a:pPr>
                       <a:r>
-                        <a:rPr lang="en-US" sz="1000" spc="0" dirty="0">
+                        <a:rPr lang="es-ES" sz="1000">
                           <a:solidFill>
                             <a:srgbClr val="FFFFFF"/>
                           </a:solidFill>
                           <a:latin typeface="Adobe Clean"/>
                           <a:cs typeface="Adobe Clean"/>
                         </a:rPr>
-                        <a:t> </a:t>
+                        <a:t>Soporte Enterprise</a:t>
                       </a:r>
+                    </a:p>
+                  </a:txBody>
+                  <a:tcPr marL="0" marR="0" marT="7620" marB="0" anchor="ctr">
+                    <a:lnL w="3175">
+                      <a:solidFill>
+                        <a:srgbClr val="B7B8B8"/>
+                      </a:solidFill>
+                      <a:prstDash val="solid"/>
+                    </a:lnL>
+                    <a:lnR w="3175">
+                      <a:solidFill>
+                        <a:srgbClr val="B7B8B8"/>
+                      </a:solidFill>
+                      <a:prstDash val="solid"/>
+                    </a:lnR>
+                    <a:lnB w="76200">
+                      <a:solidFill>
+                        <a:srgbClr val="2E8FFF"/>
+                      </a:solidFill>
+                      <a:prstDash val="solid"/>
+                    </a:lnB>
+                    <a:solidFill>
+                      <a:srgbClr val="404040"/>
+                    </a:solidFill>
+                  </a:tcPr>
+                </a:tc>
+                <a:tc hMerge="1">
+                  <a:txBody>
+                    <a:bodyPr/>
+                    <a:lstStyle/>
+                    <a:p>
+                      <a:pPr marL="635" algn="ctr">
+                        <a:lnSpc>
+                          <a:spcPct val="100000"/>
+                        </a:lnSpc>
+                        <a:spcBef>
+                          <a:spcPts val="60"/>
+                        </a:spcBef>
+                      </a:pPr>
                       <a:r>
-                        <a:rPr sz="1000" spc="0" dirty="0">
+                        <a:rPr lang="es-ES" sz="900">
                           <a:solidFill>
                             <a:srgbClr val="FFFFFF"/>
                           </a:solidFill>
                           <a:latin typeface="Adobe Clean"/>
                           <a:cs typeface="Adobe Clean"/>
                         </a:rPr>
-                        <a:t>Support</a:t>
+                        <a:t>Soporte Enterprise</a:t>
                       </a:r>
-                      <a:endParaRPr sz="1000" spc="0" dirty="0">
-                        <a:latin typeface="Adobe Clean"/>
-                        <a:cs typeface="Adobe Clean"/>
-                      </a:endParaRPr>
                     </a:p>
                   </a:txBody>
                   <a:tcPr marL="0" marR="0" marT="7620" marB="0" anchor="ctr">
@@ -2367,21 +2335,21 @@
                     </a:lnR>
                     <a:lnB w="76200">
                       <a:solidFill>
-                        <a:srgbClr val="ACD2FF"/>
+                        <a:srgbClr val="2E8FFF"/>
                       </a:solidFill>
                       <a:prstDash val="solid"/>
                     </a:lnB>
                     <a:solidFill>
-                      <a:srgbClr val="7D7D7D"/>
+                      <a:srgbClr val="404040"/>
                     </a:solidFill>
                   </a:tcPr>
                 </a:tc>
-                <a:tc gridSpan="2">
-                  <a:txBody>
-                    <a:bodyPr/>
-                    <a:lstStyle/>
-                    <a:p>
-                      <a:pPr marL="2540" algn="ctr">
+                <a:tc>
+                  <a:txBody>
+                    <a:bodyPr/>
+                    <a:lstStyle/>
+                    <a:p>
+                      <a:pPr marL="635" algn="ctr">
                         <a:lnSpc>
                           <a:spcPct val="100000"/>
                         </a:lnSpc>
@@ -2390,165 +2358,15 @@
                         </a:spcBef>
                       </a:pPr>
                       <a:r>
-                        <a:rPr lang="en-US" sz="1000" spc="0" dirty="0">
+                        <a:rPr lang="es-ES" sz="1000">
                           <a:solidFill>
                             <a:srgbClr val="FFFFFF"/>
                           </a:solidFill>
                           <a:latin typeface="Adobe Clean"/>
                           <a:cs typeface="Adobe Clean"/>
                         </a:rPr>
-                        <a:t>Enterprise Support</a:t>
+                        <a:t>Soporte Elite</a:t>
                       </a:r>
-                      <a:endParaRPr sz="1000" spc="0" dirty="0">
-                        <a:latin typeface="Adobe Clean"/>
-                        <a:cs typeface="Adobe Clean"/>
-                      </a:endParaRPr>
-                    </a:p>
-                  </a:txBody>
-                  <a:tcPr marL="0" marR="0" marT="7620" marB="0" anchor="ctr">
-                    <a:lnL w="3175">
-                      <a:solidFill>
-                        <a:srgbClr val="B7B8B8"/>
-                      </a:solidFill>
-                      <a:prstDash val="solid"/>
-                    </a:lnL>
-                    <a:lnR w="3175">
-                      <a:solidFill>
-                        <a:srgbClr val="B7B8B8"/>
-                      </a:solidFill>
-                      <a:prstDash val="solid"/>
-                    </a:lnR>
-                    <a:lnB w="76200">
-                      <a:solidFill>
-                        <a:srgbClr val="2E8FFF"/>
-                      </a:solidFill>
-                      <a:prstDash val="solid"/>
-                    </a:lnB>
-                    <a:solidFill>
-                      <a:srgbClr val="404040"/>
-                    </a:solidFill>
-                  </a:tcPr>
-                </a:tc>
-                <a:tc hMerge="1">
-                  <a:txBody>
-                    <a:bodyPr/>
-                    <a:lstStyle/>
-                    <a:p>
-                      <a:pPr marL="635" algn="ctr">
-                        <a:lnSpc>
-                          <a:spcPct val="100000"/>
-                        </a:lnSpc>
-                        <a:spcBef>
-                          <a:spcPts val="60"/>
-                        </a:spcBef>
-                      </a:pPr>
-                      <a:r>
-                        <a:rPr sz="900" spc="-20">
-                          <a:solidFill>
-                            <a:srgbClr val="FFFFFF"/>
-                          </a:solidFill>
-                          <a:latin typeface="Adobe Clean"/>
-                          <a:cs typeface="Adobe Clean"/>
-                        </a:rPr>
-                        <a:t>Enterprise</a:t>
-                      </a:r>
-                      <a:r>
-                        <a:rPr lang="en-US" sz="900" spc="-20">
-                          <a:solidFill>
-                            <a:srgbClr val="FFFFFF"/>
-                          </a:solidFill>
-                          <a:latin typeface="Adobe Clean"/>
-                          <a:cs typeface="Adobe Clean"/>
-                        </a:rPr>
-                        <a:t> </a:t>
-                      </a:r>
-                      <a:r>
-                        <a:rPr sz="900" spc="-20">
-                          <a:solidFill>
-                            <a:srgbClr val="FFFFFF"/>
-                          </a:solidFill>
-                          <a:latin typeface="Adobe Clean"/>
-                          <a:cs typeface="Adobe Clean"/>
-                        </a:rPr>
-                        <a:t>Support</a:t>
-                      </a:r>
-                      <a:endParaRPr sz="900">
-                        <a:latin typeface="Adobe Clean"/>
-                        <a:cs typeface="Adobe Clean"/>
-                      </a:endParaRPr>
-                    </a:p>
-                  </a:txBody>
-                  <a:tcPr marL="0" marR="0" marT="7620" marB="0" anchor="ctr">
-                    <a:lnL w="3175">
-                      <a:solidFill>
-                        <a:srgbClr val="B7B8B8"/>
-                      </a:solidFill>
-                      <a:prstDash val="solid"/>
-                    </a:lnL>
-                    <a:lnR w="3175">
-                      <a:solidFill>
-                        <a:srgbClr val="B7B8B8"/>
-                      </a:solidFill>
-                      <a:prstDash val="solid"/>
-                    </a:lnR>
-                    <a:lnB w="76200">
-                      <a:solidFill>
-                        <a:srgbClr val="2E8FFF"/>
-                      </a:solidFill>
-                      <a:prstDash val="solid"/>
-                    </a:lnB>
-                    <a:solidFill>
-                      <a:srgbClr val="404040"/>
-                    </a:solidFill>
-                  </a:tcPr>
-                </a:tc>
-                <a:tc>
-                  <a:txBody>
-                    <a:bodyPr/>
-                    <a:lstStyle/>
-                    <a:p>
-                      <a:pPr marL="635" algn="ctr">
-                        <a:lnSpc>
-                          <a:spcPct val="100000"/>
-                        </a:lnSpc>
-                        <a:spcBef>
-                          <a:spcPts val="60"/>
-                        </a:spcBef>
-                      </a:pPr>
-                      <a:r>
-                        <a:rPr sz="1000" spc="0" dirty="0">
-                          <a:solidFill>
-                            <a:srgbClr val="FFFFFF"/>
-                          </a:solidFill>
-                          <a:latin typeface="Adobe Clean"/>
-                          <a:cs typeface="Adobe Clean"/>
-                        </a:rPr>
-                        <a:t>Elite</a:t>
-                      </a:r>
-                      <a:r>
-                        <a:rPr lang="en-US" sz="1000" spc="0" dirty="0">
-                          <a:solidFill>
-                            <a:srgbClr val="FFFFFF"/>
-                          </a:solidFill>
-                          <a:latin typeface="Adobe Clean"/>
-                          <a:cs typeface="Adobe Clean"/>
-                        </a:rPr>
-                        <a:t> </a:t>
-                      </a:r>
-                      <a:r>
-                        <a:rPr sz="1000" spc="0" dirty="0">
-                          <a:solidFill>
-                            <a:srgbClr val="FFFFFF"/>
-                          </a:solidFill>
-                          <a:latin typeface="Adobe Clean"/>
-                          <a:cs typeface="Adobe Clean"/>
-                        </a:rPr>
-                        <a:t>Support</a:t>
-                      </a:r>
-                      <a:endParaRPr sz="1000" spc="0" dirty="0">
-                        <a:latin typeface="Adobe Clean"/>
-                        <a:cs typeface="Adobe Clean"/>
-                      </a:endParaRPr>
                     </a:p>
                   </a:txBody>
                   <a:tcPr marL="0" marR="0" marT="7620" marB="0" anchor="ctr">
@@ -2601,7 +2419,7 @@
                     <a:bodyPr/>
                     <a:lstStyle/>
                     <a:p>
-                      <a:pPr marL="255904" marR="248920" indent="-25400">
+                      <a:pPr marL="255904" marR="248920" indent="-25400" algn="l" rtl="0">
                         <a:lnSpc>
                           <a:spcPct val="100000"/>
                         </a:lnSpc>
@@ -2655,49 +2473,15 @@
                         </a:spcBef>
                       </a:pPr>
                       <a:r>
-                        <a:rPr lang="en-US" sz="1000" b="1" i="1" spc="0" dirty="0">
+                        <a:rPr lang="es-ES" sz="1000" b="1" i="1">
                           <a:solidFill>
                             <a:srgbClr val="FFFFFF"/>
                           </a:solidFill>
                           <a:latin typeface="Adobe Clean" panose="020B0503020404020204" pitchFamily="34" charset="0"/>
                           <a:cs typeface="Adobe Clean"/>
                         </a:rPr>
-                        <a:t>Paid</a:t>
+                        <a:t>Niveles de soporte de pago ($)</a:t>
                       </a:r>
-                      <a:r>
-                        <a:rPr sz="1000" b="1" i="1" spc="0" dirty="0">
-                          <a:solidFill>
-                            <a:srgbClr val="FFFFFF"/>
-                          </a:solidFill>
-                          <a:latin typeface="Adobe Clean" panose="020B0503020404020204" pitchFamily="34" charset="0"/>
-                          <a:cs typeface="Adobe Clean"/>
-                        </a:rPr>
-                        <a:t> Support Levels</a:t>
-                      </a:r>
-                      <a:r>
-                        <a:rPr lang="en-US" sz="1000" b="1" i="1" spc="0" dirty="0">
-                          <a:solidFill>
-                            <a:srgbClr val="FFFFFF"/>
-                          </a:solidFill>
-                          <a:latin typeface="Adobe Clean" panose="020B0503020404020204" pitchFamily="34" charset="0"/>
-                          <a:cs typeface="Adobe Clean"/>
-                        </a:rPr>
-                        <a:t> </a:t>
-                      </a:r>
-                      <a:r>
-                        <a:rPr sz="1000" b="1" i="1" spc="0" dirty="0">
-                          <a:solidFill>
-                            <a:srgbClr val="FFFFFF"/>
-                          </a:solidFill>
-                          <a:latin typeface="Adobe Clean" panose="020B0503020404020204" pitchFamily="34" charset="0"/>
-                          <a:cs typeface="Adobe Clean"/>
-                        </a:rPr>
-                        <a:t>($)</a:t>
-                      </a:r>
-                      <a:endParaRPr sz="1000" b="1" spc="0" dirty="0">
-                        <a:latin typeface="Adobe Clean" panose="020B0503020404020204" pitchFamily="34" charset="0"/>
-                        <a:cs typeface="Adobe Clean"/>
-                      </a:endParaRPr>
                     </a:p>
                   </a:txBody>
                   <a:tcPr marL="0" marR="0" marT="82550" marB="0" anchor="ctr">
@@ -2775,7 +2559,7 @@
                     <a:bodyPr/>
                     <a:lstStyle/>
                     <a:p>
-                      <a:pPr marL="50800">
+                      <a:pPr marL="50800" algn="ctr">
                         <a:lnSpc>
                           <a:spcPct val="100000"/>
                         </a:lnSpc>
@@ -2784,22 +2568,15 @@
                         </a:spcBef>
                       </a:pPr>
                       <a:r>
-                        <a:rPr lang="en-US" sz="1200" b="1" i="0" spc="0" dirty="0">
+                        <a:rPr lang="es-ES" sz="1100" b="1" i="0" dirty="0">
                           <a:solidFill>
                             <a:schemeClr val="bg1"/>
                           </a:solidFill>
                           <a:latin typeface="Adobe Clean" panose="020B0503020404020204" pitchFamily="34" charset="0"/>
                           <a:cs typeface="AdobeClean-Light"/>
                         </a:rPr>
-                        <a:t>Assigned Experts</a:t>
+                        <a:t>Expertos asignados</a:t>
                       </a:r>
-                      <a:endParaRPr sz="1200" b="1" i="0" spc="0" dirty="0">
-                        <a:solidFill>
-                          <a:schemeClr val="bg1"/>
-                        </a:solidFill>
-                        <a:latin typeface="Adobe Clean" panose="020B0503020404020204" pitchFamily="34" charset="0"/>
-                        <a:cs typeface="AdobeClean-Light"/>
-                      </a:endParaRPr>
                     </a:p>
                   </a:txBody>
                   <a:tcPr marL="0" marR="0" marT="58419" marB="0" anchor="ctr">
@@ -2846,29 +2623,15 @@
                         </a:spcBef>
                       </a:pPr>
                       <a:r>
-                        <a:rPr sz="1100" b="0" i="0" spc="0" dirty="0">
+                        <a:rPr lang="es-ES" sz="1050" b="0" i="0" dirty="0">
                           <a:solidFill>
                             <a:srgbClr val="020302"/>
                           </a:solidFill>
                           <a:latin typeface="Adobe Clean Light" panose="020B0303020404020204" pitchFamily="34" charset="0"/>
                           <a:cs typeface="AdobeClean-Light"/>
                         </a:rPr>
-                        <a:t>Account </a:t>
+                        <a:t>Responsable de la asistencia técnica de la cuenta</a:t>
                       </a:r>
-                      <a:r>
-                        <a:rPr lang="en-US" sz="1100" b="0" i="0" spc="0" dirty="0">
-                          <a:solidFill>
-                            <a:srgbClr val="020302"/>
-                          </a:solidFill>
-                          <a:latin typeface="Adobe Clean Light" panose="020B0303020404020204" pitchFamily="34" charset="0"/>
-                          <a:cs typeface="AdobeClean-Light"/>
-                        </a:rPr>
-                        <a:t>Support Lead</a:t>
-                      </a:r>
-                      <a:endParaRPr sz="1100" b="0" i="0" spc="0" dirty="0">
-                        <a:latin typeface="Adobe Clean Light" panose="020B0303020404020204" pitchFamily="34" charset="0"/>
-                        <a:cs typeface="AdobeClean-Light"/>
-                      </a:endParaRPr>
                     </a:p>
                   </a:txBody>
                   <a:tcPr marL="0" marR="0" marT="58419" marB="0">
@@ -2897,7 +2660,7 @@
                     <a:bodyPr/>
                     <a:lstStyle/>
                     <a:p>
-                      <a:pPr>
+                      <a:pPr algn="l" rtl="0">
                         <a:lnSpc>
                           <a:spcPct val="100000"/>
                         </a:lnSpc>
@@ -2945,7 +2708,7 @@
                         </a:spcBef>
                       </a:pPr>
                       <a:r>
-                        <a:rPr sz="1100" spc="0" dirty="0">
+                        <a:rPr lang="es-ES" sz="1100">
                           <a:solidFill>
                             <a:srgbClr val="020302"/>
                           </a:solidFill>
@@ -2954,10 +2717,6 @@
                         </a:rPr>
                         <a:t></a:t>
                       </a:r>
-                      <a:endParaRPr sz="1100" spc="0" dirty="0">
-                        <a:latin typeface="Wingdings"/>
-                        <a:cs typeface="Wingdings"/>
-                      </a:endParaRPr>
                     </a:p>
                   </a:txBody>
                   <a:tcPr marL="0" marR="0" marT="59690" marB="0">
@@ -2974,7 +2733,7 @@
                     <a:bodyPr/>
                     <a:lstStyle/>
                     <a:p>
-                      <a:pPr algn="ctr">
+                      <a:pPr algn="l" rtl="0">
                         <a:lnSpc>
                           <a:spcPct val="100000"/>
                         </a:lnSpc>
@@ -3005,7 +2764,7 @@
                     <a:bodyPr/>
                     <a:lstStyle/>
                     <a:p>
-                      <a:pPr>
+                      <a:pPr algn="l" rtl="0">
                         <a:lnSpc>
                           <a:spcPct val="100000"/>
                         </a:lnSpc>
@@ -3030,7 +2789,7 @@
                     <a:bodyPr/>
                     <a:lstStyle/>
                     <a:p>
-                      <a:pPr>
+                      <a:pPr algn="l" rtl="0">
                         <a:lnSpc>
                           <a:spcPct val="100000"/>
                         </a:lnSpc>
@@ -3068,7 +2827,7 @@
                     <a:bodyPr/>
                     <a:lstStyle/>
                     <a:p>
-                      <a:pPr marL="50800">
+                      <a:pPr marL="50800" algn="l" rtl="0">
                         <a:lnSpc>
                           <a:spcPct val="100000"/>
                         </a:lnSpc>
@@ -3114,19 +2873,15 @@
                         </a:spcBef>
                       </a:pPr>
                       <a:r>
-                        <a:rPr sz="1100" b="0" i="0" spc="0" dirty="0">
+                        <a:rPr lang="es-ES" sz="1050" b="0" i="0" dirty="0">
                           <a:solidFill>
                             <a:srgbClr val="020302"/>
                           </a:solidFill>
                           <a:latin typeface="Adobe Clean Light"/>
                           <a:cs typeface="AdobeClean-Light"/>
                         </a:rPr>
-                        <a:t>Named Support Engineer</a:t>
+                        <a:t>Ingeniero de asistencia técnica especializado</a:t>
                       </a:r>
-                      <a:endParaRPr sz="1100" b="0" i="0" spc="0" dirty="0">
-                        <a:latin typeface="Adobe Clean Light"/>
-                        <a:cs typeface="AdobeClean-Light"/>
-                      </a:endParaRPr>
                     </a:p>
                   </a:txBody>
                   <a:tcPr marL="0" marR="0" marT="58419" marB="0">
@@ -3149,7 +2904,7 @@
                     <a:bodyPr/>
                     <a:lstStyle/>
                     <a:p>
-                      <a:pPr>
+                      <a:pPr algn="l" rtl="0">
                         <a:lnSpc>
                           <a:spcPct val="100000"/>
                         </a:lnSpc>
@@ -3182,7 +2937,7 @@
                     <a:bodyPr/>
                     <a:lstStyle/>
                     <a:p>
-                      <a:pPr>
+                      <a:pPr algn="l" rtl="0">
                         <a:lnSpc>
                           <a:spcPct val="100000"/>
                         </a:lnSpc>
@@ -3200,7 +2955,7 @@
                     <a:bodyPr/>
                     <a:lstStyle/>
                     <a:p>
-                      <a:pPr>
+                      <a:pPr algn="l" rtl="0">
                         <a:lnSpc>
                           <a:spcPct val="100000"/>
                         </a:lnSpc>
@@ -3227,7 +2982,7 @@
                         </a:spcBef>
                       </a:pPr>
                       <a:r>
-                        <a:rPr sz="1100" spc="0" dirty="0">
+                        <a:rPr lang="es-ES" sz="1100">
                           <a:solidFill>
                             <a:srgbClr val="020302"/>
                           </a:solidFill>
@@ -3236,10 +2991,6 @@
                         </a:rPr>
                         <a:t></a:t>
                       </a:r>
-                      <a:endParaRPr sz="1100" spc="0" dirty="0">
-                        <a:latin typeface="Wingdings"/>
-                        <a:cs typeface="Wingdings"/>
-                      </a:endParaRPr>
                     </a:p>
                   </a:txBody>
                   <a:tcPr marL="0" marR="0" marT="59055" marB="0"/>
@@ -3258,7 +3009,7 @@
                         </a:spcBef>
                       </a:pPr>
                       <a:r>
-                        <a:rPr sz="1100" spc="0" dirty="0">
+                        <a:rPr lang="es-ES" sz="1100">
                           <a:solidFill>
                             <a:srgbClr val="020302"/>
                           </a:solidFill>
@@ -3267,10 +3018,6 @@
                         </a:rPr>
                         <a:t></a:t>
                       </a:r>
-                      <a:endParaRPr sz="1100" spc="0" dirty="0">
-                        <a:latin typeface="Wingdings"/>
-                        <a:cs typeface="Wingdings"/>
-                      </a:endParaRPr>
                     </a:p>
                   </a:txBody>
                   <a:tcPr marL="0" marR="0" marT="59055" marB="0">
@@ -3294,7 +3041,7 @@
                     <a:bodyPr/>
                     <a:lstStyle/>
                     <a:p>
-                      <a:pPr marL="50800">
+                      <a:pPr marL="50800" algn="l" rtl="0">
                         <a:lnSpc>
                           <a:spcPct val="100000"/>
                         </a:lnSpc>
@@ -3352,19 +3099,15 @@
                         </a:spcBef>
                       </a:pPr>
                       <a:r>
-                        <a:rPr sz="1100" b="0" i="0" spc="0" dirty="0">
+                        <a:rPr lang="es-ES" sz="1050" b="0" i="0" dirty="0">
                           <a:solidFill>
                             <a:srgbClr val="020302"/>
                           </a:solidFill>
                           <a:latin typeface="Adobe Clean Light"/>
                           <a:cs typeface="AdobeClean-Light"/>
                         </a:rPr>
-                        <a:t>Technical Account Manager</a:t>
+                        <a:t>Gestor técnico de cuentas</a:t>
                       </a:r>
-                      <a:endParaRPr sz="1100" b="0" i="0" spc="0" dirty="0">
-                        <a:latin typeface="Adobe Clean Light"/>
-                        <a:cs typeface="AdobeClean-Light"/>
-                      </a:endParaRPr>
                     </a:p>
                   </a:txBody>
                   <a:tcPr marL="0" marR="0" marT="63500" marB="0">
@@ -3393,7 +3136,7 @@
                     <a:bodyPr/>
                     <a:lstStyle/>
                     <a:p>
-                      <a:pPr>
+                      <a:pPr algn="l" rtl="0">
                         <a:lnSpc>
                           <a:spcPct val="100000"/>
                         </a:lnSpc>
@@ -3435,7 +3178,7 @@
                     <a:bodyPr/>
                     <a:lstStyle/>
                     <a:p>
-                      <a:pPr>
+                      <a:pPr algn="l" rtl="0">
                         <a:lnSpc>
                           <a:spcPct val="100000"/>
                         </a:lnSpc>
@@ -3463,7 +3206,7 @@
                     <a:bodyPr/>
                     <a:lstStyle/>
                     <a:p>
-                      <a:pPr>
+                      <a:pPr algn="l" rtl="0">
                         <a:lnSpc>
                           <a:spcPct val="100000"/>
                         </a:lnSpc>
@@ -3491,7 +3234,7 @@
                     <a:bodyPr/>
                     <a:lstStyle/>
                     <a:p>
-                      <a:pPr>
+                      <a:pPr algn="l" rtl="0">
                         <a:lnSpc>
                           <a:spcPct val="100000"/>
                         </a:lnSpc>
@@ -3528,7 +3271,7 @@
                         </a:spcBef>
                       </a:pPr>
                       <a:r>
-                        <a:rPr sz="1100" spc="0" dirty="0">
+                        <a:rPr lang="es-ES" sz="1100">
                           <a:solidFill>
                             <a:srgbClr val="020302"/>
                           </a:solidFill>
@@ -3537,10 +3280,6 @@
                         </a:rPr>
                         <a:t></a:t>
                       </a:r>
-                      <a:endParaRPr sz="1100" spc="0" dirty="0">
-                        <a:latin typeface="Wingdings"/>
-                        <a:cs typeface="Wingdings"/>
-                      </a:endParaRPr>
                     </a:p>
                   </a:txBody>
                   <a:tcPr marL="0" marR="0" marT="64135" marB="0">
@@ -3573,7 +3312,7 @@
                     <a:bodyPr/>
                     <a:lstStyle/>
                     <a:p>
-                      <a:pPr marL="50800">
+                      <a:pPr marL="50800" algn="ctr">
                         <a:lnSpc>
                           <a:spcPct val="100000"/>
                         </a:lnSpc>
@@ -3582,22 +3321,15 @@
                         </a:spcBef>
                       </a:pPr>
                       <a:r>
-                        <a:rPr lang="en-US" sz="1200" b="1" i="0" spc="0" dirty="0">
+                        <a:rPr lang="es-ES" sz="1100" b="1" i="0" dirty="0">
                           <a:solidFill>
                             <a:schemeClr val="bg1"/>
                           </a:solidFill>
                           <a:latin typeface="Adobe Clean" panose="020B0503020404020204" pitchFamily="34" charset="0"/>
                           <a:cs typeface="AdobeClean-Light"/>
                         </a:rPr>
-                        <a:t>Support Services</a:t>
+                        <a:t>Servicios de soporte</a:t>
                       </a:r>
-                      <a:endParaRPr sz="1200" b="1" i="0" spc="0" dirty="0">
-                        <a:solidFill>
-                          <a:schemeClr val="bg1"/>
-                        </a:solidFill>
-                        <a:latin typeface="Adobe Clean" panose="020B0503020404020204" pitchFamily="34" charset="0"/>
-                        <a:cs typeface="AdobeClean-Light"/>
-                      </a:endParaRPr>
                     </a:p>
                   </a:txBody>
                   <a:tcPr marL="0" marR="0" marT="57150" marB="0" anchor="ctr">
@@ -3653,19 +3385,15 @@
                         </a:spcBef>
                       </a:pPr>
                       <a:r>
-                        <a:rPr lang="en-US" sz="1100" b="0" i="0" spc="0" dirty="0">
+                        <a:rPr lang="es-ES" sz="1050" b="0" i="0">
                           <a:solidFill>
                             <a:srgbClr val="020302"/>
                           </a:solidFill>
                           <a:latin typeface="Adobe Clean Light"/>
                           <a:cs typeface="AdobeClean-Light"/>
                         </a:rPr>
-                        <a:t>24x7 Self-Help Support </a:t>
+                        <a:t>Soporte de autoayuda 24 x 7 </a:t>
                       </a:r>
-                      <a:endParaRPr lang="en-US" sz="1100" b="0" i="0" spc="0" dirty="0">
-                        <a:latin typeface="Adobe Clean Light" panose="020B0303020404020204" pitchFamily="34" charset="0"/>
-                        <a:cs typeface="AdobeClean-Light"/>
-                      </a:endParaRPr>
                     </a:p>
                   </a:txBody>
                   <a:tcPr marL="0" marR="0" marT="57150" marB="0">
@@ -3706,7 +3434,7 @@
                         </a:spcBef>
                       </a:pPr>
                       <a:r>
-                        <a:rPr sz="1100" spc="0" dirty="0">
+                        <a:rPr lang="es-ES" sz="1100">
                           <a:solidFill>
                             <a:srgbClr val="020302"/>
                           </a:solidFill>
@@ -3715,10 +3443,6 @@
                         </a:rPr>
                         <a:t></a:t>
                       </a:r>
-                      <a:endParaRPr sz="1100" spc="0" dirty="0">
-                        <a:latin typeface="Wingdings"/>
-                        <a:cs typeface="Wingdings"/>
-                      </a:endParaRPr>
                     </a:p>
                   </a:txBody>
                   <a:tcPr marL="0" marR="0" marT="58419" marB="0">
@@ -3758,7 +3482,7 @@
                         </a:spcBef>
                       </a:pPr>
                       <a:r>
-                        <a:rPr sz="1100" spc="0" dirty="0">
+                        <a:rPr lang="es-ES" sz="1100">
                           <a:solidFill>
                             <a:srgbClr val="020302"/>
                           </a:solidFill>
@@ -3767,10 +3491,6 @@
                         </a:rPr>
                         <a:t></a:t>
                       </a:r>
-                      <a:endParaRPr sz="1100" spc="0" dirty="0">
-                        <a:latin typeface="Wingdings"/>
-                        <a:cs typeface="Wingdings"/>
-                      </a:endParaRPr>
                     </a:p>
                   </a:txBody>
                   <a:tcPr marL="0" marR="0" marT="58419" marB="0">
@@ -3787,7 +3507,7 @@
                     <a:bodyPr/>
                     <a:lstStyle/>
                     <a:p>
-                      <a:pPr algn="ctr">
+                      <a:pPr algn="l" rtl="0">
                         <a:lnSpc>
                           <a:spcPct val="100000"/>
                         </a:lnSpc>
@@ -3827,7 +3547,7 @@
                         </a:spcBef>
                       </a:pPr>
                       <a:r>
-                        <a:rPr sz="1100" spc="0" dirty="0">
+                        <a:rPr lang="es-ES" sz="1100">
                           <a:solidFill>
                             <a:srgbClr val="020302"/>
                           </a:solidFill>
@@ -3836,10 +3556,6 @@
                         </a:rPr>
                         <a:t></a:t>
                       </a:r>
-                      <a:endParaRPr sz="1100" spc="0" dirty="0">
-                        <a:latin typeface="Wingdings"/>
-                        <a:cs typeface="Wingdings"/>
-                      </a:endParaRPr>
                     </a:p>
                   </a:txBody>
                   <a:tcPr marL="0" marR="0" marT="58419" marB="0">
@@ -3865,7 +3581,7 @@
                         </a:spcBef>
                       </a:pPr>
                       <a:r>
-                        <a:rPr sz="1100" spc="0" dirty="0">
+                        <a:rPr lang="es-ES" sz="1100">
                           <a:solidFill>
                             <a:srgbClr val="020302"/>
                           </a:solidFill>
@@ -3874,10 +3590,6 @@
                         </a:rPr>
                         <a:t></a:t>
                       </a:r>
-                      <a:endParaRPr sz="1100" spc="0" dirty="0">
-                        <a:latin typeface="Wingdings"/>
-                        <a:cs typeface="Wingdings"/>
-                      </a:endParaRPr>
                     </a:p>
                   </a:txBody>
                   <a:tcPr marL="0" marR="0" marT="58419" marB="0">
@@ -3907,7 +3619,7 @@
                     <a:bodyPr/>
                     <a:lstStyle/>
                     <a:p>
-                      <a:pPr marL="50800">
+                      <a:pPr marL="50800" algn="l" rtl="0">
                         <a:lnSpc>
                           <a:spcPct val="100000"/>
                         </a:lnSpc>
@@ -3956,19 +3668,15 @@
                         </a:spcBef>
                       </a:pPr>
                       <a:r>
-                        <a:rPr lang="en-US" sz="1100" b="0" i="0" spc="0" dirty="0">
+                        <a:rPr lang="es-ES" sz="1050" b="0" i="0">
                           <a:solidFill>
                             <a:srgbClr val="020302"/>
                           </a:solidFill>
                           <a:latin typeface="Adobe Clean Light" panose="020B0303020404020204" pitchFamily="34" charset="0"/>
                           <a:cs typeface="AdobeClean-Light"/>
                         </a:rPr>
-                        <a:t>24x7 Support via Chat / Phone</a:t>
+                        <a:t>Soporte 24 x 7 por chat/teléfono</a:t>
                       </a:r>
-                      <a:endParaRPr sz="1100" b="0" i="0" spc="0" dirty="0">
-                        <a:latin typeface="Adobe Clean Light" panose="020B0303020404020204" pitchFamily="34" charset="0"/>
-                        <a:cs typeface="AdobeClean-Light"/>
-                      </a:endParaRPr>
                     </a:p>
                   </a:txBody>
                   <a:tcPr marL="0" marR="0" marT="57785" marB="0">
@@ -4003,7 +3711,7 @@
                         </a:spcBef>
                       </a:pPr>
                       <a:r>
-                        <a:rPr sz="1100" spc="0" dirty="0">
+                        <a:rPr lang="es-ES" sz="1100">
                           <a:solidFill>
                             <a:srgbClr val="020302"/>
                           </a:solidFill>
@@ -4012,10 +3720,6 @@
                         </a:rPr>
                         <a:t></a:t>
                       </a:r>
-                      <a:endParaRPr sz="1100" spc="0" dirty="0">
-                        <a:latin typeface="Wingdings"/>
-                        <a:cs typeface="Wingdings"/>
-                      </a:endParaRPr>
                     </a:p>
                   </a:txBody>
                   <a:tcPr marL="0" marR="0" marT="58419" marB="0">
@@ -4049,7 +3753,7 @@
                         </a:spcBef>
                       </a:pPr>
                       <a:r>
-                        <a:rPr sz="1100" spc="0" dirty="0">
+                        <a:rPr lang="es-ES" sz="1100">
                           <a:solidFill>
                             <a:srgbClr val="020302"/>
                           </a:solidFill>
@@ -4058,10 +3762,6 @@
                         </a:rPr>
                         <a:t></a:t>
                       </a:r>
-                      <a:endParaRPr sz="1100" spc="0" dirty="0">
-                        <a:latin typeface="Wingdings"/>
-                        <a:cs typeface="Wingdings"/>
-                      </a:endParaRPr>
                     </a:p>
                   </a:txBody>
                   <a:tcPr marL="0" marR="0" marT="58419" marB="0"/>
@@ -4071,7 +3771,7 @@
                     <a:bodyPr/>
                     <a:lstStyle/>
                     <a:p>
-                      <a:pPr algn="ctr">
+                      <a:pPr algn="l" rtl="0">
                         <a:lnSpc>
                           <a:spcPct val="100000"/>
                         </a:lnSpc>
@@ -4101,7 +3801,7 @@
                         </a:spcBef>
                       </a:pPr>
                       <a:r>
-                        <a:rPr sz="1100" spc="0" dirty="0">
+                        <a:rPr lang="es-ES" sz="1100">
                           <a:solidFill>
                             <a:srgbClr val="020302"/>
                           </a:solidFill>
@@ -4110,10 +3810,6 @@
                         </a:rPr>
                         <a:t></a:t>
                       </a:r>
-                      <a:endParaRPr sz="1100" spc="0" dirty="0">
-                        <a:latin typeface="Wingdings"/>
-                        <a:cs typeface="Wingdings"/>
-                      </a:endParaRPr>
                     </a:p>
                   </a:txBody>
                   <a:tcPr marL="0" marR="0" marT="58419" marB="0"/>
@@ -4132,7 +3828,7 @@
                         </a:spcBef>
                       </a:pPr>
                       <a:r>
-                        <a:rPr sz="1100" spc="0" dirty="0">
+                        <a:rPr lang="es-ES" sz="1100">
                           <a:solidFill>
                             <a:srgbClr val="020302"/>
                           </a:solidFill>
@@ -4141,10 +3837,6 @@
                         </a:rPr>
                         <a:t></a:t>
                       </a:r>
-                      <a:endParaRPr sz="1100" spc="0" dirty="0">
-                        <a:latin typeface="Wingdings"/>
-                        <a:cs typeface="Wingdings"/>
-                      </a:endParaRPr>
                     </a:p>
                   </a:txBody>
                   <a:tcPr marL="0" marR="0" marT="58419" marB="0">
@@ -4168,7 +3860,7 @@
                     <a:bodyPr/>
                     <a:lstStyle/>
                     <a:p>
-                      <a:pPr marL="50800">
+                      <a:pPr marL="50800" algn="l" rtl="0">
                         <a:lnSpc>
                           <a:spcPct val="100000"/>
                         </a:lnSpc>
@@ -4217,16 +3909,12 @@
                         </a:spcBef>
                       </a:pPr>
                       <a:r>
-                        <a:rPr lang="en-US" sz="1100" b="0" i="0" spc="0" dirty="0">
+                        <a:rPr lang="es-ES" sz="1050" b="0" i="0" dirty="0">
                           <a:latin typeface="Adobe Clean Light"/>
                           <a:cs typeface="AdobeClean-Light"/>
                         </a:rPr>
-                        <a:t>Web Case Submissions </a:t>
+                        <a:t>Envíos de casos a través de la web </a:t>
                       </a:r>
-                      <a:endParaRPr sz="1100" b="0" i="0" spc="0" dirty="0">
-                        <a:latin typeface="Adobe Clean Light" panose="020B0303020404020204" pitchFamily="34" charset="0"/>
-                        <a:cs typeface="AdobeClean-Light"/>
-                      </a:endParaRPr>
                     </a:p>
                   </a:txBody>
                   <a:tcPr marL="0" marR="0" marT="57785" marB="0">
@@ -4261,7 +3949,7 @@
                         </a:spcBef>
                       </a:pPr>
                       <a:r>
-                        <a:rPr sz="1100" spc="0" dirty="0">
+                        <a:rPr lang="es-ES" sz="1100">
                           <a:solidFill>
                             <a:srgbClr val="020302"/>
                           </a:solidFill>
@@ -4270,10 +3958,6 @@
                         </a:rPr>
                         <a:t></a:t>
                       </a:r>
-                      <a:endParaRPr sz="1100" spc="0" dirty="0">
-                        <a:latin typeface="Wingdings"/>
-                        <a:cs typeface="Wingdings"/>
-                      </a:endParaRPr>
                     </a:p>
                   </a:txBody>
                   <a:tcPr marL="0" marR="0" marT="58419" marB="0">
@@ -4307,7 +3991,7 @@
                         </a:spcBef>
                       </a:pPr>
                       <a:r>
-                        <a:rPr sz="1100" spc="0" dirty="0">
+                        <a:rPr lang="es-ES" sz="1100">
                           <a:solidFill>
                             <a:srgbClr val="020302"/>
                           </a:solidFill>
@@ -4316,10 +4000,6 @@
                         </a:rPr>
                         <a:t></a:t>
                       </a:r>
-                      <a:endParaRPr sz="1100" spc="0" dirty="0">
-                        <a:latin typeface="Wingdings"/>
-                        <a:cs typeface="Wingdings"/>
-                      </a:endParaRPr>
                     </a:p>
                   </a:txBody>
                   <a:tcPr marL="0" marR="0" marT="58419" marB="0"/>
@@ -4329,7 +4009,7 @@
                     <a:bodyPr/>
                     <a:lstStyle/>
                     <a:p>
-                      <a:pPr algn="ctr">
+                      <a:pPr algn="l" rtl="0">
                         <a:lnSpc>
                           <a:spcPct val="100000"/>
                         </a:lnSpc>
@@ -4359,7 +4039,7 @@
                         </a:spcBef>
                       </a:pPr>
                       <a:r>
-                        <a:rPr sz="1100" spc="0" dirty="0">
+                        <a:rPr lang="es-ES" sz="1100">
                           <a:solidFill>
                             <a:srgbClr val="020302"/>
                           </a:solidFill>
@@ -4368,10 +4048,6 @@
                         </a:rPr>
                         <a:t></a:t>
                       </a:r>
-                      <a:endParaRPr sz="1100" spc="0" dirty="0">
-                        <a:latin typeface="Wingdings"/>
-                        <a:cs typeface="Wingdings"/>
-                      </a:endParaRPr>
                     </a:p>
                   </a:txBody>
                   <a:tcPr marL="0" marR="0" marT="58419" marB="0"/>
@@ -4390,7 +4066,7 @@
                         </a:spcBef>
                       </a:pPr>
                       <a:r>
-                        <a:rPr sz="1100" spc="0" dirty="0">
+                        <a:rPr lang="es-ES" sz="1100">
                           <a:solidFill>
                             <a:srgbClr val="020302"/>
                           </a:solidFill>
@@ -4399,10 +4075,6 @@
                         </a:rPr>
                         <a:t></a:t>
                       </a:r>
-                      <a:endParaRPr sz="1100" spc="0" dirty="0">
-                        <a:latin typeface="Wingdings"/>
-                        <a:cs typeface="Wingdings"/>
-                      </a:endParaRPr>
                     </a:p>
                   </a:txBody>
                   <a:tcPr marL="0" marR="0" marT="58419" marB="0">
@@ -4426,7 +4098,7 @@
                     <a:bodyPr/>
                     <a:lstStyle/>
                     <a:p>
-                      <a:pPr marL="50800">
+                      <a:pPr marL="50800" algn="l" rtl="0">
                         <a:lnSpc>
                           <a:spcPct val="100000"/>
                         </a:lnSpc>
@@ -4484,19 +4156,15 @@
                         </a:spcBef>
                       </a:pPr>
                       <a:r>
-                        <a:rPr lang="en-US" sz="1100" b="0" i="0" spc="0" dirty="0">
+                        <a:rPr lang="es-ES" sz="1050" b="0" i="0" dirty="0">
                           <a:solidFill>
                             <a:srgbClr val="020302"/>
                           </a:solidFill>
                           <a:latin typeface="Adobe Clean Light"/>
                           <a:cs typeface="AdobeClean-Light"/>
                         </a:rPr>
-                        <a:t>Priority Case Routing</a:t>
+                        <a:t>Enrutamiento de casos según prioridad</a:t>
                       </a:r>
-                      <a:endParaRPr sz="1100" b="0" i="0" spc="0" dirty="0">
-                        <a:latin typeface="Adobe Clean Light"/>
-                        <a:cs typeface="AdobeClean-Light"/>
-                      </a:endParaRPr>
                     </a:p>
                   </a:txBody>
                   <a:tcPr marL="0" marR="0" marT="58419" marB="0">
@@ -4525,7 +4193,7 @@
                     <a:bodyPr/>
                     <a:lstStyle/>
                     <a:p>
-                      <a:pPr>
+                      <a:pPr algn="l" rtl="0">
                         <a:lnSpc>
                           <a:spcPct val="100000"/>
                         </a:lnSpc>
@@ -4567,7 +4235,7 @@
                         </a:spcBef>
                       </a:pPr>
                       <a:r>
-                        <a:rPr sz="1100" spc="0" dirty="0">
+                        <a:rPr lang="es-ES" sz="1100">
                           <a:solidFill>
                             <a:srgbClr val="020302"/>
                           </a:solidFill>
@@ -4576,10 +4244,6 @@
                         </a:rPr>
                         <a:t></a:t>
                       </a:r>
-                      <a:endParaRPr sz="1100" spc="0" dirty="0">
-                        <a:latin typeface="Wingdings"/>
-                        <a:cs typeface="Wingdings"/>
-                      </a:endParaRPr>
                     </a:p>
                   </a:txBody>
                   <a:tcPr marL="0" marR="0" marT="59690" marB="0"/>
@@ -4589,7 +4253,7 @@
                     <a:bodyPr/>
                     <a:lstStyle/>
                     <a:p>
-                      <a:pPr algn="ctr">
+                      <a:pPr algn="l" rtl="0">
                         <a:lnSpc>
                           <a:spcPct val="100000"/>
                         </a:lnSpc>
@@ -4619,7 +4283,7 @@
                         </a:spcBef>
                       </a:pPr>
                       <a:r>
-                        <a:rPr sz="1100" spc="0" dirty="0">
+                        <a:rPr lang="es-ES" sz="1100">
                           <a:solidFill>
                             <a:srgbClr val="020302"/>
                           </a:solidFill>
@@ -4628,10 +4292,6 @@
                         </a:rPr>
                         <a:t></a:t>
                       </a:r>
-                      <a:endParaRPr sz="1100" spc="0" dirty="0">
-                        <a:latin typeface="Wingdings"/>
-                        <a:cs typeface="Wingdings"/>
-                      </a:endParaRPr>
                     </a:p>
                   </a:txBody>
                   <a:tcPr marL="0" marR="0" marT="59690" marB="0"/>
@@ -4650,7 +4310,7 @@
                         </a:spcBef>
                       </a:pPr>
                       <a:r>
-                        <a:rPr sz="1100" spc="0" dirty="0">
+                        <a:rPr lang="es-ES" sz="1100">
                           <a:solidFill>
                             <a:srgbClr val="020302"/>
                           </a:solidFill>
@@ -4659,10 +4319,6 @@
                         </a:rPr>
                         <a:t></a:t>
                       </a:r>
-                      <a:endParaRPr sz="1100" spc="0" dirty="0">
-                        <a:latin typeface="Wingdings"/>
-                        <a:cs typeface="Wingdings"/>
-                      </a:endParaRPr>
                     </a:p>
                   </a:txBody>
                   <a:tcPr marL="0" marR="0" marT="59690" marB="0">
@@ -4686,7 +4342,7 @@
                     <a:bodyPr/>
                     <a:lstStyle/>
                     <a:p>
-                      <a:pPr marL="50800">
+                      <a:pPr marL="50800" algn="l" rtl="0">
                         <a:lnSpc>
                           <a:spcPct val="100000"/>
                         </a:lnSpc>
@@ -4753,11 +4409,11 @@
                         <a:defRPr/>
                       </a:pPr>
                       <a:r>
-                        <a:rPr lang="en-US" sz="1100" b="0" i="0" spc="0" dirty="0">
+                        <a:rPr lang="es-ES" sz="1050" b="0" i="0" dirty="0">
                           <a:latin typeface="Adobe Clean Light"/>
                           <a:cs typeface="AdobeClean-Light"/>
                         </a:rPr>
-                        <a:t>Accelerated Issue Prioritization</a:t>
+                        <a:t>Priorización acelerada de problemas</a:t>
                       </a:r>
                     </a:p>
                   </a:txBody>
@@ -4787,7 +4443,7 @@
                     <a:bodyPr/>
                     <a:lstStyle/>
                     <a:p>
-                      <a:pPr>
+                      <a:pPr algn="l" rtl="0">
                         <a:lnSpc>
                           <a:spcPct val="100000"/>
                         </a:lnSpc>
@@ -4829,7 +4485,7 @@
                         </a:spcBef>
                       </a:pPr>
                       <a:r>
-                        <a:rPr sz="1100" spc="0" dirty="0">
+                        <a:rPr lang="es-ES" sz="1100">
                           <a:solidFill>
                             <a:srgbClr val="020302"/>
                           </a:solidFill>
@@ -4838,10 +4494,6 @@
                         </a:rPr>
                         <a:t></a:t>
                       </a:r>
-                      <a:endParaRPr sz="1100" spc="0" dirty="0">
-                        <a:latin typeface="Wingdings"/>
-                        <a:cs typeface="Wingdings"/>
-                      </a:endParaRPr>
                     </a:p>
                   </a:txBody>
                   <a:tcPr marL="0" marR="0" marT="58419" marB="0"/>
@@ -4851,7 +4503,7 @@
                     <a:bodyPr/>
                     <a:lstStyle/>
                     <a:p>
-                      <a:pPr algn="ctr">
+                      <a:pPr algn="l" rtl="0">
                         <a:lnSpc>
                           <a:spcPct val="100000"/>
                         </a:lnSpc>
@@ -4881,7 +4533,7 @@
                         </a:spcBef>
                       </a:pPr>
                       <a:r>
-                        <a:rPr sz="1100" spc="0" dirty="0">
+                        <a:rPr lang="es-ES" sz="1100">
                           <a:solidFill>
                             <a:srgbClr val="020302"/>
                           </a:solidFill>
@@ -4890,10 +4542,6 @@
                         </a:rPr>
                         <a:t></a:t>
                       </a:r>
-                      <a:endParaRPr sz="1100" spc="0" dirty="0">
-                        <a:latin typeface="Wingdings"/>
-                        <a:cs typeface="Wingdings"/>
-                      </a:endParaRPr>
                     </a:p>
                   </a:txBody>
                   <a:tcPr marL="0" marR="0" marT="59690" marB="0"/>
@@ -4912,7 +4560,7 @@
                         </a:spcBef>
                       </a:pPr>
                       <a:r>
-                        <a:rPr sz="1100" spc="0" dirty="0">
+                        <a:rPr lang="es-ES" sz="1100">
                           <a:solidFill>
                             <a:srgbClr val="020302"/>
                           </a:solidFill>
@@ -4921,10 +4569,6 @@
                         </a:rPr>
                         <a:t></a:t>
                       </a:r>
-                      <a:endParaRPr sz="1100" spc="0" dirty="0">
-                        <a:latin typeface="Wingdings"/>
-                        <a:cs typeface="Wingdings"/>
-                      </a:endParaRPr>
                     </a:p>
                   </a:txBody>
                   <a:tcPr marL="0" marR="0" marT="59690" marB="0">
@@ -4967,16 +4611,12 @@
                         </a:spcBef>
                       </a:pPr>
                       <a:r>
-                        <a:rPr lang="en-US" sz="1100" b="0" i="0" spc="0" dirty="0">
+                        <a:rPr lang="es-ES" sz="1050" b="0" i="0">
                           <a:latin typeface="Adobe Clean Light"/>
                           <a:cs typeface="AdobeClean-Light"/>
                         </a:rPr>
-                        <a:t>Escalation Management</a:t>
+                        <a:t>Administración de la escalabilidad</a:t>
                       </a:r>
-                      <a:endParaRPr sz="1100" b="0" i="0" spc="0" dirty="0">
-                        <a:latin typeface="Adobe Clean Light"/>
-                        <a:cs typeface="AdobeClean-Light"/>
-                      </a:endParaRPr>
                     </a:p>
                   </a:txBody>
                   <a:tcPr marL="0" marR="0" marT="57150" marB="0">
@@ -5005,7 +4645,7 @@
                     <a:bodyPr/>
                     <a:lstStyle/>
                     <a:p>
-                      <a:pPr>
+                      <a:pPr algn="l" rtl="0">
                         <a:lnSpc>
                           <a:spcPct val="100000"/>
                         </a:lnSpc>
@@ -5047,7 +4687,7 @@
                         </a:spcBef>
                       </a:pPr>
                       <a:r>
-                        <a:rPr sz="1100" spc="0" dirty="0">
+                        <a:rPr lang="es-ES" sz="1100">
                           <a:solidFill>
                             <a:srgbClr val="020302"/>
                           </a:solidFill>
@@ -5056,10 +4696,6 @@
                         </a:rPr>
                         <a:t></a:t>
                       </a:r>
-                      <a:endParaRPr sz="1100" spc="0" dirty="0">
-                        <a:latin typeface="Wingdings"/>
-                        <a:cs typeface="Wingdings"/>
-                      </a:endParaRPr>
                     </a:p>
                   </a:txBody>
                   <a:tcPr marL="0" marR="0" marT="59690" marB="0"/>
@@ -5069,7 +4705,7 @@
                     <a:bodyPr/>
                     <a:lstStyle/>
                     <a:p>
-                      <a:pPr algn="ctr">
+                      <a:pPr algn="l" rtl="0">
                         <a:lnSpc>
                           <a:spcPct val="100000"/>
                         </a:lnSpc>
@@ -5099,7 +4735,7 @@
                         </a:spcBef>
                       </a:pPr>
                       <a:r>
-                        <a:rPr sz="1100" spc="0" dirty="0">
+                        <a:rPr lang="es-ES" sz="1100">
                           <a:solidFill>
                             <a:srgbClr val="020302"/>
                           </a:solidFill>
@@ -5108,10 +4744,6 @@
                         </a:rPr>
                         <a:t></a:t>
                       </a:r>
-                      <a:endParaRPr sz="1100" spc="0" dirty="0">
-                        <a:latin typeface="Wingdings"/>
-                        <a:cs typeface="Wingdings"/>
-                      </a:endParaRPr>
                     </a:p>
                   </a:txBody>
                   <a:tcPr marL="0" marR="0" marT="59690" marB="0"/>
@@ -5130,7 +4762,7 @@
                         </a:spcBef>
                       </a:pPr>
                       <a:r>
-                        <a:rPr sz="1100" spc="0" dirty="0">
+                        <a:rPr lang="es-ES" sz="1100">
                           <a:solidFill>
                             <a:srgbClr val="020302"/>
                           </a:solidFill>
@@ -5139,10 +4771,6 @@
                         </a:rPr>
                         <a:t></a:t>
                       </a:r>
-                      <a:endParaRPr sz="1100" spc="0" dirty="0">
-                        <a:latin typeface="Wingdings"/>
-                        <a:cs typeface="Wingdings"/>
-                      </a:endParaRPr>
                     </a:p>
                   </a:txBody>
                   <a:tcPr marL="0" marR="0" marT="59690" marB="0">
@@ -5185,16 +4813,12 @@
                         </a:spcBef>
                       </a:pPr>
                       <a:r>
-                        <a:rPr lang="en-US" sz="1100" b="0" i="0" spc="0" dirty="0">
+                        <a:rPr lang="es-ES" sz="1050" b="0" i="0">
                           <a:latin typeface="Adobe Clean Light"/>
                           <a:cs typeface="AdobeClean-Light"/>
                         </a:rPr>
-                        <a:t>Proactive Case Monitoring</a:t>
+                        <a:t>Monitorización proactiva de casos</a:t>
                       </a:r>
-                      <a:endParaRPr sz="1100" b="0" i="0" spc="0" dirty="0">
-                        <a:latin typeface="Adobe Clean Light"/>
-                        <a:cs typeface="AdobeClean-Light"/>
-                      </a:endParaRPr>
                     </a:p>
                   </a:txBody>
                   <a:tcPr marL="0" marR="0" marT="57150" marB="0">
@@ -5223,7 +4847,7 @@
                     <a:bodyPr/>
                     <a:lstStyle/>
                     <a:p>
-                      <a:pPr>
+                      <a:pPr algn="l" rtl="0">
                         <a:lnSpc>
                           <a:spcPct val="100000"/>
                         </a:lnSpc>
@@ -5256,7 +4880,7 @@
                     <a:bodyPr/>
                     <a:lstStyle/>
                     <a:p>
-                      <a:pPr>
+                      <a:pPr algn="l" rtl="0">
                         <a:lnSpc>
                           <a:spcPct val="100000"/>
                         </a:lnSpc>
@@ -5302,7 +4926,7 @@
                         <a:defRPr/>
                       </a:pPr>
                       <a:r>
-                        <a:rPr lang="en-US" sz="1100" spc="0" dirty="0">
+                        <a:rPr lang="es-ES" sz="1100">
                           <a:solidFill>
                             <a:srgbClr val="020302"/>
                           </a:solidFill>
@@ -5311,10 +4935,6 @@
                         </a:rPr>
                         <a:t></a:t>
                       </a:r>
-                      <a:endParaRPr lang="en-US" sz="1100" spc="0" dirty="0">
-                        <a:latin typeface="Wingdings"/>
-                        <a:cs typeface="Wingdings"/>
-                      </a:endParaRPr>
                     </a:p>
                   </a:txBody>
                   <a:tcPr marL="0" marR="0" marT="57150" marB="0"/>
@@ -5342,7 +4962,7 @@
                         <a:defRPr/>
                       </a:pPr>
                       <a:r>
-                        <a:rPr lang="en-US" sz="1100" spc="0" dirty="0">
+                        <a:rPr lang="es-ES" sz="1100">
                           <a:solidFill>
                             <a:srgbClr val="020302"/>
                           </a:solidFill>
@@ -5351,10 +4971,6 @@
                         </a:rPr>
                         <a:t></a:t>
                       </a:r>
-                      <a:endParaRPr lang="en-US" sz="1100" spc="0" dirty="0">
-                        <a:latin typeface="Wingdings"/>
-                        <a:cs typeface="Wingdings"/>
-                      </a:endParaRPr>
                     </a:p>
                   </a:txBody>
                   <a:tcPr marL="0" marR="0" marT="57150" marB="0">
@@ -5378,7 +4994,7 @@
                     <a:bodyPr/>
                     <a:lstStyle/>
                     <a:p>
-                      <a:pPr marL="48895">
+                      <a:pPr marL="48895" algn="l" rtl="0">
                         <a:lnSpc>
                           <a:spcPct val="100000"/>
                         </a:lnSpc>
@@ -5427,19 +5043,15 @@
                         </a:spcBef>
                       </a:pPr>
                       <a:r>
-                        <a:rPr lang="en-US" sz="1100" b="0" i="0" spc="0">
+                        <a:rPr lang="es-ES" sz="1050" b="0" i="0">
                           <a:solidFill>
                             <a:srgbClr val="020302"/>
                           </a:solidFill>
                           <a:latin typeface="Adobe Clean Light"/>
                           <a:cs typeface="AdobeClean-Light"/>
                         </a:rPr>
-                        <a:t>In-Region Support Option</a:t>
+                        <a:t>Opción de soporte en la misma región</a:t>
                       </a:r>
-                      <a:endParaRPr sz="1100" b="0" i="0" spc="0" dirty="0">
-                        <a:latin typeface="Adobe Clean Light" panose="020B0303020404020204" pitchFamily="34" charset="0"/>
-                        <a:cs typeface="AdobeClean-Light"/>
-                      </a:endParaRPr>
                     </a:p>
                   </a:txBody>
                   <a:tcPr marL="0" marR="0" marT="58419" marB="0">
@@ -5462,7 +5074,7 @@
                     <a:bodyPr/>
                     <a:lstStyle/>
                     <a:p>
-                      <a:pPr>
+                      <a:pPr algn="l" rtl="0">
                         <a:lnSpc>
                           <a:spcPct val="100000"/>
                         </a:lnSpc>
@@ -5495,7 +5107,7 @@
                     <a:bodyPr/>
                     <a:lstStyle/>
                     <a:p>
-                      <a:pPr>
+                      <a:pPr algn="l" rtl="0">
                         <a:lnSpc>
                           <a:spcPct val="100000"/>
                         </a:lnSpc>
@@ -5513,7 +5125,7 @@
                     <a:bodyPr/>
                     <a:lstStyle/>
                     <a:p>
-                      <a:pPr>
+                      <a:pPr algn="l" rtl="0">
                         <a:lnSpc>
                           <a:spcPct val="100000"/>
                         </a:lnSpc>
@@ -5549,7 +5161,7 @@
                         <a:defRPr/>
                       </a:pPr>
                       <a:r>
-                        <a:rPr lang="en-US" sz="1100" spc="0" dirty="0">
+                        <a:rPr lang="es-ES" sz="1100">
                           <a:solidFill>
                             <a:srgbClr val="020302"/>
                           </a:solidFill>
@@ -5558,10 +5170,6 @@
                         </a:rPr>
                         <a:t></a:t>
                       </a:r>
-                      <a:endParaRPr lang="en-US" sz="1100" spc="0" dirty="0">
-                        <a:latin typeface="Wingdings"/>
-                        <a:cs typeface="Wingdings"/>
-                      </a:endParaRPr>
                     </a:p>
                   </a:txBody>
                   <a:tcPr marL="0" marR="0" marT="0" marB="0" anchor="ctr"/>
@@ -5580,7 +5188,7 @@
                         </a:spcBef>
                       </a:pPr>
                       <a:r>
-                        <a:rPr sz="1100" spc="0" dirty="0">
+                        <a:rPr lang="es-ES" sz="1100">
                           <a:solidFill>
                             <a:srgbClr val="020302"/>
                           </a:solidFill>
@@ -5589,10 +5197,6 @@
                         </a:rPr>
                         <a:t></a:t>
                       </a:r>
-                      <a:endParaRPr sz="1100" spc="0" dirty="0">
-                        <a:latin typeface="Wingdings"/>
-                        <a:cs typeface="Wingdings"/>
-                      </a:endParaRPr>
                     </a:p>
                   </a:txBody>
                   <a:tcPr marL="0" marR="0" marT="59055" marB="0">
@@ -5616,7 +5220,7 @@
                     <a:bodyPr/>
                     <a:lstStyle/>
                     <a:p>
-                      <a:pPr marL="48895">
+                      <a:pPr marL="48895" algn="l" rtl="0">
                         <a:lnSpc>
                           <a:spcPct val="100000"/>
                         </a:lnSpc>
@@ -5674,19 +5278,15 @@
                         </a:spcBef>
                       </a:pPr>
                       <a:r>
-                        <a:rPr lang="en-US" sz="1100" b="0" i="0" spc="0" dirty="0">
+                        <a:rPr lang="es-ES" sz="1050" b="0" i="0">
                           <a:solidFill>
                             <a:srgbClr val="020302"/>
                           </a:solidFill>
                           <a:latin typeface="Adobe Clean Light"/>
                           <a:cs typeface="AdobeClean-Light"/>
                         </a:rPr>
-                        <a:t>Service Reviews</a:t>
+                        <a:t>Revisiones del servicio</a:t>
                       </a:r>
-                      <a:endParaRPr sz="1100" b="0" i="0" spc="0" dirty="0">
-                        <a:latin typeface="Adobe Clean Light"/>
-                        <a:cs typeface="AdobeClean-Light"/>
-                      </a:endParaRPr>
                     </a:p>
                   </a:txBody>
                   <a:tcPr marL="0" marR="0" marT="59055" marB="0">
@@ -5715,7 +5315,7 @@
                     <a:bodyPr/>
                     <a:lstStyle/>
                     <a:p>
-                      <a:pPr>
+                      <a:pPr algn="l" rtl="0">
                         <a:lnSpc>
                           <a:spcPct val="100000"/>
                         </a:lnSpc>
@@ -5748,7 +5348,7 @@
                     <a:bodyPr/>
                     <a:lstStyle/>
                     <a:p>
-                      <a:pPr>
+                      <a:pPr algn="l" rtl="0">
                         <a:lnSpc>
                           <a:spcPct val="100000"/>
                         </a:lnSpc>
@@ -5766,7 +5366,7 @@
                     <a:bodyPr/>
                     <a:lstStyle/>
                     <a:p>
-                      <a:pPr>
+                      <a:pPr algn="l" rtl="0">
                         <a:lnSpc>
                           <a:spcPct val="100000"/>
                         </a:lnSpc>
@@ -5793,70 +5393,42 @@
                         </a:spcBef>
                       </a:pPr>
                       <a:r>
-                        <a:rPr sz="1100" spc="0" dirty="0">
+                        <a:rPr lang="es-ES" sz="1050" dirty="0">
                           <a:solidFill>
                             <a:srgbClr val="020302"/>
                           </a:solidFill>
                           <a:latin typeface="AdobeClean-Light"/>
                           <a:cs typeface="AdobeClean-Light"/>
                         </a:rPr>
-                        <a:t>2</a:t>
+                        <a:t>2 años</a:t>
                       </a:r>
+                    </a:p>
+                  </a:txBody>
+                  <a:tcPr marL="0" marR="0" marT="57150" marB="0"/>
+                </a:tc>
+                <a:tc>
+                  <a:txBody>
+                    <a:bodyPr/>
+                    <a:lstStyle/>
+                    <a:p>
+                      <a:pPr algn="ctr">
+                        <a:lnSpc>
+                          <a:spcPct val="100000"/>
+                        </a:lnSpc>
+                        <a:spcBef>
+                          <a:spcPts val="450"/>
+                        </a:spcBef>
+                      </a:pPr>
                       <a:r>
-                        <a:rPr lang="en-US" sz="1100" spc="0" dirty="0">
+                        <a:rPr lang="es-ES" sz="1050">
                           <a:solidFill>
                             <a:srgbClr val="020302"/>
                           </a:solidFill>
                           <a:latin typeface="AdobeClean-Light"/>
                           <a:cs typeface="AdobeClean-Light"/>
                         </a:rPr>
-                        <a:t>/year</a:t>
+                        <a:t>4 años</a:t>
                       </a:r>
-                      <a:endParaRPr sz="1100" spc="0" dirty="0">
-                        <a:latin typeface="AdobeClean-Light"/>
-                        <a:cs typeface="AdobeClean-Light"/>
-                      </a:endParaRPr>
-                    </a:p>
-                  </a:txBody>
-                  <a:tcPr marL="0" marR="0" marT="57150" marB="0"/>
-                </a:tc>
-                <a:tc>
-                  <a:txBody>
-                    <a:bodyPr/>
-                    <a:lstStyle/>
-                    <a:p>
-                      <a:pPr algn="ctr">
-                        <a:lnSpc>
-                          <a:spcPct val="100000"/>
-                        </a:lnSpc>
-                        <a:spcBef>
-                          <a:spcPts val="450"/>
-                        </a:spcBef>
-                      </a:pPr>
-                      <a:r>
-                        <a:rPr sz="1100" spc="0" dirty="0">
-                          <a:solidFill>
-                            <a:srgbClr val="020302"/>
-                          </a:solidFill>
-                          <a:latin typeface="AdobeClean-Light"/>
-                          <a:cs typeface="AdobeClean-Light"/>
-                        </a:rPr>
-                        <a:t>4</a:t>
-                      </a:r>
-                      <a:r>
-                        <a:rPr lang="en-US" sz="1100" spc="0" dirty="0">
-                          <a:solidFill>
-                            <a:srgbClr val="020302"/>
-                          </a:solidFill>
-                          <a:latin typeface="AdobeClean-Light"/>
-                          <a:cs typeface="AdobeClean-Light"/>
-                        </a:rPr>
-                        <a:t>/year</a:t>
-                      </a:r>
-                      <a:endParaRPr sz="1100" spc="0" dirty="0">
-                        <a:latin typeface="AdobeClean-Light"/>
-                        <a:cs typeface="AdobeClean-Light"/>
-                      </a:endParaRPr>
                     </a:p>
                   </a:txBody>
                   <a:tcPr marL="0" marR="0" marT="57150" marB="0">
@@ -5880,7 +5452,7 @@
                     <a:bodyPr/>
                     <a:lstStyle/>
                     <a:p>
-                      <a:pPr marL="49530">
+                      <a:pPr marL="49530" algn="l" rtl="0">
                         <a:lnSpc>
                           <a:spcPct val="100000"/>
                         </a:lnSpc>
@@ -5929,16 +5501,12 @@
                         </a:spcBef>
                       </a:pPr>
                       <a:r>
-                        <a:rPr lang="en-US" sz="1100" b="0" i="0" spc="0" dirty="0">
+                        <a:rPr lang="es-ES" sz="1050" b="0" i="0">
                           <a:latin typeface="Adobe Clean Light"/>
                           <a:cs typeface="AdobeClean-Light"/>
                         </a:rPr>
-                        <a:t>Case Reviews</a:t>
+                        <a:t>Reseñas de casos</a:t>
                       </a:r>
-                      <a:endParaRPr sz="1100" b="0" i="0" spc="0" dirty="0">
-                        <a:latin typeface="Adobe Clean Light"/>
-                        <a:cs typeface="AdobeClean-Light"/>
-                      </a:endParaRPr>
                     </a:p>
                   </a:txBody>
                   <a:tcPr marL="0" marR="0" marT="63500" marB="0">
@@ -5961,7 +5529,7 @@
                     <a:bodyPr/>
                     <a:lstStyle/>
                     <a:p>
-                      <a:pPr>
+                      <a:pPr algn="l" rtl="0">
                         <a:lnSpc>
                           <a:spcPct val="100000"/>
                         </a:lnSpc>
@@ -5994,7 +5562,7 @@
                     <a:bodyPr/>
                     <a:lstStyle/>
                     <a:p>
-                      <a:pPr>
+                      <a:pPr algn="l" rtl="0">
                         <a:lnSpc>
                           <a:spcPct val="100000"/>
                         </a:lnSpc>
@@ -6012,7 +5580,7 @@
                     <a:bodyPr/>
                     <a:lstStyle/>
                     <a:p>
-                      <a:pPr>
+                      <a:pPr algn="l" rtl="0">
                         <a:lnSpc>
                           <a:spcPct val="100000"/>
                         </a:lnSpc>
@@ -6039,16 +5607,12 @@
                         </a:spcBef>
                       </a:pPr>
                       <a:r>
-                        <a:rPr lang="en-US" sz="1100" spc="0" dirty="0">
+                        <a:rPr lang="es-ES" sz="1050" dirty="0">
                           <a:latin typeface="AdobeClean-Light"/>
                           <a:cs typeface="AdobeClean-Light"/>
                         </a:rPr>
-                        <a:t>1/month</a:t>
+                        <a:t>1 mes</a:t>
                       </a:r>
-                      <a:endParaRPr sz="1100" spc="0" dirty="0">
-                        <a:latin typeface="AdobeClean-Light"/>
-                        <a:cs typeface="AdobeClean-Light"/>
-                      </a:endParaRPr>
                     </a:p>
                   </a:txBody>
                   <a:tcPr marL="0" marR="0" marT="57150" marB="0"/>
@@ -6067,16 +5631,12 @@
                         </a:spcBef>
                       </a:pPr>
                       <a:r>
-                        <a:rPr lang="en-US" sz="1100" spc="0" dirty="0">
+                        <a:rPr lang="es-ES" sz="1050" dirty="0">
                           <a:latin typeface="AdobeClean-Light"/>
                           <a:cs typeface="AdobeClean-Light"/>
                         </a:rPr>
-                        <a:t>2/month</a:t>
+                        <a:t>2 meses</a:t>
                       </a:r>
-                      <a:endParaRPr sz="1100" spc="0" dirty="0">
-                        <a:latin typeface="AdobeClean-Light"/>
-                        <a:cs typeface="AdobeClean-Light"/>
-                      </a:endParaRPr>
                     </a:p>
                   </a:txBody>
                   <a:tcPr marL="0" marR="0" marT="57150" marB="0">
@@ -6128,11 +5688,11 @@
                         <a:defRPr/>
                       </a:pPr>
                       <a:r>
-                        <a:rPr lang="en-US" sz="1100" b="0" i="0" spc="0" dirty="0">
+                        <a:rPr lang="es-ES" sz="1050" b="0" i="0">
                           <a:latin typeface="Adobe Clean Light" panose="020B0303020404020204" pitchFamily="34" charset="0"/>
                           <a:cs typeface="AdobeClean-Light"/>
                         </a:rPr>
-                        <a:t>Solution Review</a:t>
+                        <a:t>Revisión de soluciones</a:t>
                       </a:r>
                     </a:p>
                   </a:txBody>
@@ -6162,7 +5722,7 @@
                     <a:bodyPr/>
                     <a:lstStyle/>
                     <a:p>
-                      <a:pPr>
+                      <a:pPr algn="l" rtl="0">
                         <a:lnSpc>
                           <a:spcPct val="100000"/>
                         </a:lnSpc>
@@ -6195,7 +5755,7 @@
                     <a:bodyPr/>
                     <a:lstStyle/>
                     <a:p>
-                      <a:pPr>
+                      <a:pPr algn="l" rtl="0">
                         <a:lnSpc>
                           <a:spcPct val="100000"/>
                         </a:lnSpc>
@@ -6223,7 +5783,7 @@
                     <a:bodyPr/>
                     <a:lstStyle/>
                     <a:p>
-                      <a:pPr>
+                      <a:pPr algn="l" rtl="0">
                         <a:lnSpc>
                           <a:spcPct val="100000"/>
                         </a:lnSpc>
@@ -6259,7 +5819,7 @@
                         <a:defRPr/>
                       </a:pPr>
                       <a:r>
-                        <a:rPr lang="en-US" sz="1100" spc="0" dirty="0">
+                        <a:rPr lang="es-ES" sz="1100">
                           <a:solidFill>
                             <a:srgbClr val="020302"/>
                           </a:solidFill>
@@ -6268,10 +5828,6 @@
                         </a:rPr>
                         <a:t></a:t>
                       </a:r>
-                      <a:endParaRPr lang="en-US" sz="1100" spc="0" dirty="0">
-                        <a:latin typeface="Wingdings"/>
-                        <a:cs typeface="Wingdings"/>
-                      </a:endParaRPr>
                     </a:p>
                   </a:txBody>
                   <a:tcPr marL="0" marR="0" marT="64135" marB="0">
@@ -6321,16 +5877,12 @@
                         <a:buNone/>
                       </a:pPr>
                       <a:r>
-                        <a:rPr lang="en-US" sz="1100" b="0" i="0" spc="0" dirty="0">
+                        <a:rPr lang="es-ES" sz="1050" b="0" i="0">
                           <a:latin typeface="Adobe Clean Light"/>
                           <a:cs typeface="AdobeClean-Light"/>
                         </a:rPr>
-                        <a:t>Roadmap Review </a:t>
+                        <a:t>Revisión de planes </a:t>
                       </a:r>
-                      <a:endParaRPr lang="en-US" sz="1100" b="0" i="0" spc="0" dirty="0">
-                        <a:latin typeface="Adobe Clean Light" panose="020B0303020404020204" pitchFamily="34" charset="0"/>
-                        <a:cs typeface="AdobeClean-Light"/>
-                      </a:endParaRPr>
                     </a:p>
                   </a:txBody>
                   <a:tcPr marL="0" marR="0" marT="63500" marB="0">
@@ -6359,7 +5911,7 @@
                     <a:bodyPr/>
                     <a:lstStyle/>
                     <a:p>
-                      <a:pPr>
+                      <a:pPr algn="l" rtl="0">
                         <a:lnSpc>
                           <a:spcPct val="100000"/>
                         </a:lnSpc>
@@ -6392,7 +5944,7 @@
                     <a:bodyPr/>
                     <a:lstStyle/>
                     <a:p>
-                      <a:pPr>
+                      <a:pPr algn="l" rtl="0">
                         <a:lnSpc>
                           <a:spcPct val="100000"/>
                         </a:lnSpc>
@@ -6420,7 +5972,7 @@
                     <a:bodyPr/>
                     <a:lstStyle/>
                     <a:p>
-                      <a:pPr>
+                      <a:pPr algn="l" rtl="0">
                         <a:lnSpc>
                           <a:spcPct val="100000"/>
                         </a:lnSpc>
@@ -6456,7 +6008,7 @@
                         <a:defRPr/>
                       </a:pPr>
                       <a:r>
-                        <a:rPr lang="en-US" sz="1100" spc="0" dirty="0">
+                        <a:rPr lang="es-ES" sz="1100">
                           <a:solidFill>
                             <a:srgbClr val="020302"/>
                           </a:solidFill>
@@ -6465,10 +6017,6 @@
                         </a:rPr>
                         <a:t></a:t>
                       </a:r>
-                      <a:endParaRPr lang="en-US" sz="1100" spc="0" dirty="0">
-                        <a:latin typeface="Wingdings"/>
-                        <a:cs typeface="Wingdings"/>
-                      </a:endParaRPr>
                     </a:p>
                   </a:txBody>
                   <a:tcPr marL="0" marR="0" marT="64135" marB="0">
@@ -6518,19 +6066,15 @@
                         <a:buNone/>
                       </a:pPr>
                       <a:r>
-                        <a:rPr lang="en-US" sz="1100" b="0" i="0" spc="0" dirty="0">
+                        <a:rPr lang="es-ES" sz="1050" b="0" i="0">
                           <a:solidFill>
                             <a:srgbClr val="020302"/>
                           </a:solidFill>
                           <a:latin typeface="Adobe Clean Light"/>
                           <a:cs typeface="AdobeClean-Light"/>
                         </a:rPr>
-                        <a:t>Additional Named Support Contacts </a:t>
+                        <a:t>Personas de contacto de soporte adicionales </a:t>
                       </a:r>
-                      <a:endParaRPr lang="en-US" sz="1100" b="0" i="0" spc="0" dirty="0">
-                        <a:latin typeface="Adobe Clean Light" panose="020B0303020404020204" pitchFamily="34" charset="0"/>
-                        <a:cs typeface="AdobeClean-Light"/>
-                      </a:endParaRPr>
                     </a:p>
                   </a:txBody>
                   <a:tcPr marL="0" marR="0" marT="63500" marB="0">
@@ -6559,7 +6103,7 @@
                     <a:bodyPr/>
                     <a:lstStyle/>
                     <a:p>
-                      <a:pPr>
+                      <a:pPr algn="l" rtl="0">
                         <a:lnSpc>
                           <a:spcPct val="100000"/>
                         </a:lnSpc>
@@ -6592,7 +6136,7 @@
                     <a:bodyPr/>
                     <a:lstStyle/>
                     <a:p>
-                      <a:pPr>
+                      <a:pPr algn="l" rtl="0">
                         <a:lnSpc>
                           <a:spcPct val="100000"/>
                         </a:lnSpc>
@@ -6620,7 +6164,7 @@
                     <a:bodyPr/>
                     <a:lstStyle/>
                     <a:p>
-                      <a:pPr>
+                      <a:pPr algn="l" rtl="0">
                         <a:lnSpc>
                           <a:spcPct val="100000"/>
                         </a:lnSpc>
@@ -6656,7 +6200,7 @@
                         <a:defRPr/>
                       </a:pPr>
                       <a:r>
-                        <a:rPr lang="en-US" sz="1100" spc="0" dirty="0">
+                        <a:rPr lang="es-ES" sz="1100">
                           <a:solidFill>
                             <a:srgbClr val="020302"/>
                           </a:solidFill>
@@ -6665,10 +6209,6 @@
                         </a:rPr>
                         <a:t></a:t>
                       </a:r>
-                      <a:endParaRPr lang="en-US" sz="1100" spc="0" dirty="0">
-                        <a:latin typeface="Wingdings"/>
-                        <a:cs typeface="Wingdings"/>
-                      </a:endParaRPr>
                     </a:p>
                   </a:txBody>
                   <a:tcPr marL="0" marR="0" marT="64135" marB="0">
@@ -6711,16 +6251,12 @@
                         </a:spcBef>
                       </a:pPr>
                       <a:r>
-                        <a:rPr lang="en-US" sz="1100" b="0" i="0" spc="0" dirty="0">
+                        <a:rPr lang="es-ES" sz="1050" b="0" i="0">
                           <a:latin typeface="Adobe Clean Light"/>
                           <a:cs typeface="AdobeClean-Light"/>
                         </a:rPr>
-                        <a:t>Upgrade/Migration Planning</a:t>
+                        <a:t>Planificación de migraciones/actualización</a:t>
                       </a:r>
-                      <a:endParaRPr sz="1100" b="0" i="0" spc="0" dirty="0">
-                        <a:latin typeface="Adobe Clean Light"/>
-                        <a:cs typeface="AdobeClean-Light"/>
-                      </a:endParaRPr>
                     </a:p>
                   </a:txBody>
                   <a:tcPr marL="0" marR="0" marT="63500" marB="0">
@@ -6749,7 +6285,7 @@
                     <a:bodyPr/>
                     <a:lstStyle/>
                     <a:p>
-                      <a:pPr>
+                      <a:pPr algn="l" rtl="0">
                         <a:lnSpc>
                           <a:spcPct val="100000"/>
                         </a:lnSpc>
@@ -6782,7 +6318,7 @@
                     <a:bodyPr/>
                     <a:lstStyle/>
                     <a:p>
-                      <a:pPr>
+                      <a:pPr algn="l" rtl="0">
                         <a:lnSpc>
                           <a:spcPct val="100000"/>
                         </a:lnSpc>
@@ -6810,7 +6346,7 @@
                     <a:bodyPr/>
                     <a:lstStyle/>
                     <a:p>
-                      <a:pPr>
+                      <a:pPr algn="l" rtl="0">
                         <a:lnSpc>
                           <a:spcPct val="100000"/>
                         </a:lnSpc>
@@ -6846,7 +6382,7 @@
                         <a:defRPr/>
                       </a:pPr>
                       <a:r>
-                        <a:rPr lang="en-US" sz="1100" spc="0" dirty="0">
+                        <a:rPr lang="es-ES" sz="1100">
                           <a:solidFill>
                             <a:srgbClr val="020302"/>
                           </a:solidFill>
@@ -6855,10 +6391,6 @@
                         </a:rPr>
                         <a:t></a:t>
                       </a:r>
-                      <a:endParaRPr lang="en-US" sz="1100" spc="0" dirty="0">
-                        <a:latin typeface="Wingdings"/>
-                        <a:cs typeface="Wingdings"/>
-                      </a:endParaRPr>
                     </a:p>
                   </a:txBody>
                   <a:tcPr marL="0" marR="0" marT="64135" marB="0">
@@ -6901,16 +6433,12 @@
                         </a:spcBef>
                       </a:pPr>
                       <a:r>
-                        <a:rPr lang="en-US" sz="1100" b="0" i="0" spc="0" dirty="0">
+                        <a:rPr lang="es-ES" sz="1050" b="0" i="0">
                           <a:latin typeface="Adobe Clean Light"/>
                           <a:cs typeface="AdobeClean-Light"/>
                         </a:rPr>
-                        <a:t>Release Preparation and Planning</a:t>
+                        <a:t>Preparación y planificación de lanzamientos</a:t>
                       </a:r>
-                      <a:endParaRPr sz="1100" b="0" i="0" spc="0" dirty="0">
-                        <a:latin typeface="Adobe Clean Light"/>
-                        <a:cs typeface="AdobeClean-Light"/>
-                      </a:endParaRPr>
                     </a:p>
                   </a:txBody>
                   <a:tcPr marL="0" marR="0" marT="63500" marB="0">
@@ -6939,7 +6467,7 @@
                     <a:bodyPr/>
                     <a:lstStyle/>
                     <a:p>
-                      <a:pPr>
+                      <a:pPr algn="l" rtl="0">
                         <a:lnSpc>
                           <a:spcPct val="100000"/>
                         </a:lnSpc>
@@ -6972,7 +6500,7 @@
                     <a:bodyPr/>
                     <a:lstStyle/>
                     <a:p>
-                      <a:pPr>
+                      <a:pPr algn="l" rtl="0">
                         <a:lnSpc>
                           <a:spcPct val="100000"/>
                         </a:lnSpc>
@@ -7000,7 +6528,7 @@
                     <a:bodyPr/>
                     <a:lstStyle/>
                     <a:p>
-                      <a:pPr>
+                      <a:pPr algn="l" rtl="0">
                         <a:lnSpc>
                           <a:spcPct val="100000"/>
                         </a:lnSpc>
@@ -7036,7 +6564,7 @@
                         <a:defRPr/>
                       </a:pPr>
                       <a:r>
-                        <a:rPr lang="en-US" sz="1100" spc="0" dirty="0">
+                        <a:rPr lang="es-ES" sz="1100">
                           <a:solidFill>
                             <a:srgbClr val="020302"/>
                           </a:solidFill>
@@ -7045,10 +6573,6 @@
                         </a:rPr>
                         <a:t></a:t>
                       </a:r>
-                      <a:endParaRPr lang="en-US" sz="1100" spc="0" dirty="0">
-                        <a:latin typeface="Wingdings"/>
-                        <a:cs typeface="Wingdings"/>
-                      </a:endParaRPr>
                     </a:p>
                   </a:txBody>
                   <a:tcPr marL="0" marR="0" marT="64135" marB="0">
@@ -7072,7 +6596,7 @@
                     <a:bodyPr/>
                     <a:lstStyle/>
                     <a:p>
-                      <a:pPr marL="49530">
+                      <a:pPr marL="49530" algn="l" rtl="0">
                         <a:lnSpc>
                           <a:spcPct val="100000"/>
                         </a:lnSpc>
@@ -7139,16 +6663,12 @@
                         </a:spcBef>
                       </a:pPr>
                       <a:r>
-                        <a:rPr lang="en-US" sz="1100" b="0" i="0" spc="0" dirty="0">
+                        <a:rPr lang="es-ES" sz="1050" b="0" i="0" dirty="0">
                           <a:latin typeface="Adobe Clean Light" panose="020B0303020404020204" pitchFamily="34" charset="0"/>
                           <a:cs typeface="AdobeClean-Light"/>
                         </a:rPr>
-                        <a:t>Executive Sponsor</a:t>
+                        <a:t>Sponsor ejecutivo</a:t>
                       </a:r>
-                      <a:endParaRPr sz="1100" b="0" i="0" spc="0" dirty="0">
-                        <a:latin typeface="Adobe Clean Light" panose="020B0303020404020204" pitchFamily="34" charset="0"/>
-                        <a:cs typeface="AdobeClean-Light"/>
-                      </a:endParaRPr>
                     </a:p>
                   </a:txBody>
                   <a:tcPr marL="0" marR="0" marT="67310" marB="0">
@@ -7183,7 +6703,7 @@
                     <a:bodyPr/>
                     <a:lstStyle/>
                     <a:p>
-                      <a:pPr>
+                      <a:pPr algn="l" rtl="0">
                         <a:lnSpc>
                           <a:spcPct val="100000"/>
                         </a:lnSpc>
@@ -7222,7 +6742,7 @@
                     <a:bodyPr/>
                     <a:lstStyle/>
                     <a:p>
-                      <a:pPr>
+                      <a:pPr algn="l" rtl="0">
                         <a:lnSpc>
                           <a:spcPct val="100000"/>
                         </a:lnSpc>
@@ -7247,7 +6767,7 @@
                     <a:bodyPr/>
                     <a:lstStyle/>
                     <a:p>
-                      <a:pPr>
+                      <a:pPr algn="l" rtl="0">
                         <a:lnSpc>
                           <a:spcPct val="100000"/>
                         </a:lnSpc>
@@ -7275,7 +6795,7 @@
                     <a:bodyPr/>
                     <a:lstStyle/>
                     <a:p>
-                      <a:pPr algn="ctr">
+                      <a:pPr algn="l" rtl="0">
                         <a:lnSpc>
                           <a:spcPct val="100000"/>
                         </a:lnSpc>
@@ -7312,7 +6832,7 @@
                         </a:spcBef>
                       </a:pPr>
                       <a:r>
-                        <a:rPr sz="1100" spc="0" dirty="0">
+                        <a:rPr lang="es-ES" sz="1100" dirty="0">
                           <a:solidFill>
                             <a:srgbClr val="020302"/>
                           </a:solidFill>
@@ -7321,10 +6841,6 @@
                         </a:rPr>
                         <a:t></a:t>
                       </a:r>
-                      <a:endParaRPr sz="1100" spc="0" dirty="0">
-                        <a:latin typeface="Wingdings"/>
-                        <a:cs typeface="Wingdings"/>
-                      </a:endParaRPr>
                     </a:p>
                   </a:txBody>
                   <a:tcPr marL="0" marR="0" marT="62230" marB="0">
@@ -7365,7 +6881,7 @@
         <p:spPr>
           <a:xfrm>
             <a:off x="137890" y="9852238"/>
-            <a:ext cx="2270125" cy="132729"/>
+            <a:ext cx="2529110" cy="132729"/>
           </a:xfrm>
           <a:prstGeom prst="rect">
             <a:avLst/>
@@ -7386,24 +6902,40 @@
               </a:spcBef>
             </a:pPr>
             <a:r>
-              <a:rPr spc="-5" dirty="0"/>
-              <a:t>©202</a:t>
+              <a:rPr lang="es-ES" dirty="0"/>
+              <a:t>©2022 Adobe. </a:t>
             </a:r>
             <a:r>
-              <a:rPr lang="en-US" spc="-5" dirty="0"/>
-              <a:t>2</a:t>
+              <a:rPr lang="es-ES" dirty="0" err="1"/>
+              <a:t>All</a:t>
             </a:r>
             <a:r>
-              <a:rPr spc="-5" dirty="0"/>
-              <a:t> Adobe. All Rights Reserved. Adobe</a:t>
-            </a:r>
-            <a:r>
-              <a:rPr spc="60" dirty="0"/>
+              <a:rPr lang="es-ES" dirty="0"/>
               <a:t> </a:t>
             </a:r>
             <a:r>
-              <a:rPr spc="-5" dirty="0"/>
-              <a:t>Confidential.</a:t>
+              <a:rPr lang="es-ES" dirty="0" err="1"/>
+              <a:t>Rights</a:t>
+            </a:r>
+            <a:r>
+              <a:rPr lang="es-ES" dirty="0"/>
+              <a:t> </a:t>
+            </a:r>
+            <a:r>
+              <a:rPr lang="es-ES" dirty="0" err="1"/>
+              <a:t>Reserved</a:t>
+            </a:r>
+            <a:r>
+              <a:rPr lang="es-ES" dirty="0"/>
+              <a:t>. Adobe </a:t>
+            </a:r>
+            <a:r>
+              <a:rPr lang="es-ES" dirty="0" err="1"/>
+              <a:t>Confidential</a:t>
+            </a:r>
+            <a:r>
+              <a:rPr lang="es-ES" dirty="0"/>
+              <a:t>.</a:t>
             </a:r>
           </a:p>
         </p:txBody>
@@ -7417,14 +6949,14 @@
           <p:nvPr>
             <p:extLst>
               <p:ext uri="{D42A27DB-BD31-4B8C-83A1-F6EECF244321}">
-                <p14:modId xmlns:p14="http://schemas.microsoft.com/office/powerpoint/2010/main" val="2735922411"/>
+                <p14:modId xmlns:p14="http://schemas.microsoft.com/office/powerpoint/2010/main" val="616681469"/>
               </p:ext>
             </p:extLst>
           </p:nvPr>
         </p:nvGraphicFramePr>
         <p:xfrm>
           <a:off x="95250" y="7483227"/>
-          <a:ext cx="7600951" cy="2361428"/>
+          <a:ext cx="7600951" cy="2333191"/>
         </p:xfrm>
         <a:graphic>
           <a:graphicData uri="http://schemas.openxmlformats.org/drawingml/2006/table">
@@ -7433,35 +6965,35 @@
                 <a:tableStyleId>{2D5ABB26-0587-4C30-8999-92F81FD0307C}</a:tableStyleId>
               </a:tblPr>
               <a:tblGrid>
-                <a:gridCol w="3800476">
+                <a:gridCol w="3943350">
                   <a:extLst>
                     <a:ext uri="{9D8B030D-6E8A-4147-A177-3AD203B41FA5}">
                       <a16:colId xmlns:a16="http://schemas.microsoft.com/office/drawing/2014/main" val="20000"/>
                     </a:ext>
                   </a:extLst>
                 </a:gridCol>
-                <a:gridCol w="902012">
+                <a:gridCol w="990600">
                   <a:extLst>
                     <a:ext uri="{9D8B030D-6E8A-4147-A177-3AD203B41FA5}">
                       <a16:colId xmlns:a16="http://schemas.microsoft.com/office/drawing/2014/main" val="20001"/>
                     </a:ext>
                   </a:extLst>
                 </a:gridCol>
-                <a:gridCol w="977180">
+                <a:gridCol w="914400">
                   <a:extLst>
                     <a:ext uri="{9D8B030D-6E8A-4147-A177-3AD203B41FA5}">
                       <a16:colId xmlns:a16="http://schemas.microsoft.com/office/drawing/2014/main" val="20002"/>
                     </a:ext>
                   </a:extLst>
                 </a:gridCol>
-                <a:gridCol w="977180">
+                <a:gridCol w="990600">
                   <a:extLst>
                     <a:ext uri="{9D8B030D-6E8A-4147-A177-3AD203B41FA5}">
                       <a16:colId xmlns:a16="http://schemas.microsoft.com/office/drawing/2014/main" val="20003"/>
                     </a:ext>
                   </a:extLst>
                 </a:gridCol>
-                <a:gridCol w="944103">
+                <a:gridCol w="762001">
                   <a:extLst>
                     <a:ext uri="{9D8B030D-6E8A-4147-A177-3AD203B41FA5}">
                       <a16:colId xmlns:a16="http://schemas.microsoft.com/office/drawing/2014/main" val="20004"/>
@@ -7484,19 +7016,15 @@
                         </a:spcBef>
                       </a:pPr>
                       <a:r>
-                        <a:rPr sz="1000" spc="0" dirty="0">
+                        <a:rPr lang="es-ES" sz="1000">
                           <a:solidFill>
                             <a:srgbClr val="020302"/>
                           </a:solidFill>
                           <a:latin typeface="Adobe Clean"/>
                           <a:cs typeface="Adobe Clean"/>
                         </a:rPr>
-                        <a:t>Priority</a:t>
+                        <a:t>Prioridad</a:t>
                       </a:r>
-                      <a:endParaRPr sz="1000" spc="0" dirty="0">
-                        <a:latin typeface="Adobe Clean"/>
-                        <a:cs typeface="Adobe Clean"/>
-                      </a:endParaRPr>
                     </a:p>
                   </a:txBody>
                   <a:tcPr marL="0" marR="0" marT="7620" marB="0" anchor="ctr">
@@ -7543,49 +7071,15 @@
                         </a:spcBef>
                       </a:pPr>
                       <a:r>
-                        <a:rPr lang="en-US" sz="900" spc="0" dirty="0">
+                        <a:rPr lang="es-ES" sz="900">
                           <a:solidFill>
                             <a:srgbClr val="020302"/>
                           </a:solidFill>
                           <a:latin typeface="Adobe Clean"/>
                           <a:cs typeface="Adobe Clean"/>
                         </a:rPr>
-                        <a:t>Standard</a:t>
+                        <a:t>Soporte Standard</a:t>
                       </a:r>
-                      <a:r>
-                        <a:rPr sz="900" spc="0" dirty="0">
-                          <a:solidFill>
-                            <a:srgbClr val="020302"/>
-                          </a:solidFill>
-                          <a:latin typeface="Adobe Clean"/>
-                          <a:cs typeface="Adobe Clean"/>
-                        </a:rPr>
-                        <a:t> </a:t>
-                      </a:r>
-                      <a:r>
-                        <a:rPr lang="en-US" sz="900" spc="0" dirty="0">
-                          <a:solidFill>
-                            <a:srgbClr val="020302"/>
-                          </a:solidFill>
-                          <a:latin typeface="Adobe Clean"/>
-                          <a:cs typeface="Adobe Clean"/>
-                        </a:rPr>
-                        <a:t> </a:t>
-                      </a:r>
-                      <a:r>
-                        <a:rPr sz="900" spc="0" dirty="0">
-                          <a:solidFill>
-                            <a:srgbClr val="020302"/>
-                          </a:solidFill>
-                          <a:latin typeface="Adobe Clean"/>
-                          <a:cs typeface="Adobe Clean"/>
-                        </a:rPr>
-                        <a:t>Support</a:t>
-                      </a:r>
-                      <a:endParaRPr sz="900" spc="0" dirty="0">
-                        <a:latin typeface="Adobe Clean"/>
-                        <a:cs typeface="Adobe Clean"/>
-                      </a:endParaRPr>
                     </a:p>
                   </a:txBody>
                   <a:tcPr marL="0" marR="0" marT="0" marB="0" anchor="ctr">
@@ -7635,197 +7129,125 @@
                         </a:spcBef>
                       </a:pPr>
                       <a:r>
-                        <a:rPr sz="900" spc="0" dirty="0">
+                        <a:rPr lang="es-ES" sz="900">
                           <a:solidFill>
                             <a:srgbClr val="FFFFFF"/>
                           </a:solidFill>
                           <a:latin typeface="Adobe Clean"/>
                           <a:cs typeface="Adobe Clean"/>
                         </a:rPr>
-                        <a:t>Business</a:t>
+                        <a:t>Soporte Business</a:t>
                       </a:r>
+                    </a:p>
+                  </a:txBody>
+                  <a:tcPr marL="0" marR="0" marT="0" marB="0" anchor="ctr">
+                    <a:lnL w="3175">
+                      <a:solidFill>
+                        <a:srgbClr val="B7B8B8"/>
+                      </a:solidFill>
+                      <a:prstDash val="solid"/>
+                    </a:lnL>
+                    <a:lnR w="3175">
+                      <a:solidFill>
+                        <a:srgbClr val="B7B8B8"/>
+                      </a:solidFill>
+                      <a:prstDash val="solid"/>
+                    </a:lnR>
+                    <a:lnT w="3175">
+                      <a:solidFill>
+                        <a:srgbClr val="B7B8B8"/>
+                      </a:solidFill>
+                      <a:prstDash val="solid"/>
+                    </a:lnT>
+                    <a:lnB w="76200">
+                      <a:solidFill>
+                        <a:srgbClr val="ACD2FF"/>
+                      </a:solidFill>
+                      <a:prstDash val="solid"/>
+                    </a:lnB>
+                    <a:solidFill>
+                      <a:srgbClr val="7D7D7D"/>
+                    </a:solidFill>
+                  </a:tcPr>
+                </a:tc>
+                <a:tc>
+                  <a:txBody>
+                    <a:bodyPr/>
+                    <a:lstStyle/>
+                    <a:p>
+                      <a:pPr marL="0" algn="ctr">
+                        <a:lnSpc>
+                          <a:spcPct val="100000"/>
+                        </a:lnSpc>
+                        <a:spcBef>
+                          <a:spcPts val="60"/>
+                        </a:spcBef>
+                      </a:pPr>
                       <a:r>
-                        <a:rPr lang="en-US" sz="900" spc="0" dirty="0">
+                        <a:rPr lang="es-ES" sz="900">
                           <a:solidFill>
                             <a:srgbClr val="FFFFFF"/>
                           </a:solidFill>
                           <a:latin typeface="Adobe Clean"/>
                           <a:cs typeface="Adobe Clean"/>
                         </a:rPr>
-                        <a:t> </a:t>
+                        <a:t>Soporte Enterprise</a:t>
                       </a:r>
+                    </a:p>
+                  </a:txBody>
+                  <a:tcPr marL="0" marR="0" marT="0" marB="0" anchor="ctr">
+                    <a:lnL w="3175">
+                      <a:solidFill>
+                        <a:srgbClr val="B7B8B8"/>
+                      </a:solidFill>
+                      <a:prstDash val="solid"/>
+                    </a:lnL>
+                    <a:lnR w="3175">
+                      <a:solidFill>
+                        <a:srgbClr val="B7B8B8"/>
+                      </a:solidFill>
+                      <a:prstDash val="solid"/>
+                    </a:lnR>
+                    <a:lnT w="3175">
+                      <a:solidFill>
+                        <a:srgbClr val="B7B8B8"/>
+                      </a:solidFill>
+                      <a:prstDash val="solid"/>
+                    </a:lnT>
+                    <a:lnB w="76200">
+                      <a:solidFill>
+                        <a:srgbClr val="2E8FFF"/>
+                      </a:solidFill>
+                      <a:prstDash val="solid"/>
+                    </a:lnB>
+                    <a:solidFill>
+                      <a:srgbClr val="404040"/>
+                    </a:solidFill>
+                  </a:tcPr>
+                </a:tc>
+                <a:tc>
+                  <a:txBody>
+                    <a:bodyPr/>
+                    <a:lstStyle/>
+                    <a:p>
+                      <a:pPr marL="0" algn="ctr">
+                        <a:lnSpc>
+                          <a:spcPct val="100000"/>
+                        </a:lnSpc>
+                        <a:spcBef>
+                          <a:spcPts val="60"/>
+                        </a:spcBef>
+                      </a:pPr>
                       <a:r>
-                        <a:rPr sz="900" spc="0" dirty="0">
+                        <a:rPr lang="es-ES" sz="900">
                           <a:solidFill>
                             <a:srgbClr val="FFFFFF"/>
                           </a:solidFill>
                           <a:latin typeface="Adobe Clean"/>
                           <a:cs typeface="Adobe Clean"/>
                         </a:rPr>
-                        <a:t>Support</a:t>
+                        <a:t>Soporte Elite</a:t>
                       </a:r>
-                      <a:endParaRPr sz="900" spc="0" dirty="0">
-                        <a:latin typeface="Adobe Clean"/>
-                        <a:cs typeface="Adobe Clean"/>
-                      </a:endParaRPr>
-                    </a:p>
-                  </a:txBody>
-                  <a:tcPr marL="0" marR="0" marT="0" marB="0" anchor="ctr">
-                    <a:lnL w="3175">
-                      <a:solidFill>
-                        <a:srgbClr val="B7B8B8"/>
-                      </a:solidFill>
-                      <a:prstDash val="solid"/>
-                    </a:lnL>
-                    <a:lnR w="3175">
-                      <a:solidFill>
-                        <a:srgbClr val="B7B8B8"/>
-                      </a:solidFill>
-                      <a:prstDash val="solid"/>
-                    </a:lnR>
-                    <a:lnT w="3175">
-                      <a:solidFill>
-                        <a:srgbClr val="B7B8B8"/>
-                      </a:solidFill>
-                      <a:prstDash val="solid"/>
-                    </a:lnT>
-                    <a:lnB w="76200">
-                      <a:solidFill>
-                        <a:srgbClr val="ACD2FF"/>
-                      </a:solidFill>
-                      <a:prstDash val="solid"/>
-                    </a:lnB>
-                    <a:solidFill>
-                      <a:srgbClr val="7D7D7D"/>
-                    </a:solidFill>
-                  </a:tcPr>
-                </a:tc>
-                <a:tc>
-                  <a:txBody>
-                    <a:bodyPr/>
-                    <a:lstStyle/>
-                    <a:p>
-                      <a:pPr marL="0" algn="ctr">
-                        <a:lnSpc>
-                          <a:spcPct val="100000"/>
-                        </a:lnSpc>
-                        <a:spcBef>
-                          <a:spcPts val="60"/>
-                        </a:spcBef>
-                      </a:pPr>
-                      <a:r>
-                        <a:rPr sz="900" spc="0" dirty="0">
-                          <a:solidFill>
-                            <a:srgbClr val="FFFFFF"/>
-                          </a:solidFill>
-                          <a:latin typeface="Adobe Clean"/>
-                          <a:cs typeface="Adobe Clean"/>
-                        </a:rPr>
-                        <a:t>Enterprise </a:t>
-                      </a:r>
-                      <a:r>
-                        <a:rPr lang="en-US" sz="900" spc="0" dirty="0">
-                          <a:solidFill>
-                            <a:srgbClr val="FFFFFF"/>
-                          </a:solidFill>
-                          <a:latin typeface="Adobe Clean"/>
-                          <a:cs typeface="Adobe Clean"/>
-                        </a:rPr>
-                        <a:t> </a:t>
-                      </a:r>
-                      <a:r>
-                        <a:rPr sz="900" spc="0" dirty="0">
-                          <a:solidFill>
-                            <a:srgbClr val="FFFFFF"/>
-                          </a:solidFill>
-                          <a:latin typeface="Adobe Clean"/>
-                          <a:cs typeface="Adobe Clean"/>
-                        </a:rPr>
-                        <a:t>Support</a:t>
-                      </a:r>
-                      <a:endParaRPr sz="900" spc="0" dirty="0">
-                        <a:latin typeface="Adobe Clean"/>
-                        <a:cs typeface="Adobe Clean"/>
-                      </a:endParaRPr>
-                    </a:p>
-                  </a:txBody>
-                  <a:tcPr marL="0" marR="0" marT="0" marB="0" anchor="ctr">
-                    <a:lnL w="3175">
-                      <a:solidFill>
-                        <a:srgbClr val="B7B8B8"/>
-                      </a:solidFill>
-                      <a:prstDash val="solid"/>
-                    </a:lnL>
-                    <a:lnR w="3175">
-                      <a:solidFill>
-                        <a:srgbClr val="B7B8B8"/>
-                      </a:solidFill>
-                      <a:prstDash val="solid"/>
-                    </a:lnR>
-                    <a:lnT w="3175">
-                      <a:solidFill>
-                        <a:srgbClr val="B7B8B8"/>
-                      </a:solidFill>
-                      <a:prstDash val="solid"/>
-                    </a:lnT>
-                    <a:lnB w="76200">
-                      <a:solidFill>
-                        <a:srgbClr val="2E8FFF"/>
-                      </a:solidFill>
-                      <a:prstDash val="solid"/>
-                    </a:lnB>
-                    <a:solidFill>
-                      <a:srgbClr val="404040"/>
-                    </a:solidFill>
-                  </a:tcPr>
-                </a:tc>
-                <a:tc>
-                  <a:txBody>
-                    <a:bodyPr/>
-                    <a:lstStyle/>
-                    <a:p>
-                      <a:pPr marL="0" algn="ctr">
-                        <a:lnSpc>
-                          <a:spcPct val="100000"/>
-                        </a:lnSpc>
-                        <a:spcBef>
-                          <a:spcPts val="60"/>
-                        </a:spcBef>
-                      </a:pPr>
-                      <a:r>
-                        <a:rPr sz="900" spc="0" dirty="0">
-                          <a:solidFill>
-                            <a:srgbClr val="FFFFFF"/>
-                          </a:solidFill>
-                          <a:latin typeface="Adobe Clean"/>
-                          <a:cs typeface="Adobe Clean"/>
-                        </a:rPr>
-                        <a:t>Elite</a:t>
-                      </a:r>
-                      <a:r>
-                        <a:rPr lang="en-US" sz="900" spc="0" dirty="0">
-                          <a:solidFill>
-                            <a:srgbClr val="FFFFFF"/>
-                          </a:solidFill>
-                          <a:latin typeface="Adobe Clean"/>
-                          <a:cs typeface="Adobe Clean"/>
-                        </a:rPr>
-                        <a:t> </a:t>
-                      </a:r>
-                      <a:r>
-                        <a:rPr sz="900" spc="0" dirty="0">
-                          <a:solidFill>
-                            <a:srgbClr val="FFFFFF"/>
-                          </a:solidFill>
-                          <a:latin typeface="Adobe Clean"/>
-                          <a:cs typeface="Adobe Clean"/>
-                        </a:rPr>
-                        <a:t>Support</a:t>
-                      </a:r>
-                      <a:endParaRPr sz="900" spc="0" dirty="0">
-                        <a:latin typeface="Adobe Clean"/>
-                        <a:cs typeface="Adobe Clean"/>
-                      </a:endParaRPr>
                     </a:p>
                   </a:txBody>
                   <a:tcPr marL="0" marR="0" marT="0" marB="0" anchor="ctr">
@@ -7879,19 +7301,15 @@
                         </a:spcBef>
                       </a:pPr>
                       <a:r>
-                        <a:rPr sz="900" b="1" spc="0" dirty="0">
+                        <a:rPr lang="es-ES" sz="850" b="1" dirty="0">
                           <a:solidFill>
                             <a:srgbClr val="020302"/>
                           </a:solidFill>
                           <a:latin typeface="Adobe Clean"/>
                           <a:cs typeface="Adobe Clean"/>
                         </a:rPr>
-                        <a:t>PRIORITY 1</a:t>
+                        <a:t>PRIORIDAD 1</a:t>
                       </a:r>
-                      <a:endParaRPr sz="900" spc="0" dirty="0">
-                        <a:latin typeface="Adobe Clean"/>
-                        <a:cs typeface="Adobe Clean"/>
-                      </a:endParaRPr>
                     </a:p>
                     <a:p>
                       <a:pPr marL="50800" marR="387985">
@@ -7903,19 +7321,14 @@
                         </a:spcBef>
                       </a:pPr>
                       <a:r>
-                        <a:rPr lang="en-US" sz="900" b="0" i="0" spc="0" dirty="0">
+                        <a:rPr lang="es-ES" sz="850" b="0" i="0" dirty="0">
                           <a:solidFill>
                             <a:srgbClr val="000000"/>
                           </a:solidFill>
-                          <a:effectLst/>
                           <a:latin typeface="Adobe Clean Light" panose="020B0303020404020204" pitchFamily="34" charset="0"/>
                         </a:rPr>
-                        <a:t>Customer's production business functions are down or have significant data loss or service degradation and immediate attention is required to restore functionality and usability. </a:t>
+                        <a:t>Las funciones empresariales de producción del cliente no están activadas o pierden datos o presentan una degradación del servicio significativa, por lo que se requiere atención inmediata para restaurar la funcionalidad y facilidad de uso. </a:t>
                       </a:r>
-                      <a:endParaRPr sz="900" spc="0" dirty="0">
-                        <a:latin typeface="AdobeClean-Light"/>
-                        <a:cs typeface="AdobeClean-Light"/>
-                      </a:endParaRPr>
                     </a:p>
                   </a:txBody>
                   <a:tcPr marL="0" marR="0" marT="0" marB="0" anchor="ctr">
@@ -7962,7 +7375,7 @@
                         </a:spcBef>
                       </a:pPr>
                       <a:r>
-                        <a:rPr lang="en-US" sz="900" spc="0" dirty="0">
+                        <a:rPr lang="es-ES" sz="850">
                           <a:solidFill>
                             <a:srgbClr val="020302"/>
                           </a:solidFill>
@@ -7982,19 +7395,15 @@
                         </a:spcBef>
                       </a:pPr>
                       <a:r>
-                        <a:rPr lang="en-US" sz="900" spc="0" dirty="0">
+                        <a:rPr lang="es-ES" sz="850">
                           <a:solidFill>
                             <a:srgbClr val="020302"/>
                           </a:solidFill>
                           <a:latin typeface="AdobeClean-Light"/>
                           <a:cs typeface="AdobeClean-Light"/>
                         </a:rPr>
-                        <a:t> 30 minutes</a:t>
+                        <a:t> 30 minutos</a:t>
                       </a:r>
-                      <a:endParaRPr lang="en-US" sz="900" spc="0" dirty="0">
-                        <a:latin typeface="AdobeClean-Light"/>
-                        <a:cs typeface="AdobeClean-Light"/>
-                      </a:endParaRPr>
                     </a:p>
                   </a:txBody>
                   <a:tcPr marL="0" marR="0" marT="0" marB="0" anchor="ctr">
@@ -8039,10 +7448,10 @@
                         <a:tabLst/>
                       </a:pPr>
                       <a:r>
-                        <a:rPr lang="en-US" sz="900" i="0" spc="0" dirty="0">
+                        <a:rPr lang="es-ES" sz="850" i="0" dirty="0">
                           <a:latin typeface="AdobeClean-Light"/>
                         </a:rPr>
-                        <a:t>Customers who purchase a Support Plan for applicable Adobe Products and Services receive priority case routing that fast-tracks cases to Adobe’s Support Engineers. </a:t>
+                        <a:t>Los clientes que adquieran un plan de soporte para servicios y productos de Adobe aplicables reciben enrutamiento de casos según prioridad que acelera la derivación de casos a los ingenieros de soporte de Adobe. </a:t>
                       </a:r>
                     </a:p>
                   </a:txBody>
@@ -8090,7 +7499,7 @@
                         </a:spcBef>
                       </a:pPr>
                       <a:r>
-                        <a:rPr sz="900" spc="0">
+                        <a:rPr lang="es-ES" sz="900">
                           <a:solidFill>
                             <a:srgbClr val="020302"/>
                           </a:solidFill>
@@ -8100,10 +7509,52 @@
                           <a:latin typeface="AdobeClean-Light"/>
                           <a:cs typeface="AdobeClean-Light"/>
                         </a:rPr>
-                        <a:t>24x7 /  </a:t>
+                        <a:t>24x7 /           30 minutos</a:t>
                       </a:r>
+                    </a:p>
+                  </a:txBody>
+                  <a:tcPr marL="0" marR="0" marT="0" marB="0" anchor="ctr">
+                    <a:lnL w="3175">
+                      <a:solidFill>
+                        <a:srgbClr val="B7B8B8"/>
+                      </a:solidFill>
+                      <a:prstDash val="solid"/>
+                    </a:lnL>
+                    <a:lnR w="3175">
+                      <a:solidFill>
+                        <a:srgbClr val="B7B8B8"/>
+                      </a:solidFill>
+                      <a:prstDash val="solid"/>
+                    </a:lnR>
+                    <a:lnT w="76200">
+                      <a:solidFill>
+                        <a:srgbClr val="2E8FFF"/>
+                      </a:solidFill>
+                      <a:prstDash val="solid"/>
+                    </a:lnT>
+                    <a:lnB w="3175">
+                      <a:solidFill>
+                        <a:srgbClr val="B7B8B8"/>
+                      </a:solidFill>
+                      <a:prstDash val="solid"/>
+                    </a:lnB>
+                  </a:tcPr>
+                </a:tc>
+                <a:tc rowSpan="4" hMerge="1">
+                  <a:txBody>
+                    <a:bodyPr/>
+                    <a:lstStyle/>
+                    <a:p>
+                      <a:pPr marL="0" marR="271780" indent="103505" algn="ctr">
+                        <a:lnSpc>
+                          <a:spcPct val="100000"/>
+                        </a:lnSpc>
+                        <a:spcBef>
+                          <a:spcPts val="670"/>
+                        </a:spcBef>
+                      </a:pPr>
                       <a:r>
-                        <a:rPr lang="en-US" sz="900" spc="0">
+                        <a:rPr lang="es-ES" sz="900">
                           <a:solidFill>
                             <a:srgbClr val="020302"/>
                           </a:solidFill>
@@ -8113,168 +7564,8 @@
                           <a:latin typeface="AdobeClean-Light"/>
                           <a:cs typeface="AdobeClean-Light"/>
                         </a:rPr>
-                        <a:t>         </a:t>
+                        <a:t>24x7 /         15 minutos</a:t>
                       </a:r>
-                      <a:r>
-                        <a:rPr sz="900" spc="0">
-                          <a:solidFill>
-                            <a:srgbClr val="020302"/>
-                          </a:solidFill>
-                          <a:highlight>
-                            <a:srgbClr val="FFFF00"/>
-                          </a:highlight>
-                          <a:latin typeface="AdobeClean-Light"/>
-                          <a:cs typeface="AdobeClean-Light"/>
-                        </a:rPr>
-                        <a:t>30</a:t>
-                      </a:r>
-                      <a:r>
-                        <a:rPr lang="en-US" sz="900" spc="0">
-                          <a:solidFill>
-                            <a:srgbClr val="020302"/>
-                          </a:solidFill>
-                          <a:highlight>
-                            <a:srgbClr val="FFFF00"/>
-                          </a:highlight>
-                          <a:latin typeface="AdobeClean-Light"/>
-                          <a:cs typeface="AdobeClean-Light"/>
-                        </a:rPr>
-                        <a:t> </a:t>
-                      </a:r>
-                      <a:r>
-                        <a:rPr sz="900" spc="0">
-                          <a:solidFill>
-                            <a:srgbClr val="020302"/>
-                          </a:solidFill>
-                          <a:highlight>
-                            <a:srgbClr val="FFFF00"/>
-                          </a:highlight>
-                          <a:latin typeface="AdobeClean-Light"/>
-                          <a:cs typeface="AdobeClean-Light"/>
-                        </a:rPr>
-                        <a:t>minutes</a:t>
-                      </a:r>
-                      <a:endParaRPr sz="900" spc="0">
-                        <a:highlight>
-                          <a:srgbClr val="FFFF00"/>
-                        </a:highlight>
-                        <a:latin typeface="AdobeClean-Light"/>
-                        <a:cs typeface="AdobeClean-Light"/>
-                      </a:endParaRPr>
-                    </a:p>
-                  </a:txBody>
-                  <a:tcPr marL="0" marR="0" marT="0" marB="0" anchor="ctr">
-                    <a:lnL w="3175">
-                      <a:solidFill>
-                        <a:srgbClr val="B7B8B8"/>
-                      </a:solidFill>
-                      <a:prstDash val="solid"/>
-                    </a:lnL>
-                    <a:lnR w="3175">
-                      <a:solidFill>
-                        <a:srgbClr val="B7B8B8"/>
-                      </a:solidFill>
-                      <a:prstDash val="solid"/>
-                    </a:lnR>
-                    <a:lnT w="76200">
-                      <a:solidFill>
-                        <a:srgbClr val="2E8FFF"/>
-                      </a:solidFill>
-                      <a:prstDash val="solid"/>
-                    </a:lnT>
-                    <a:lnB w="3175">
-                      <a:solidFill>
-                        <a:srgbClr val="B7B8B8"/>
-                      </a:solidFill>
-                      <a:prstDash val="solid"/>
-                    </a:lnB>
-                  </a:tcPr>
-                </a:tc>
-                <a:tc rowSpan="4" hMerge="1">
-                  <a:txBody>
-                    <a:bodyPr/>
-                    <a:lstStyle/>
-                    <a:p>
-                      <a:pPr marL="0" marR="271780" indent="103505" algn="ctr">
-                        <a:lnSpc>
-                          <a:spcPct val="100000"/>
-                        </a:lnSpc>
-                        <a:spcBef>
-                          <a:spcPts val="670"/>
-                        </a:spcBef>
-                      </a:pPr>
-                      <a:r>
-                        <a:rPr sz="900" spc="0">
-                          <a:solidFill>
-                            <a:srgbClr val="020302"/>
-                          </a:solidFill>
-                          <a:highlight>
-                            <a:srgbClr val="FFFF00"/>
-                          </a:highlight>
-                          <a:latin typeface="AdobeClean-Light"/>
-                          <a:cs typeface="AdobeClean-Light"/>
-                        </a:rPr>
-                        <a:t>24x7 / </a:t>
-                      </a:r>
-                      <a:r>
-                        <a:rPr lang="en-US" sz="900" spc="0">
-                          <a:solidFill>
-                            <a:srgbClr val="020302"/>
-                          </a:solidFill>
-                          <a:highlight>
-                            <a:srgbClr val="FFFF00"/>
-                          </a:highlight>
-                          <a:latin typeface="AdobeClean-Light"/>
-                          <a:cs typeface="AdobeClean-Light"/>
-                        </a:rPr>
-                        <a:t>       </a:t>
-                      </a:r>
-                      <a:r>
-                        <a:rPr sz="900" spc="0">
-                          <a:solidFill>
-                            <a:srgbClr val="020302"/>
-                          </a:solidFill>
-                          <a:highlight>
-                            <a:srgbClr val="FFFF00"/>
-                          </a:highlight>
-                          <a:latin typeface="AdobeClean-Light"/>
-                          <a:cs typeface="AdobeClean-Light"/>
-                        </a:rPr>
-                        <a:t> 15</a:t>
-                      </a:r>
-                      <a:r>
-                        <a:rPr lang="en-US" sz="900" spc="0">
-                          <a:solidFill>
-                            <a:srgbClr val="020302"/>
-                          </a:solidFill>
-                          <a:highlight>
-                            <a:srgbClr val="FFFF00"/>
-                          </a:highlight>
-                          <a:latin typeface="AdobeClean-Light"/>
-                          <a:cs typeface="AdobeClean-Light"/>
-                        </a:rPr>
-                        <a:t> </a:t>
-                      </a:r>
-                      <a:r>
-                        <a:rPr sz="900" spc="0">
-                          <a:solidFill>
-                            <a:srgbClr val="020302"/>
-                          </a:solidFill>
-                          <a:highlight>
-                            <a:srgbClr val="FFFF00"/>
-                          </a:highlight>
-                          <a:latin typeface="AdobeClean-Light"/>
-                          <a:cs typeface="AdobeClean-Light"/>
-                        </a:rPr>
-                        <a:t>minutes</a:t>
-                      </a:r>
-                      <a:endParaRPr sz="900" spc="0">
-                        <a:highlight>
-                          <a:srgbClr val="FFFF00"/>
-                        </a:highlight>
-                        <a:latin typeface="AdobeClean-Light"/>
-                        <a:cs typeface="AdobeClean-Light"/>
-                      </a:endParaRPr>
                     </a:p>
                   </a:txBody>
                   <a:tcPr marL="0" marR="0" marT="0" marB="0" anchor="ctr">
@@ -8325,19 +7616,15 @@
                         </a:spcBef>
                       </a:pPr>
                       <a:r>
-                        <a:rPr sz="900" b="1" spc="0" dirty="0">
+                        <a:rPr lang="es-ES" sz="850" b="1" dirty="0">
                           <a:solidFill>
                             <a:srgbClr val="020302"/>
                           </a:solidFill>
                           <a:latin typeface="Adobe Clean"/>
                           <a:cs typeface="Adobe Clean"/>
                         </a:rPr>
-                        <a:t>PRIORITY 2</a:t>
+                        <a:t>PRIORIDAD 2</a:t>
                       </a:r>
-                      <a:endParaRPr sz="900" spc="0" dirty="0">
-                        <a:latin typeface="Adobe Clean"/>
-                        <a:cs typeface="Adobe Clean"/>
-                      </a:endParaRPr>
                     </a:p>
                     <a:p>
                       <a:pPr marL="50165" marR="203200" indent="0" defTabSz="914400" eaLnBrk="1" fontAlgn="auto" latinLnBrk="0" hangingPunct="1">
@@ -8358,19 +7645,14 @@
                         <a:defRPr/>
                       </a:pPr>
                       <a:r>
-                        <a:rPr lang="en-US" sz="900" b="0" i="0" spc="0" dirty="0">
+                        <a:rPr lang="es-ES" sz="850" b="0" i="0" dirty="0">
                           <a:solidFill>
                             <a:srgbClr val="000000"/>
                           </a:solidFill>
-                          <a:effectLst/>
                           <a:latin typeface="Adobe Clean Light" panose="020B0303020404020204" pitchFamily="34" charset="0"/>
                         </a:rPr>
-                        <a:t>Customer's business functions have major service degradation or potential data loss, or a major feature is impacted.  </a:t>
+                        <a:t>Las funciones empresariales del cliente presentan degradaciones importantes del servicio o hay una posible pérdida de datos, o una función clave se está viendo afectada.  </a:t>
                       </a:r>
-                      <a:endParaRPr sz="900" b="0" i="0" spc="0" dirty="0">
-                        <a:latin typeface="Adobe Clean Light" panose="020B0303020404020204" pitchFamily="34" charset="0"/>
-                        <a:cs typeface="AdobeClean-Light"/>
-                      </a:endParaRPr>
                     </a:p>
                   </a:txBody>
                   <a:tcPr marL="0" marR="0" marT="0" marB="0" anchor="ctr">
@@ -8417,7 +7699,7 @@
                         </a:spcBef>
                       </a:pPr>
                       <a:r>
-                        <a:rPr lang="en-US" sz="900" spc="0" dirty="0">
+                        <a:rPr lang="es-ES" sz="850">
                           <a:solidFill>
                             <a:srgbClr val="020302"/>
                           </a:solidFill>
@@ -8437,19 +7719,15 @@
                         </a:spcBef>
                       </a:pPr>
                       <a:r>
-                        <a:rPr lang="en-US" sz="900" spc="0" dirty="0">
+                        <a:rPr lang="es-ES" sz="850">
                           <a:solidFill>
                             <a:srgbClr val="020302"/>
                           </a:solidFill>
                           <a:latin typeface="AdobeClean-Light"/>
                           <a:cs typeface="AdobeClean-Light"/>
                         </a:rPr>
-                        <a:t>     1 hour</a:t>
+                        <a:t>     1 hora</a:t>
                       </a:r>
-                      <a:endParaRPr lang="en-US" sz="900" spc="0" dirty="0">
-                        <a:latin typeface="AdobeClean-Light"/>
-                        <a:cs typeface="AdobeClean-Light"/>
-                      </a:endParaRPr>
                     </a:p>
                   </a:txBody>
                   <a:tcPr marL="0" marR="0" marT="0" marB="0" anchor="ctr">
@@ -8484,7 +7762,7 @@
                     <a:bodyPr/>
                     <a:lstStyle/>
                     <a:p>
-                      <a:pPr marL="0" marR="184785" indent="-194310" algn="ctr">
+                      <a:pPr marL="0" marR="184785" indent="-194310" algn="l" rtl="0">
                         <a:lnSpc>
                           <a:spcPct val="100000"/>
                         </a:lnSpc>
@@ -8536,7 +7814,7 @@
                     <a:bodyPr/>
                     <a:lstStyle/>
                     <a:p>
-                      <a:pPr marL="0" marR="325755" indent="-5715" algn="ctr">
+                      <a:pPr marL="0" marR="325755" indent="-5715" algn="l" rtl="0">
                         <a:lnSpc>
                           <a:spcPct val="100000"/>
                         </a:lnSpc>
@@ -8585,7 +7863,7 @@
                     <a:bodyPr/>
                     <a:lstStyle/>
                     <a:p>
-                      <a:pPr marL="0" marR="259079" indent="111760" algn="ctr">
+                      <a:pPr marL="0" marR="259079" indent="111760" algn="l" rtl="0">
                         <a:lnSpc>
                           <a:spcPct val="100000"/>
                         </a:lnSpc>
@@ -8650,29 +7928,15 @@
                         </a:spcBef>
                       </a:pPr>
                       <a:r>
-                        <a:rPr sz="900" b="1" spc="0" dirty="0">
+                        <a:rPr lang="es-ES" sz="850" b="1">
                           <a:solidFill>
                             <a:srgbClr val="020302"/>
                           </a:solidFill>
                           <a:latin typeface="Adobe Clean"/>
                           <a:cs typeface="Adobe Clean"/>
                         </a:rPr>
-                        <a:t>PRIORITY</a:t>
+                        <a:t>PRIORIDAD 3</a:t>
                       </a:r>
-                      <a:r>
-                        <a:rPr lang="en-US" sz="900" b="1" spc="0" dirty="0">
-                          <a:solidFill>
-                            <a:srgbClr val="020302"/>
-                          </a:solidFill>
-                          <a:latin typeface="Adobe Clean"/>
-                          <a:cs typeface="Adobe Clean"/>
-                        </a:rPr>
-                        <a:t> 3</a:t>
-                      </a:r>
-                      <a:endParaRPr lang="en-US" sz="900" spc="0" dirty="0">
-                        <a:latin typeface="Adobe Clean"/>
-                        <a:cs typeface="Adobe Clean"/>
-                      </a:endParaRPr>
                     </a:p>
                     <a:p>
                       <a:pPr marL="49530" marR="212090" indent="-2540" defTabSz="914400" eaLnBrk="1" fontAlgn="auto" latinLnBrk="0" hangingPunct="1">
@@ -8693,26 +7957,21 @@
                         <a:defRPr/>
                       </a:pPr>
                       <a:r>
-                        <a:rPr kumimoji="0" lang="en-US" sz="900" b="0" i="0" u="none" strike="noStrike" kern="1200" cap="none" spc="0" normalizeH="0" baseline="0" noProof="0" dirty="0">
+                        <a:rPr kumimoji="0" lang="es-ES" sz="850" b="0" i="0" u="none" strike="noStrike" cap="none" normalizeH="0" baseline="0" noProof="0">
                           <a:ln>
                             <a:noFill/>
                           </a:ln>
                           <a:solidFill>
                             <a:srgbClr val="000000"/>
                           </a:solidFill>
-                          <a:effectLst/>
                           <a:uLnTx/>
                           <a:uFillTx/>
                           <a:latin typeface="Adobe Clean Light" panose="020B0303020404020204" pitchFamily="34" charset="0"/>
                           <a:ea typeface="+mn-ea"/>
                           <a:cs typeface="+mn-cs"/>
                         </a:rPr>
-                        <a:t>Customer's business functions have minor service degradation but there exists a solution/workaround allowing business functions to continue normally. </a:t>
+                        <a:t>Las funciones empresariales del cliente presentan una menor degradación del servicio, pero existe una solución que permite que las funciones empresariales sigan funcionando con normalidad. </a:t>
                       </a:r>
-                      <a:endParaRPr lang="en-US" sz="900" b="0" i="0" spc="0" dirty="0">
-                        <a:latin typeface="Adobe Clean Light" panose="020B0303020404020204" pitchFamily="34" charset="0"/>
-                        <a:cs typeface="AdobeClean-Light"/>
-                      </a:endParaRPr>
                     </a:p>
                   </a:txBody>
                   <a:tcPr marL="0" marR="0" marT="0" marB="0" anchor="ctr">
@@ -8762,14 +8021,14 @@
                         </a:tabLst>
                       </a:pPr>
                       <a:r>
-                        <a:rPr lang="en-US" sz="900" spc="0" dirty="0">
+                        <a:rPr lang="es-ES" sz="850" dirty="0">
                           <a:solidFill>
                             <a:srgbClr val="020302"/>
                           </a:solidFill>
                           <a:latin typeface="AdobeClean-Light"/>
                           <a:cs typeface="AdobeClean-Light"/>
                         </a:rPr>
-                        <a:t>   Business day /   </a:t>
+                        <a:t>   Día laborable /   </a:t>
                       </a:r>
                     </a:p>
                     <a:p>
@@ -8782,19 +8041,15 @@
                         </a:spcBef>
                       </a:pPr>
                       <a:r>
-                        <a:rPr lang="en-US" sz="900" spc="0" dirty="0">
+                        <a:rPr lang="es-ES" sz="850" dirty="0">
                           <a:solidFill>
                             <a:srgbClr val="020302"/>
                           </a:solidFill>
                           <a:latin typeface="AdobeClean-Light"/>
                           <a:cs typeface="AdobeClean-Light"/>
                         </a:rPr>
-                        <a:t>4 hours</a:t>
+                        <a:t>4 horas</a:t>
                       </a:r>
-                      <a:endParaRPr lang="en-US" sz="900" spc="0" dirty="0">
-                        <a:latin typeface="AdobeClean-Light"/>
-                        <a:cs typeface="AdobeClean-Light"/>
-                      </a:endParaRPr>
                     </a:p>
                   </a:txBody>
                   <a:tcPr marL="0" marR="0" marT="0" marB="0" anchor="ctr">
@@ -8829,7 +8084,7 @@
                     <a:bodyPr/>
                     <a:lstStyle/>
                     <a:p>
-                      <a:pPr marL="0" marR="185420" indent="-193675" algn="ctr">
+                      <a:pPr marL="0" marR="185420" indent="-193675" algn="l" rtl="0">
                         <a:lnSpc>
                           <a:spcPct val="100000"/>
                         </a:lnSpc>
@@ -8881,7 +8136,7 @@
                     <a:bodyPr/>
                     <a:lstStyle/>
                     <a:p>
-                      <a:pPr marL="0" marR="184785" indent="-194310" algn="ctr">
+                      <a:pPr marL="0" marR="184785" indent="-194310" algn="l" rtl="0">
                         <a:lnSpc>
                           <a:spcPct val="100000"/>
                         </a:lnSpc>
@@ -8930,7 +8185,7 @@
                     <a:bodyPr/>
                     <a:lstStyle/>
                     <a:p>
-                      <a:pPr marL="0" marR="326390" indent="-5715" algn="ctr">
+                      <a:pPr marL="0" marR="326390" indent="-5715" algn="l" rtl="0">
                         <a:lnSpc>
                           <a:spcPct val="100000"/>
                         </a:lnSpc>
@@ -8995,19 +8250,15 @@
                         </a:spcBef>
                       </a:pPr>
                       <a:r>
-                        <a:rPr sz="900" b="1" spc="0" dirty="0">
+                        <a:rPr lang="es-ES" sz="850" b="1" dirty="0">
                           <a:solidFill>
                             <a:srgbClr val="020302"/>
                           </a:solidFill>
                           <a:latin typeface="Adobe Clean"/>
                           <a:cs typeface="Adobe Clean"/>
                         </a:rPr>
-                        <a:t>PRIORITY 4</a:t>
+                        <a:t>PRIORIDAD 4</a:t>
                       </a:r>
-                      <a:endParaRPr sz="900" spc="0" dirty="0">
-                        <a:latin typeface="Adobe Clean"/>
-                        <a:cs typeface="Adobe Clean"/>
-                      </a:endParaRPr>
                     </a:p>
                     <a:p>
                       <a:pPr marL="48895" marR="0" indent="0" defTabSz="914400" eaLnBrk="1" fontAlgn="auto" latinLnBrk="0" hangingPunct="1">
@@ -9028,19 +8279,14 @@
                         <a:defRPr/>
                       </a:pPr>
                       <a:r>
-                        <a:rPr lang="en-US" sz="900" b="0" i="0" spc="0" dirty="0">
+                        <a:rPr lang="es-ES" sz="850" b="0" i="0" dirty="0">
                           <a:solidFill>
                             <a:srgbClr val="000000"/>
                           </a:solidFill>
-                          <a:effectLst/>
                           <a:latin typeface="Adobe Clean Light" panose="020B0303020404020204" pitchFamily="34" charset="0"/>
                         </a:rPr>
-                        <a:t>General question regarding current product functionality or an enhancement request. </a:t>
+                        <a:t>Pregunta general sobre la funcionalidad actual del producto o una solicitud de mejora. </a:t>
                       </a:r>
-                      <a:endParaRPr sz="900" b="0" i="0" spc="0" dirty="0">
-                        <a:latin typeface="Adobe Clean Light" panose="020B0303020404020204" pitchFamily="34" charset="0"/>
-                        <a:cs typeface="AdobeClean-Light"/>
-                      </a:endParaRPr>
                     </a:p>
                   </a:txBody>
                   <a:tcPr marL="0" marR="0" marT="0" marB="0" anchor="ctr">
@@ -9090,14 +8336,14 @@
                         </a:tabLst>
                       </a:pPr>
                       <a:r>
-                        <a:rPr lang="en-US" sz="900" spc="0" dirty="0">
+                        <a:rPr lang="es-ES" sz="850" dirty="0">
                           <a:solidFill>
                             <a:srgbClr val="020302"/>
                           </a:solidFill>
                           <a:latin typeface="AdobeClean-Light"/>
                           <a:cs typeface="AdobeClean-Light"/>
                         </a:rPr>
-                        <a:t>  Business day /   </a:t>
+                        <a:t>  Día laborable /   </a:t>
                       </a:r>
                     </a:p>
                     <a:p>
@@ -9110,19 +8356,15 @@
                         </a:spcBef>
                       </a:pPr>
                       <a:r>
-                        <a:rPr lang="en-US" sz="900" spc="0" dirty="0">
+                        <a:rPr lang="es-ES" sz="850" dirty="0">
                           <a:solidFill>
                             <a:srgbClr val="020302"/>
                           </a:solidFill>
                           <a:latin typeface="AdobeClean-Light"/>
                           <a:cs typeface="AdobeClean-Light"/>
                         </a:rPr>
-                        <a:t>1 day </a:t>
+                        <a:t>1 día </a:t>
                       </a:r>
-                      <a:endParaRPr lang="en-US" sz="900" spc="0" dirty="0">
-                        <a:latin typeface="AdobeClean-Light"/>
-                        <a:cs typeface="AdobeClean-Light"/>
-                      </a:endParaRPr>
                     </a:p>
                   </a:txBody>
                   <a:tcPr marL="0" marR="0" marT="0" marB="0" anchor="ctr">
@@ -9157,7 +8399,7 @@
                     <a:bodyPr/>
                     <a:lstStyle/>
                     <a:p>
-                      <a:pPr marL="0" marR="223520" indent="-202565" algn="ctr">
+                      <a:pPr marL="0" marR="223520" indent="-202565" algn="l" rtl="0">
                         <a:lnSpc>
                           <a:spcPct val="100000"/>
                         </a:lnSpc>
@@ -9209,7 +8451,7 @@
                     <a:bodyPr/>
                     <a:lstStyle/>
                     <a:p>
-                      <a:pPr marL="0" marR="223520" indent="-202565" algn="ctr">
+                      <a:pPr marL="0" marR="223520" indent="-202565" algn="l" rtl="0">
                         <a:lnSpc>
                           <a:spcPct val="100000"/>
                         </a:lnSpc>
@@ -9258,7 +8500,7 @@
                     <a:bodyPr/>
                     <a:lstStyle/>
                     <a:p>
-                      <a:pPr marL="0" marR="223520" indent="-202565" algn="ctr">
+                      <a:pPr marL="0" marR="223520" indent="-202565" algn="l" rtl="0">
                         <a:lnSpc>
                           <a:spcPct val="100000"/>
                         </a:lnSpc>
@@ -9352,20 +8594,11 @@
               </a:spcBef>
             </a:pPr>
             <a:r>
-              <a:rPr sz="2300" dirty="0">
+              <a:rPr lang="es-ES" sz="2300">
                 <a:latin typeface="Adobe Clean" panose="020B0503020404020204" pitchFamily="34" charset="0"/>
               </a:rPr>
-              <a:t>ADOBE </a:t>
+              <a:t>PLANES DE SOPORTE DE ADOBE</a:t>
             </a:r>
-            <a:r>
-              <a:rPr lang="en-US" sz="2300" dirty="0">
-                <a:latin typeface="Adobe Clean" panose="020B0503020404020204" pitchFamily="34" charset="0"/>
-              </a:rPr>
-              <a:t>SUPPORT PLANS</a:t>
-            </a:r>
-            <a:endParaRPr sz="2300" dirty="0">
-              <a:latin typeface="Adobe Clean" panose="020B0503020404020204" pitchFamily="34" charset="0"/>
-            </a:endParaRPr>
           </a:p>
         </p:txBody>
       </p:sp>
@@ -9398,13 +8631,13 @@
           <a:lstStyle/>
           <a:p>
             <a:r>
-              <a:rPr lang="en-US" sz="700" i="1" dirty="0">
+              <a:rPr lang="es-ES" sz="700" i="1">
                 <a:solidFill>
                   <a:schemeClr val="bg1"/>
                 </a:solidFill>
                 <a:latin typeface="Adobe Clean" panose="020B0503020404020204" pitchFamily="34" charset="0"/>
               </a:rPr>
-              <a:t>Adobe Creative Cloud / Adobe Document Cloud (including Adobe Sign)</a:t>
+              <a:t>Adobe Creative Cloud/Adobe Document Cloud (incluido Adobe Sign)</a:t>
             </a:r>
           </a:p>
           <a:p>
@@ -9556,386 +8789,32 @@
               </a:spcBef>
             </a:pPr>
             <a:r>
-              <a:rPr lang="en-US" sz="1100" spc="-20" dirty="0">
+              <a:rPr lang="es-ES" sz="1100">
                 <a:solidFill>
                   <a:srgbClr val="020302"/>
                 </a:solidFill>
                 <a:latin typeface="AdobeClean-Light"/>
                 <a:cs typeface="AdobeClean-Light"/>
               </a:rPr>
-              <a:t>Adobe Customer Support offers a</a:t>
+              <a:t>El soporte Standard de Adobe ofrece acceso a recursos de documentación y participación con otros expertos y clientes para lo relacionado con las prácticas recomendadas. También hay varios canales disponibles</a:t>
             </a:r>
             <a:r>
-              <a:rPr sz="1100" spc="-20" dirty="0">
+              <a:rPr lang="es-ES" sz="1100">
+                <a:latin typeface="AdobeClean-Light"/>
+                <a:cs typeface="AdobeClean-Light"/>
+              </a:rPr>
+              <a:t> </a:t>
+            </a:r>
+            <a:r>
+              <a:rPr lang="es-ES" sz="1100">
                 <a:solidFill>
                   <a:srgbClr val="020302"/>
                 </a:solidFill>
                 <a:latin typeface="AdobeClean-Light"/>
                 <a:cs typeface="AdobeClean-Light"/>
               </a:rPr>
-              <a:t>ccess</a:t>
+              <a:t>para formular preguntas y enviar casos.</a:t>
             </a:r>
-            <a:r>
-              <a:rPr sz="1100" spc="-90" dirty="0">
-                <a:solidFill>
-                  <a:srgbClr val="020302"/>
-                </a:solidFill>
-                <a:latin typeface="AdobeClean-Light"/>
-                <a:cs typeface="AdobeClean-Light"/>
-              </a:rPr>
-              <a:t> </a:t>
-            </a:r>
-            <a:r>
-              <a:rPr sz="1100" spc="-10" dirty="0">
-                <a:solidFill>
-                  <a:srgbClr val="020302"/>
-                </a:solidFill>
-                <a:latin typeface="AdobeClean-Light"/>
-                <a:cs typeface="AdobeClean-Light"/>
-              </a:rPr>
-              <a:t>to</a:t>
-            </a:r>
-            <a:r>
-              <a:rPr sz="1100" spc="10" dirty="0">
-                <a:solidFill>
-                  <a:srgbClr val="020302"/>
-                </a:solidFill>
-                <a:latin typeface="AdobeClean-Light"/>
-                <a:cs typeface="AdobeClean-Light"/>
-              </a:rPr>
-              <a:t> </a:t>
-            </a:r>
-            <a:r>
-              <a:rPr sz="1100" spc="-20" dirty="0">
-                <a:solidFill>
-                  <a:srgbClr val="020302"/>
-                </a:solidFill>
-                <a:latin typeface="AdobeClean-Light"/>
-                <a:cs typeface="AdobeClean-Light"/>
-              </a:rPr>
-              <a:t>resources</a:t>
-            </a:r>
-            <a:r>
-              <a:rPr sz="1100" spc="-120" dirty="0">
-                <a:solidFill>
-                  <a:srgbClr val="020302"/>
-                </a:solidFill>
-                <a:latin typeface="AdobeClean-Light"/>
-                <a:cs typeface="AdobeClean-Light"/>
-              </a:rPr>
-              <a:t> </a:t>
-            </a:r>
-            <a:r>
-              <a:rPr sz="1100" spc="-15" dirty="0">
-                <a:solidFill>
-                  <a:srgbClr val="020302"/>
-                </a:solidFill>
-                <a:latin typeface="AdobeClean-Light"/>
-                <a:cs typeface="AdobeClean-Light"/>
-              </a:rPr>
-              <a:t>for</a:t>
-            </a:r>
-            <a:r>
-              <a:rPr sz="1100" spc="-30" dirty="0">
-                <a:solidFill>
-                  <a:srgbClr val="020302"/>
-                </a:solidFill>
-                <a:latin typeface="AdobeClean-Light"/>
-                <a:cs typeface="AdobeClean-Light"/>
-              </a:rPr>
-              <a:t> </a:t>
-            </a:r>
-            <a:r>
-              <a:rPr sz="1100" spc="-15" dirty="0">
-                <a:solidFill>
-                  <a:srgbClr val="020302"/>
-                </a:solidFill>
-                <a:latin typeface="AdobeClean-Light"/>
-                <a:cs typeface="AdobeClean-Light"/>
-              </a:rPr>
-              <a:t>documentation</a:t>
-            </a:r>
-            <a:r>
-              <a:rPr lang="en-US" sz="1100" spc="-15" dirty="0">
-                <a:solidFill>
-                  <a:srgbClr val="020302"/>
-                </a:solidFill>
-                <a:latin typeface="AdobeClean-Light"/>
-                <a:cs typeface="AdobeClean-Light"/>
-              </a:rPr>
-              <a:t> and </a:t>
-            </a:r>
-            <a:r>
-              <a:rPr sz="1100" spc="-15" dirty="0">
-                <a:solidFill>
-                  <a:srgbClr val="020302"/>
-                </a:solidFill>
-                <a:latin typeface="AdobeClean-Light"/>
-                <a:cs typeface="AdobeClean-Light"/>
-              </a:rPr>
-              <a:t>engagement</a:t>
-            </a:r>
-            <a:r>
-              <a:rPr lang="en-US" sz="1100" spc="-15" dirty="0">
-                <a:solidFill>
-                  <a:srgbClr val="020302"/>
-                </a:solidFill>
-                <a:latin typeface="AdobeClean-Light"/>
-                <a:cs typeface="AdobeClean-Light"/>
-              </a:rPr>
-              <a:t> </a:t>
-            </a:r>
-            <a:r>
-              <a:rPr sz="1100" spc="-15" dirty="0">
-                <a:solidFill>
-                  <a:srgbClr val="020302"/>
-                </a:solidFill>
-                <a:latin typeface="AdobeClean-Light"/>
-                <a:cs typeface="AdobeClean-Light"/>
-              </a:rPr>
-              <a:t>with</a:t>
-            </a:r>
-            <a:r>
-              <a:rPr sz="1100" spc="-35" dirty="0">
-                <a:solidFill>
-                  <a:srgbClr val="020302"/>
-                </a:solidFill>
-                <a:latin typeface="AdobeClean-Light"/>
-                <a:cs typeface="AdobeClean-Light"/>
-              </a:rPr>
-              <a:t> </a:t>
-            </a:r>
-            <a:r>
-              <a:rPr sz="1100" spc="-20" dirty="0">
-                <a:solidFill>
-                  <a:srgbClr val="020302"/>
-                </a:solidFill>
-                <a:latin typeface="AdobeClean-Light"/>
-                <a:cs typeface="AdobeClean-Light"/>
-              </a:rPr>
-              <a:t>other experts </a:t>
-            </a:r>
-            <a:r>
-              <a:rPr sz="1100" spc="-15" dirty="0">
-                <a:solidFill>
-                  <a:srgbClr val="020302"/>
-                </a:solidFill>
-                <a:latin typeface="AdobeClean-Light"/>
-                <a:cs typeface="AdobeClean-Light"/>
-              </a:rPr>
-              <a:t>and </a:t>
-            </a:r>
-            <a:r>
-              <a:rPr sz="1100" spc="-20" dirty="0">
-                <a:solidFill>
-                  <a:srgbClr val="020302"/>
-                </a:solidFill>
-                <a:latin typeface="AdobeClean-Light"/>
-                <a:cs typeface="AdobeClean-Light"/>
-              </a:rPr>
-              <a:t>customers </a:t>
-            </a:r>
-            <a:r>
-              <a:rPr sz="1100" spc="-15" dirty="0">
-                <a:solidFill>
-                  <a:srgbClr val="020302"/>
-                </a:solidFill>
-                <a:latin typeface="AdobeClean-Light"/>
-                <a:cs typeface="AdobeClean-Light"/>
-              </a:rPr>
-              <a:t>for best </a:t>
-            </a:r>
-            <a:r>
-              <a:rPr sz="1100" spc="-20" dirty="0">
-                <a:solidFill>
-                  <a:srgbClr val="020302"/>
-                </a:solidFill>
-                <a:latin typeface="AdobeClean-Light"/>
-                <a:cs typeface="AdobeClean-Light"/>
-              </a:rPr>
-              <a:t>practices</a:t>
-            </a:r>
-            <a:r>
-              <a:rPr lang="en-US" sz="1100" spc="-20" dirty="0">
-                <a:solidFill>
-                  <a:srgbClr val="020302"/>
-                </a:solidFill>
-                <a:latin typeface="AdobeClean-Light"/>
-                <a:cs typeface="AdobeClean-Light"/>
-              </a:rPr>
-              <a:t>. </a:t>
-            </a:r>
-            <a:r>
-              <a:rPr sz="1100" spc="-20" dirty="0">
-                <a:solidFill>
-                  <a:srgbClr val="020302"/>
-                </a:solidFill>
-                <a:latin typeface="AdobeClean-Light"/>
-                <a:cs typeface="AdobeClean-Light"/>
-              </a:rPr>
-              <a:t>Several channels </a:t>
-            </a:r>
-            <a:r>
-              <a:rPr sz="1100" spc="-15" dirty="0">
-                <a:solidFill>
-                  <a:srgbClr val="020302"/>
-                </a:solidFill>
-                <a:latin typeface="AdobeClean-Light"/>
-                <a:cs typeface="AdobeClean-Light"/>
-              </a:rPr>
-              <a:t>are</a:t>
-            </a:r>
-            <a:r>
-              <a:rPr sz="1100" spc="-140" dirty="0">
-                <a:solidFill>
-                  <a:srgbClr val="020302"/>
-                </a:solidFill>
-                <a:latin typeface="AdobeClean-Light"/>
-                <a:cs typeface="AdobeClean-Light"/>
-              </a:rPr>
-              <a:t> </a:t>
-            </a:r>
-            <a:r>
-              <a:rPr sz="1100" spc="-20" dirty="0">
-                <a:solidFill>
-                  <a:srgbClr val="020302"/>
-                </a:solidFill>
-                <a:latin typeface="AdobeClean-Light"/>
-                <a:cs typeface="AdobeClean-Light"/>
-              </a:rPr>
-              <a:t>also</a:t>
-            </a:r>
-            <a:r>
-              <a:rPr lang="en-US" sz="1100" dirty="0">
-                <a:latin typeface="AdobeClean-Light"/>
-                <a:cs typeface="AdobeClean-Light"/>
-              </a:rPr>
-              <a:t> </a:t>
-            </a:r>
-            <a:r>
-              <a:rPr sz="1100" spc="-25" dirty="0">
-                <a:solidFill>
-                  <a:srgbClr val="020302"/>
-                </a:solidFill>
-                <a:latin typeface="AdobeClean-Light"/>
-                <a:cs typeface="AdobeClean-Light"/>
-              </a:rPr>
-              <a:t>available</a:t>
-            </a:r>
-            <a:r>
-              <a:rPr sz="1100" spc="-65" dirty="0">
-                <a:solidFill>
-                  <a:srgbClr val="020302"/>
-                </a:solidFill>
-                <a:latin typeface="AdobeClean-Light"/>
-                <a:cs typeface="AdobeClean-Light"/>
-              </a:rPr>
-              <a:t> </a:t>
-            </a:r>
-            <a:r>
-              <a:rPr sz="1100" spc="-15" dirty="0">
-                <a:solidFill>
-                  <a:srgbClr val="020302"/>
-                </a:solidFill>
-                <a:latin typeface="AdobeClean-Light"/>
-                <a:cs typeface="AdobeClean-Light"/>
-              </a:rPr>
-              <a:t>for</a:t>
-            </a:r>
-            <a:r>
-              <a:rPr sz="1100" spc="-25" dirty="0">
-                <a:solidFill>
-                  <a:srgbClr val="020302"/>
-                </a:solidFill>
-                <a:latin typeface="AdobeClean-Light"/>
-                <a:cs typeface="AdobeClean-Light"/>
-              </a:rPr>
-              <a:t> </a:t>
-            </a:r>
-            <a:r>
-              <a:rPr sz="1100" spc="-20" dirty="0">
-                <a:solidFill>
-                  <a:srgbClr val="020302"/>
-                </a:solidFill>
-                <a:latin typeface="AdobeClean-Light"/>
-                <a:cs typeface="AdobeClean-Light"/>
-              </a:rPr>
-              <a:t>questions</a:t>
-            </a:r>
-            <a:r>
-              <a:rPr sz="1100" spc="-114" dirty="0">
-                <a:solidFill>
-                  <a:srgbClr val="020302"/>
-                </a:solidFill>
-                <a:latin typeface="AdobeClean-Light"/>
-                <a:cs typeface="AdobeClean-Light"/>
-              </a:rPr>
-              <a:t> </a:t>
-            </a:r>
-            <a:r>
-              <a:rPr sz="1100" spc="-15" dirty="0">
-                <a:solidFill>
-                  <a:srgbClr val="020302"/>
-                </a:solidFill>
-                <a:latin typeface="AdobeClean-Light"/>
-                <a:cs typeface="AdobeClean-Light"/>
-              </a:rPr>
-              <a:t>and</a:t>
-            </a:r>
-            <a:r>
-              <a:rPr sz="1100" spc="-45" dirty="0">
-                <a:solidFill>
-                  <a:srgbClr val="020302"/>
-                </a:solidFill>
-                <a:latin typeface="AdobeClean-Light"/>
-                <a:cs typeface="AdobeClean-Light"/>
-              </a:rPr>
-              <a:t> </a:t>
-            </a:r>
-            <a:r>
-              <a:rPr sz="1100" spc="-20" dirty="0">
-                <a:solidFill>
-                  <a:srgbClr val="020302"/>
-                </a:solidFill>
-                <a:latin typeface="AdobeClean-Light"/>
-                <a:cs typeface="AdobeClean-Light"/>
-              </a:rPr>
-              <a:t>case</a:t>
-            </a:r>
-            <a:r>
-              <a:rPr sz="1100" spc="-35" dirty="0">
-                <a:solidFill>
-                  <a:srgbClr val="020302"/>
-                </a:solidFill>
-                <a:latin typeface="AdobeClean-Light"/>
-                <a:cs typeface="AdobeClean-Light"/>
-              </a:rPr>
-              <a:t> </a:t>
-            </a:r>
-            <a:r>
-              <a:rPr sz="1100" spc="-20" dirty="0">
-                <a:solidFill>
-                  <a:srgbClr val="020302"/>
-                </a:solidFill>
-                <a:latin typeface="AdobeClean-Light"/>
-                <a:cs typeface="AdobeClean-Light"/>
-              </a:rPr>
-              <a:t>submissions</a:t>
-            </a:r>
-            <a:r>
-              <a:rPr lang="en-US" sz="1100" spc="-20" dirty="0">
-                <a:solidFill>
-                  <a:srgbClr val="020302"/>
-                </a:solidFill>
-                <a:latin typeface="AdobeClean-Light"/>
-                <a:cs typeface="AdobeClean-Light"/>
-              </a:rPr>
-              <a:t>.</a:t>
-            </a:r>
-            <a:endParaRPr sz="1100" dirty="0">
-              <a:latin typeface="AdobeClean-Light"/>
-              <a:cs typeface="AdobeClean-Light"/>
-            </a:endParaRPr>
           </a:p>
         </p:txBody>
       </p:sp>
@@ -9972,114 +8851,14 @@
               </a:tabLst>
             </a:pPr>
             <a:r>
-              <a:rPr lang="en-US" sz="1100" spc="-20" dirty="0">
+              <a:rPr lang="es-ES" sz="1100">
                 <a:solidFill>
                   <a:srgbClr val="020302"/>
                 </a:solidFill>
                 <a:latin typeface="AdobeClean-Light"/>
                 <a:cs typeface="AdobeClean-Light"/>
               </a:rPr>
-              <a:t>Authorized Users (Admins) can start a chat session with Adobe Support </a:t>
-            </a:r>
-            <a:r>
-              <a:rPr sz="1100" spc="-5" dirty="0">
-                <a:solidFill>
-                  <a:srgbClr val="020302"/>
-                </a:solidFill>
-                <a:latin typeface="AdobeClean-Light"/>
-                <a:cs typeface="AdobeClean-Light"/>
-              </a:rPr>
-              <a:t>to </a:t>
-            </a:r>
-            <a:r>
-              <a:rPr sz="1100" spc="-10" dirty="0">
-                <a:solidFill>
-                  <a:srgbClr val="020302"/>
-                </a:solidFill>
-                <a:latin typeface="AdobeClean-Light"/>
-                <a:cs typeface="AdobeClean-Light"/>
-              </a:rPr>
-              <a:t>get </a:t>
-            </a:r>
-            <a:r>
-              <a:rPr sz="1100" spc="-20" dirty="0">
-                <a:solidFill>
-                  <a:srgbClr val="020302"/>
-                </a:solidFill>
-                <a:latin typeface="AdobeClean-Light"/>
-                <a:cs typeface="AdobeClean-Light"/>
-              </a:rPr>
-              <a:t>answers</a:t>
-            </a:r>
-            <a:r>
-              <a:rPr lang="en-US" sz="1100" spc="-45" dirty="0">
-                <a:solidFill>
-                  <a:srgbClr val="020302"/>
-                </a:solidFill>
-                <a:latin typeface="AdobeClean-Light"/>
-                <a:cs typeface="AdobeClean-Light"/>
-              </a:rPr>
-              <a:t> and </a:t>
-            </a:r>
-            <a:r>
-              <a:rPr sz="1100" spc="-15" dirty="0">
-                <a:solidFill>
-                  <a:srgbClr val="020302"/>
-                </a:solidFill>
-                <a:latin typeface="AdobeClean-Light"/>
-                <a:cs typeface="AdobeClean-Light"/>
-              </a:rPr>
-              <a:t>help </a:t>
-            </a:r>
-            <a:r>
-              <a:rPr sz="1100" spc="-10" dirty="0">
-                <a:solidFill>
-                  <a:srgbClr val="020302"/>
-                </a:solidFill>
-                <a:latin typeface="AdobeClean-Light"/>
-                <a:cs typeface="AdobeClean-Light"/>
-              </a:rPr>
-              <a:t>with</a:t>
-            </a:r>
-            <a:r>
-              <a:rPr sz="1100" spc="85" dirty="0">
-                <a:solidFill>
-                  <a:srgbClr val="020302"/>
-                </a:solidFill>
-                <a:latin typeface="AdobeClean-Light"/>
-                <a:cs typeface="AdobeClean-Light"/>
-              </a:rPr>
-              <a:t> </a:t>
-            </a:r>
-            <a:r>
-              <a:rPr sz="1100" spc="-10" dirty="0">
-                <a:solidFill>
-                  <a:srgbClr val="020302"/>
-                </a:solidFill>
-                <a:latin typeface="AdobeClean-Light"/>
-                <a:cs typeface="AdobeClean-Light"/>
-              </a:rPr>
-              <a:t>case </a:t>
-            </a:r>
-            <a:r>
-              <a:rPr sz="1100" spc="-20" dirty="0">
-                <a:solidFill>
-                  <a:srgbClr val="020302"/>
-                </a:solidFill>
-                <a:latin typeface="AdobeClean-Light"/>
-                <a:cs typeface="AdobeClean-Light"/>
-              </a:rPr>
-              <a:t>submission</a:t>
-            </a:r>
-            <a:r>
-              <a:rPr lang="en-US" sz="1100" spc="-20" dirty="0">
-                <a:solidFill>
-                  <a:srgbClr val="020302"/>
-                </a:solidFill>
-                <a:latin typeface="AdobeClean-Light"/>
-                <a:cs typeface="AdobeClean-Light"/>
-              </a:rPr>
-              <a:t>.</a:t>
+              <a:t>Los usuarios autorizados (administradores) pueden comenzar una sesión de chat con el Soporte de Adobe para obtener respuestas y ayuda con el envío de casos.</a:t>
             </a:r>
           </a:p>
           <a:p>
@@ -10095,19 +8874,15 @@
               </a:tabLst>
             </a:pPr>
             <a:r>
-              <a:rPr lang="en-US" sz="1100" i="1" spc="-10" dirty="0">
+              <a:rPr lang="es-ES" sz="1100" i="1">
                 <a:solidFill>
                   <a:srgbClr val="7A7A7A"/>
                 </a:solidFill>
                 <a:latin typeface="AdobeClean-LightIt"/>
                 <a:cs typeface="AdobeClean-LightIt"/>
               </a:rPr>
-              <a:t>Subject to local hours</a:t>
+              <a:t>Sujeto a horarios locales</a:t>
             </a:r>
-            <a:endParaRPr sz="1100" i="1" dirty="0">
-              <a:latin typeface="AdobeClean-Light"/>
-              <a:cs typeface="AdobeClean-Light"/>
-            </a:endParaRPr>
           </a:p>
         </p:txBody>
       </p:sp>
@@ -10155,7 +8930,7 @@
         <p:spPr>
           <a:xfrm>
             <a:off x="228600" y="1037692"/>
-            <a:ext cx="1501052" cy="307777"/>
+            <a:ext cx="1905000" cy="307777"/>
           </a:xfrm>
           <a:prstGeom prst="rect">
             <a:avLst/>
@@ -10176,19 +8951,15 @@
               </a:spcBef>
             </a:pPr>
             <a:r>
-              <a:rPr lang="en-US" sz="1400" b="1" spc="-10" dirty="0">
+              <a:rPr lang="es-ES" sz="1400" b="1" dirty="0">
                 <a:solidFill>
                   <a:srgbClr val="020302"/>
                 </a:solidFill>
                 <a:latin typeface="Adobe Clean"/>
                 <a:cs typeface="Adobe Clean"/>
               </a:rPr>
-              <a:t>Standard Support</a:t>
+              <a:t>Soporte Standard</a:t>
             </a:r>
-            <a:endParaRPr lang="en-US" sz="1400" dirty="0">
-              <a:latin typeface="Adobe Clean"/>
-              <a:cs typeface="Adobe Clean"/>
-            </a:endParaRPr>
           </a:p>
         </p:txBody>
       </p:sp>
@@ -10209,7 +8980,7 @@
         <p:spPr>
           <a:xfrm>
             <a:off x="308312" y="3141943"/>
-            <a:ext cx="1625002" cy="215444"/>
+            <a:ext cx="2511088" cy="215444"/>
           </a:xfrm>
           <a:prstGeom prst="rect">
             <a:avLst/>
@@ -10230,20 +9001,20 @@
               </a:spcAft>
             </a:pPr>
             <a:r>
-              <a:rPr lang="en-US" sz="1400" b="1" dirty="0">
+              <a:rPr lang="es-ES" sz="1400" b="1" dirty="0">
+                <a:latin typeface="Adobe Clean" panose="020B0503020404020204" pitchFamily="34" charset="0"/>
+                <a:ea typeface="Open Sans" pitchFamily="34" charset="0"/>
+                <a:cs typeface="Open Sans" pitchFamily="34" charset="0"/>
+              </a:rPr>
+              <a:t>Foros</a:t>
+            </a:r>
+            <a:r>
+              <a:rPr lang="es-ES" sz="1400" b="1" dirty="0">
                 <a:latin typeface="+mj-lt"/>
                 <a:ea typeface="Open Sans" pitchFamily="34" charset="0"/>
                 <a:cs typeface="Open Sans" pitchFamily="34" charset="0"/>
               </a:rPr>
-              <a:t>Community </a:t>
-            </a:r>
-            <a:r>
-              <a:rPr lang="en-US" sz="1400" b="1" dirty="0">
-                <a:latin typeface="Adobe Clean" panose="020B0503020404020204" pitchFamily="34" charset="0"/>
-                <a:ea typeface="Open Sans" pitchFamily="34" charset="0"/>
-                <a:cs typeface="Open Sans" pitchFamily="34" charset="0"/>
-              </a:rPr>
-              <a:t>Forums</a:t>
+              <a:t> de la comunidad</a:t>
             </a:r>
           </a:p>
         </p:txBody>
@@ -10276,13 +9047,13 @@
           <a:lstStyle/>
           <a:p>
             <a:r>
-              <a:rPr lang="en-US" sz="1100" dirty="0">
+              <a:rPr lang="es-ES" sz="1100">
                 <a:solidFill>
                   <a:srgbClr val="000000"/>
                 </a:solidFill>
                 <a:latin typeface="Adobe Clean Light" panose="020B0303020404020204" pitchFamily="34" charset="0"/>
               </a:rPr>
-              <a:t>Continuous online access to a growing database of technical solutions, product documentation, FAQs and more. Connect with other customers on Adobe Community to share best practices and lessons learned..</a:t>
+              <a:t>Acceso continuo en línea a una base de datos donde encontrará cada vez más soluciones técnicas, documentación de productos, preguntas frecuentes y mucho más. Hable con otros clientes en la Comunidad de Adobe para compartir prácticas recomendadas y lecciones aprendidas.</a:t>
             </a:r>
           </a:p>
         </p:txBody>
@@ -10325,12 +9096,12 @@
               </a:spcAft>
             </a:pPr>
             <a:r>
-              <a:rPr lang="en-US" sz="1400" b="1" dirty="0">
+              <a:rPr lang="es-ES" sz="1400" b="1">
                 <a:latin typeface="Adobe Clean" panose="020B0503020404020204" pitchFamily="34" charset="0"/>
                 <a:ea typeface="Open Sans" pitchFamily="34" charset="0"/>
                 <a:cs typeface="Open Sans" pitchFamily="34" charset="0"/>
               </a:rPr>
-              <a:t>Self-Help Portal</a:t>
+              <a:t>Portal de autoayuda</a:t>
             </a:r>
           </a:p>
         </p:txBody>
@@ -10363,13 +9134,13 @@
           <a:lstStyle/>
           <a:p>
             <a:r>
-              <a:rPr lang="en-US" sz="1100" dirty="0">
+              <a:rPr lang="es-ES" sz="1100">
                 <a:solidFill>
                   <a:srgbClr val="000000"/>
                 </a:solidFill>
                 <a:latin typeface="Adobe Clean Light" panose="020B0303020404020204" pitchFamily="34" charset="0"/>
               </a:rPr>
-              <a:t>On-demand access to the online self-help support portal to review case status and browse other resources like our knowledge base, news and alerts, featured tips, and more.</a:t>
+              <a:t>Acceso bajo demanda al portal de asistencia de autoayuda en línea para revisar los estados de los casos y examinar otros recursos como nuestra base de conocimiento, noticias, alertas, sugerencias destacadas y más.</a:t>
             </a:r>
           </a:p>
         </p:txBody>
@@ -10412,12 +9183,12 @@
               </a:spcAft>
             </a:pPr>
             <a:r>
-              <a:rPr lang="en-US" sz="1400" b="1" dirty="0">
+              <a:rPr lang="es-ES" sz="1400" b="1">
                 <a:latin typeface="Adobe Clean" panose="020B0503020404020204" pitchFamily="34" charset="0"/>
                 <a:ea typeface="Open Sans" pitchFamily="34" charset="0"/>
                 <a:cs typeface="Open Sans" pitchFamily="34" charset="0"/>
               </a:rPr>
-              <a:t>Chat Support</a:t>
+              <a:t>Asistencia mediante chat</a:t>
             </a:r>
           </a:p>
         </p:txBody>
@@ -10460,12 +9231,12 @@
               </a:spcAft>
             </a:pPr>
             <a:r>
-              <a:rPr lang="en-US" sz="1400" b="1" dirty="0">
+              <a:rPr lang="es-ES" sz="1400" b="1">
                 <a:latin typeface="Adobe Clean" panose="020B0503020404020204" pitchFamily="34" charset="0"/>
                 <a:ea typeface="Open Sans" pitchFamily="34" charset="0"/>
                 <a:cs typeface="Open Sans" pitchFamily="34" charset="0"/>
               </a:rPr>
-              <a:t>Phone Support</a:t>
+              <a:t>Asistencia telefónica</a:t>
             </a:r>
           </a:p>
         </p:txBody>
@@ -10498,116 +9269,42 @@
           <a:lstStyle/>
           <a:p>
             <a:r>
-              <a:rPr lang="en-US" sz="1100" dirty="0">
+              <a:rPr lang="es-ES" sz="1100">
                 <a:solidFill>
                   <a:srgbClr val="020302"/>
                 </a:solidFill>
                 <a:latin typeface="AdobeClean-Light"/>
               </a:rPr>
-              <a:t>Authorized Users (Admins) </a:t>
+              <a:t>Los usuarios autorizados (administradores)</a:t>
             </a:r>
             <a:r>
-              <a:rPr lang="en-US" sz="1100" dirty="0">
+              <a:rPr lang="es-ES" sz="1100">
                 <a:latin typeface="Adobe Clean Light"/>
               </a:rPr>
-              <a:t>can call Adobe Support via phone </a:t>
+              <a:t> pueden llamar al Soporte de Adobe a través de teléfono para obtener respuesta</a:t>
             </a:r>
             <a:r>
-              <a:rPr lang="en-US" sz="1100" spc="-5" dirty="0">
+              <a:rPr lang="es-ES" sz="1100">
                 <a:solidFill>
                   <a:srgbClr val="020302"/>
                 </a:solidFill>
                 <a:latin typeface="AdobeClean-Light"/>
                 <a:cs typeface="AdobeClean-Light"/>
               </a:rPr>
-              <a:t>to </a:t>
-            </a:r>
-            <a:r>
-              <a:rPr lang="en-US" sz="1100" spc="-10" dirty="0">
-                <a:solidFill>
-                  <a:srgbClr val="020302"/>
-                </a:solidFill>
-                <a:latin typeface="AdobeClean-Light"/>
-                <a:cs typeface="AdobeClean-Light"/>
-              </a:rPr>
-              <a:t>get </a:t>
-            </a:r>
-            <a:r>
-              <a:rPr lang="en-US" sz="1100" spc="-20" dirty="0">
-                <a:solidFill>
-                  <a:srgbClr val="020302"/>
-                </a:solidFill>
-                <a:latin typeface="AdobeClean-Light"/>
-                <a:cs typeface="AdobeClean-Light"/>
-              </a:rPr>
-              <a:t>answers</a:t>
-            </a:r>
-            <a:r>
-              <a:rPr lang="en-US" sz="1100" spc="-45" dirty="0">
-                <a:solidFill>
-                  <a:srgbClr val="020302"/>
-                </a:solidFill>
-                <a:latin typeface="AdobeClean-Light"/>
-                <a:cs typeface="AdobeClean-Light"/>
-              </a:rPr>
-              <a:t> and</a:t>
-            </a:r>
-            <a:r>
-              <a:rPr lang="en-US" sz="1100" dirty="0">
-                <a:solidFill>
-                  <a:srgbClr val="020302"/>
-                </a:solidFill>
-                <a:latin typeface="AdobeClean-Light"/>
-                <a:cs typeface="AdobeClean-Light"/>
-              </a:rPr>
-              <a:t> </a:t>
-            </a:r>
-            <a:r>
-              <a:rPr lang="en-US" sz="1100" spc="-15" dirty="0">
-                <a:solidFill>
-                  <a:srgbClr val="020302"/>
-                </a:solidFill>
-                <a:latin typeface="AdobeClean-Light"/>
-                <a:cs typeface="AdobeClean-Light"/>
-              </a:rPr>
-              <a:t>help </a:t>
-            </a:r>
-            <a:r>
-              <a:rPr lang="en-US" sz="1100" spc="-10" dirty="0">
-                <a:solidFill>
-                  <a:srgbClr val="020302"/>
-                </a:solidFill>
-                <a:latin typeface="AdobeClean-Light"/>
-                <a:cs typeface="AdobeClean-Light"/>
-              </a:rPr>
-              <a:t>with case </a:t>
-            </a:r>
-            <a:r>
-              <a:rPr lang="en-US" sz="1100" spc="-20" dirty="0">
-                <a:solidFill>
-                  <a:srgbClr val="020302"/>
-                </a:solidFill>
-                <a:latin typeface="AdobeClean-Light"/>
-                <a:cs typeface="AdobeClean-Light"/>
-              </a:rPr>
-              <a:t>submission.</a:t>
+              <a:t>s y ayuda con el envío de casos.</a:t>
             </a:r>
           </a:p>
           <a:p>
             <a:r>
-              <a:rPr lang="en-US" sz="1100" i="1" spc="-10" dirty="0">
+              <a:rPr lang="es-ES" sz="1100" i="1">
                 <a:solidFill>
                   <a:srgbClr val="7A7A7A"/>
                 </a:solidFill>
                 <a:latin typeface="Adobe Clean Light" panose="020B0303020404020204" pitchFamily="34" charset="0"/>
                 <a:cs typeface="AdobeClean-LightIt"/>
               </a:rPr>
-              <a:t>Subject to local hours</a:t>
+              <a:t>Sujeto a horarios locales</a:t>
             </a:r>
-            <a:endParaRPr lang="en-US" sz="1100" i="1" dirty="0">
-              <a:latin typeface="Adobe Clean Light" panose="020B0303020404020204" pitchFamily="34" charset="0"/>
-              <a:cs typeface="AdobeClean-Light"/>
-            </a:endParaRPr>
           </a:p>
         </p:txBody>
       </p:sp>
@@ -10649,12 +9346,12 @@
               </a:spcAft>
             </a:pPr>
             <a:r>
-              <a:rPr lang="en-US" sz="1400" b="1" dirty="0">
+              <a:rPr lang="es-ES" sz="1400" b="1">
                 <a:latin typeface="Adobe Clean" panose="020B0503020404020204" pitchFamily="34" charset="0"/>
                 <a:ea typeface="Open Sans" pitchFamily="34" charset="0"/>
                 <a:cs typeface="Open Sans" pitchFamily="34" charset="0"/>
               </a:rPr>
-              <a:t>Web Case Submission</a:t>
+              <a:t>Envío de casos a través de la web</a:t>
             </a:r>
           </a:p>
         </p:txBody>
@@ -10687,26 +9384,20 @@
           <a:lstStyle/>
           <a:p>
             <a:r>
-              <a:rPr lang="en-US" sz="1100" dirty="0">
+              <a:rPr lang="es-ES" sz="1100">
                 <a:solidFill>
                   <a:srgbClr val="020302"/>
                 </a:solidFill>
                 <a:latin typeface="AdobeClean-Light"/>
               </a:rPr>
-              <a:t>Authorized Users (Admins) </a:t>
+              <a:t>Los usuarios autorizados (administradores) </a:t>
             </a:r>
             <a:r>
-              <a:rPr lang="en-US" sz="1100" dirty="0">
+              <a:rPr lang="es-ES" sz="1100">
                 <a:latin typeface="Adobe Clean Light"/>
               </a:rPr>
-              <a:t>can submit unlimited web cases at any time for support issues for review by our technical support team.</a:t>
+              <a:t>pueden enviar casos web ilimitados en cualquier momento en lo relacionado con problemas de soporte para que nuestro equipo de Soporte los revisen.</a:t>
             </a:r>
-            <a:endParaRPr lang="en-US" sz="1100" dirty="0">
-              <a:solidFill>
-                <a:srgbClr val="000000"/>
-              </a:solidFill>
-              <a:latin typeface="Adobe Clean Light"/>
-            </a:endParaRPr>
           </a:p>
         </p:txBody>
       </p:sp>
@@ -10907,10 +9598,10 @@
       </p:pic>
       <p:sp>
         <p:nvSpPr>
-          <p:cNvPr id="23" name="object 10">
+          <p:cNvPr id="24" name="object 10">
             <a:extLst>
               <a:ext uri="{FF2B5EF4-FFF2-40B4-BE49-F238E27FC236}">
-                <a16:creationId xmlns:a16="http://schemas.microsoft.com/office/drawing/2014/main" id="{732CD17C-F249-EA4C-B716-35D7409EDBDC}"/>
+                <a16:creationId xmlns:a16="http://schemas.microsoft.com/office/drawing/2014/main" id="{18A96AA7-6660-467B-A88C-EACAE1E2FC56}"/>
               </a:ext>
             </a:extLst>
           </p:cNvPr>
@@ -10924,7 +9615,7 @@
         <p:spPr>
           <a:xfrm>
             <a:off x="137890" y="9852238"/>
-            <a:ext cx="2270125" cy="132729"/>
+            <a:ext cx="2529110" cy="132729"/>
           </a:xfrm>
           <a:prstGeom prst="rect">
             <a:avLst/>
@@ -10945,24 +9636,40 @@
               </a:spcBef>
             </a:pPr>
             <a:r>
-              <a:rPr spc="-5" dirty="0"/>
-              <a:t>©202</a:t>
+              <a:rPr lang="es-ES" dirty="0"/>
+              <a:t>©2022 Adobe. </a:t>
             </a:r>
             <a:r>
-              <a:rPr lang="en-US" spc="-5" dirty="0"/>
-              <a:t>2</a:t>
+              <a:rPr lang="es-ES" dirty="0" err="1"/>
+              <a:t>All</a:t>
             </a:r>
             <a:r>
-              <a:rPr spc="-5" dirty="0"/>
-              <a:t> Adobe. All Rights Reserved. Adobe</a:t>
-            </a:r>
-            <a:r>
-              <a:rPr spc="60" dirty="0"/>
+              <a:rPr lang="es-ES" dirty="0"/>
               <a:t> </a:t>
             </a:r>
             <a:r>
-              <a:rPr spc="-5" dirty="0"/>
-              <a:t>Confidential.</a:t>
+              <a:rPr lang="es-ES" dirty="0" err="1"/>
+              <a:t>Rights</a:t>
+            </a:r>
+            <a:r>
+              <a:rPr lang="es-ES" dirty="0"/>
+              <a:t> </a:t>
+            </a:r>
+            <a:r>
+              <a:rPr lang="es-ES" dirty="0" err="1"/>
+              <a:t>Reserved</a:t>
+            </a:r>
+            <a:r>
+              <a:rPr lang="es-ES" dirty="0"/>
+              <a:t>. Adobe </a:t>
+            </a:r>
+            <a:r>
+              <a:rPr lang="es-ES" dirty="0" err="1"/>
+              <a:t>Confidential</a:t>
+            </a:r>
+            <a:r>
+              <a:rPr lang="es-ES" dirty="0"/>
+              <a:t>.</a:t>
             </a:r>
           </a:p>
         </p:txBody>
@@ -11019,49 +9726,15 @@
               </a:lnSpc>
             </a:pPr>
             <a:r>
-              <a:rPr sz="500" spc="-5" dirty="0">
+              <a:rPr lang="es-ES" sz="500">
                 <a:solidFill>
                   <a:srgbClr val="6C6C6C"/>
                 </a:solidFill>
                 <a:latin typeface="Adobe Clean"/>
                 <a:cs typeface="Adobe Clean"/>
               </a:rPr>
-              <a:t>©2020 Adobe. All Rights Reserved. </a:t>
+              <a:t>©2020 Adobe. All Rights Reserved. Adobe Confidential.</a:t>
             </a:r>
-            <a:r>
-              <a:rPr sz="500" dirty="0">
-                <a:solidFill>
-                  <a:srgbClr val="6C6C6C"/>
-                </a:solidFill>
-                <a:latin typeface="Adobe Clean"/>
-                <a:cs typeface="Adobe Clean"/>
-              </a:rPr>
-              <a:t>Adobe</a:t>
-            </a:r>
-            <a:r>
-              <a:rPr sz="500" spc="5" dirty="0">
-                <a:solidFill>
-                  <a:srgbClr val="6C6C6C"/>
-                </a:solidFill>
-                <a:latin typeface="Adobe Clean"/>
-                <a:cs typeface="Adobe Clean"/>
-              </a:rPr>
-              <a:t> </a:t>
-            </a:r>
-            <a:r>
-              <a:rPr sz="500" spc="-5" dirty="0">
-                <a:solidFill>
-                  <a:srgbClr val="6C6C6C"/>
-                </a:solidFill>
-                <a:latin typeface="Adobe Clean"/>
-                <a:cs typeface="Adobe Clean"/>
-              </a:rPr>
-              <a:t>Confidential.</a:t>
-            </a:r>
-            <a:endParaRPr sz="500" dirty="0">
-              <a:latin typeface="Adobe Clean"/>
-              <a:cs typeface="Adobe Clean"/>
-            </a:endParaRPr>
           </a:p>
           <a:p>
             <a:pPr>
@@ -11087,39 +9760,15 @@
               </a:spcBef>
             </a:pPr>
             <a:r>
-              <a:rPr sz="800" spc="-5" dirty="0">
+              <a:rPr lang="es-ES" sz="800">
                 <a:solidFill>
                   <a:srgbClr val="6D6D6D"/>
                 </a:solidFill>
                 <a:latin typeface="Adobe Clean"/>
                 <a:cs typeface="Adobe Clean"/>
               </a:rPr>
-              <a:t>©2020 Adobe. All Rights Reserved. Adobe</a:t>
+              <a:t>©2020 Adobe. All Rights Reserved. Adobe Confidential.</a:t>
             </a:r>
-            <a:r>
-              <a:rPr sz="800" spc="75" dirty="0">
-                <a:solidFill>
-                  <a:srgbClr val="6D6D6D"/>
-                </a:solidFill>
-                <a:latin typeface="Adobe Clean"/>
-                <a:cs typeface="Adobe Clean"/>
-              </a:rPr>
-              <a:t> </a:t>
-            </a:r>
-            <a:r>
-              <a:rPr sz="800" spc="-5" dirty="0">
-                <a:solidFill>
-                  <a:srgbClr val="6D6D6D"/>
-                </a:solidFill>
-                <a:latin typeface="Adobe Clean"/>
-                <a:cs typeface="Adobe Clean"/>
-              </a:rPr>
-              <a:t>Confidential.</a:t>
-            </a:r>
-            <a:endParaRPr sz="800" dirty="0">
-              <a:latin typeface="Adobe Clean"/>
-              <a:cs typeface="Adobe Clean"/>
-            </a:endParaRPr>
           </a:p>
         </p:txBody>
       </p:sp>
@@ -11203,19 +9852,15 @@
               </a:spcBef>
             </a:pPr>
             <a:r>
-              <a:rPr lang="en-US" sz="1400" b="1" spc="-15" dirty="0">
+              <a:rPr lang="es-ES" sz="1400" b="1">
                 <a:solidFill>
                   <a:srgbClr val="020302"/>
                 </a:solidFill>
                 <a:latin typeface="Adobe Clean"/>
                 <a:cs typeface="Adobe Clean"/>
               </a:rPr>
-              <a:t>Resources</a:t>
+              <a:t>Recursos</a:t>
             </a:r>
-            <a:endParaRPr sz="1400" dirty="0">
-              <a:latin typeface="Adobe Clean"/>
-              <a:cs typeface="Adobe Clean"/>
-            </a:endParaRPr>
           </a:p>
         </p:txBody>
       </p:sp>
@@ -11249,7 +9894,7 @@
               </a:spcBef>
             </a:pPr>
             <a:r>
-              <a:rPr sz="800" spc="-15" dirty="0">
+              <a:rPr lang="es-ES" sz="800">
                 <a:solidFill>
                   <a:srgbClr val="777879"/>
                 </a:solidFill>
@@ -11258,10 +9903,6 @@
               </a:rPr>
               <a:t>Adobe</a:t>
             </a:r>
-            <a:endParaRPr sz="800" dirty="0">
-              <a:latin typeface="Adobe Clean"/>
-              <a:cs typeface="Adobe Clean"/>
-            </a:endParaRPr>
           </a:p>
           <a:p>
             <a:pPr marL="12700">
@@ -11270,39 +9911,15 @@
               </a:lnSpc>
             </a:pPr>
             <a:r>
-              <a:rPr sz="800" spc="-15" dirty="0">
+              <a:rPr lang="es-ES" sz="800">
                 <a:solidFill>
                   <a:srgbClr val="777879"/>
                 </a:solidFill>
                 <a:latin typeface="Adobe Clean"/>
                 <a:cs typeface="Adobe Clean"/>
               </a:rPr>
-              <a:t>345 Park</a:t>
+              <a:t>345 Park Avenue</a:t>
             </a:r>
-            <a:r>
-              <a:rPr sz="800" spc="-100" dirty="0">
-                <a:solidFill>
-                  <a:srgbClr val="777879"/>
-                </a:solidFill>
-                <a:latin typeface="Adobe Clean"/>
-                <a:cs typeface="Adobe Clean"/>
-              </a:rPr>
-              <a:t> </a:t>
-            </a:r>
-            <a:r>
-              <a:rPr sz="800" spc="-15" dirty="0">
-                <a:solidFill>
-                  <a:srgbClr val="777879"/>
-                </a:solidFill>
-                <a:latin typeface="Adobe Clean"/>
-                <a:cs typeface="Adobe Clean"/>
-              </a:rPr>
-              <a:t>Avenue</a:t>
-            </a:r>
-            <a:endParaRPr sz="800" dirty="0">
-              <a:latin typeface="Adobe Clean"/>
-              <a:cs typeface="Adobe Clean"/>
-            </a:endParaRPr>
           </a:p>
           <a:p>
             <a:pPr marL="12700">
@@ -11311,49 +9928,15 @@
               </a:lnSpc>
             </a:pPr>
             <a:r>
-              <a:rPr sz="800" spc="-10" dirty="0">
+              <a:rPr lang="es-ES" sz="800">
                 <a:solidFill>
                   <a:srgbClr val="777879"/>
                 </a:solidFill>
                 <a:latin typeface="Adobe Clean"/>
                 <a:cs typeface="Adobe Clean"/>
               </a:rPr>
-              <a:t>San </a:t>
+              <a:t>San José, CA95110-2704</a:t>
             </a:r>
-            <a:r>
-              <a:rPr sz="800" spc="-15" dirty="0">
-                <a:solidFill>
-                  <a:srgbClr val="777879"/>
-                </a:solidFill>
-                <a:latin typeface="Adobe Clean"/>
-                <a:cs typeface="Adobe Clean"/>
-              </a:rPr>
-              <a:t>Jose,</a:t>
-            </a:r>
-            <a:r>
-              <a:rPr sz="800" spc="-140" dirty="0">
-                <a:solidFill>
-                  <a:srgbClr val="777879"/>
-                </a:solidFill>
-                <a:latin typeface="Adobe Clean"/>
-                <a:cs typeface="Adobe Clean"/>
-              </a:rPr>
-              <a:t> </a:t>
-            </a:r>
-            <a:r>
-              <a:rPr sz="800" spc="-20" dirty="0">
-                <a:solidFill>
-                  <a:srgbClr val="777879"/>
-                </a:solidFill>
-                <a:latin typeface="Adobe Clean"/>
-                <a:cs typeface="Adobe Clean"/>
-              </a:rPr>
-              <a:t>CA95110-2704</a:t>
-            </a:r>
-            <a:endParaRPr sz="800" dirty="0">
-              <a:latin typeface="Adobe Clean"/>
-              <a:cs typeface="Adobe Clean"/>
-            </a:endParaRPr>
           </a:p>
           <a:p>
             <a:pPr marL="12700">
@@ -11365,19 +9948,15 @@
               </a:spcBef>
             </a:pPr>
             <a:r>
-              <a:rPr sz="800" spc="-10" dirty="0">
+              <a:rPr lang="es-ES" sz="800">
                 <a:solidFill>
                   <a:srgbClr val="777879"/>
                 </a:solidFill>
                 <a:latin typeface="Adobe Clean"/>
                 <a:cs typeface="Adobe Clean"/>
               </a:rPr>
-              <a:t>USA</a:t>
+              <a:t>EE. UU.</a:t>
             </a:r>
-            <a:endParaRPr sz="800" dirty="0">
-              <a:latin typeface="Adobe Clean"/>
-              <a:cs typeface="Adobe Clean"/>
-            </a:endParaRPr>
           </a:p>
           <a:p>
             <a:pPr marL="12700">
@@ -11389,7 +9968,7 @@
               </a:spcBef>
             </a:pPr>
             <a:r>
-              <a:rPr sz="800" u="sng" spc="-25" dirty="0">
+              <a:rPr lang="es-ES" sz="800" u="sng">
                 <a:solidFill>
                   <a:srgbClr val="5F5F5F"/>
                 </a:solidFill>
@@ -11404,10 +9983,6 @@
               </a:rPr>
               <a:t>www.adobe.com</a:t>
             </a:r>
-            <a:endParaRPr sz="800">
-              <a:latin typeface="Adobe Clean"/>
-              <a:cs typeface="Adobe Clean"/>
-            </a:endParaRPr>
           </a:p>
         </p:txBody>
       </p:sp>
@@ -11582,439 +10157,15 @@
               </a:spcBef>
             </a:pPr>
             <a:r>
-              <a:rPr sz="1100" i="1" spc="-10" dirty="0">
+              <a:rPr lang="es-ES" sz="1100" i="1">
                 <a:solidFill>
                   <a:srgbClr val="777879"/>
                 </a:solidFill>
                 <a:latin typeface="AdobeClean-LightIt"/>
                 <a:cs typeface="AdobeClean-LightIt"/>
               </a:rPr>
-              <a:t>To</a:t>
+              <a:t>Para saber más sobre las ofertas de asistencia de Adobe y el nivel adecuado para usted, póngase en contacto con su administrador de cuentas (NAM) o con su Customer Success Manager (CSM).</a:t>
             </a:r>
-            <a:r>
-              <a:rPr sz="1100" i="1" spc="-50" dirty="0">
-                <a:solidFill>
-                  <a:srgbClr val="777879"/>
-                </a:solidFill>
-                <a:latin typeface="AdobeClean-LightIt"/>
-                <a:cs typeface="AdobeClean-LightIt"/>
-              </a:rPr>
-              <a:t> </a:t>
-            </a:r>
-            <a:r>
-              <a:rPr sz="1100" i="1" spc="-15" dirty="0">
-                <a:solidFill>
-                  <a:srgbClr val="777879"/>
-                </a:solidFill>
-                <a:latin typeface="AdobeClean-LightIt"/>
-                <a:cs typeface="AdobeClean-LightIt"/>
-              </a:rPr>
-              <a:t>learn</a:t>
-            </a:r>
-            <a:r>
-              <a:rPr sz="1100" i="1" spc="-40" dirty="0">
-                <a:solidFill>
-                  <a:srgbClr val="777879"/>
-                </a:solidFill>
-                <a:latin typeface="AdobeClean-LightIt"/>
-                <a:cs typeface="AdobeClean-LightIt"/>
-              </a:rPr>
-              <a:t> </a:t>
-            </a:r>
-            <a:r>
-              <a:rPr sz="1100" i="1" spc="-15" dirty="0">
-                <a:solidFill>
-                  <a:srgbClr val="777879"/>
-                </a:solidFill>
-                <a:latin typeface="AdobeClean-LightIt"/>
-                <a:cs typeface="AdobeClean-LightIt"/>
-              </a:rPr>
-              <a:t>more</a:t>
-            </a:r>
-            <a:r>
-              <a:rPr sz="1100" i="1" spc="-45" dirty="0">
-                <a:solidFill>
-                  <a:srgbClr val="777879"/>
-                </a:solidFill>
-                <a:latin typeface="AdobeClean-LightIt"/>
-                <a:cs typeface="AdobeClean-LightIt"/>
-              </a:rPr>
-              <a:t> </a:t>
-            </a:r>
-            <a:r>
-              <a:rPr sz="1100" i="1" spc="-15" dirty="0">
-                <a:solidFill>
-                  <a:srgbClr val="777879"/>
-                </a:solidFill>
-                <a:latin typeface="AdobeClean-LightIt"/>
-                <a:cs typeface="AdobeClean-LightIt"/>
-              </a:rPr>
-              <a:t>about</a:t>
-            </a:r>
-            <a:r>
-              <a:rPr sz="1100" i="1" spc="-45" dirty="0">
-                <a:solidFill>
-                  <a:srgbClr val="777879"/>
-                </a:solidFill>
-                <a:latin typeface="AdobeClean-LightIt"/>
-                <a:cs typeface="AdobeClean-LightIt"/>
-              </a:rPr>
-              <a:t> </a:t>
-            </a:r>
-            <a:r>
-              <a:rPr sz="1100" i="1" spc="-15" dirty="0">
-                <a:solidFill>
-                  <a:srgbClr val="777879"/>
-                </a:solidFill>
-                <a:latin typeface="AdobeClean-LightIt"/>
-                <a:cs typeface="AdobeClean-LightIt"/>
-              </a:rPr>
-              <a:t>Adobe</a:t>
-            </a:r>
-            <a:r>
-              <a:rPr sz="1100" i="1" spc="-60" dirty="0">
-                <a:solidFill>
-                  <a:srgbClr val="777879"/>
-                </a:solidFill>
-                <a:latin typeface="AdobeClean-LightIt"/>
-                <a:cs typeface="AdobeClean-LightIt"/>
-              </a:rPr>
-              <a:t> </a:t>
-            </a:r>
-            <a:r>
-              <a:rPr sz="1100" i="1" spc="-15" dirty="0">
-                <a:solidFill>
-                  <a:srgbClr val="777879"/>
-                </a:solidFill>
-                <a:latin typeface="AdobeClean-LightIt"/>
-                <a:cs typeface="AdobeClean-LightIt"/>
-              </a:rPr>
-              <a:t>Support</a:t>
-            </a:r>
-            <a:r>
-              <a:rPr lang="en-US" sz="1100" i="1" spc="-15" dirty="0">
-                <a:solidFill>
-                  <a:srgbClr val="777879"/>
-                </a:solidFill>
-                <a:latin typeface="AdobeClean-LightIt"/>
-                <a:cs typeface="AdobeClean-LightIt"/>
-              </a:rPr>
-              <a:t> Offerings</a:t>
-            </a:r>
-            <a:r>
-              <a:rPr sz="1100" i="1" spc="-75" dirty="0">
-                <a:solidFill>
-                  <a:srgbClr val="777879"/>
-                </a:solidFill>
-                <a:latin typeface="AdobeClean-LightIt"/>
-                <a:cs typeface="AdobeClean-LightIt"/>
-              </a:rPr>
-              <a:t> </a:t>
-            </a:r>
-            <a:r>
-              <a:rPr sz="1100" i="1" spc="-15" dirty="0">
-                <a:solidFill>
-                  <a:srgbClr val="777879"/>
-                </a:solidFill>
-                <a:latin typeface="AdobeClean-LightIt"/>
-                <a:cs typeface="AdobeClean-LightIt"/>
-              </a:rPr>
-              <a:t>and</a:t>
-            </a:r>
-            <a:r>
-              <a:rPr sz="1100" i="1" spc="-50" dirty="0">
-                <a:solidFill>
-                  <a:srgbClr val="777879"/>
-                </a:solidFill>
-                <a:latin typeface="AdobeClean-LightIt"/>
-                <a:cs typeface="AdobeClean-LightIt"/>
-              </a:rPr>
-              <a:t> </a:t>
-            </a:r>
-            <a:r>
-              <a:rPr sz="1100" i="1" spc="-15" dirty="0">
-                <a:solidFill>
-                  <a:srgbClr val="777879"/>
-                </a:solidFill>
-                <a:latin typeface="AdobeClean-LightIt"/>
-                <a:cs typeface="AdobeClean-LightIt"/>
-              </a:rPr>
-              <a:t>the</a:t>
-            </a:r>
-            <a:r>
-              <a:rPr sz="1100" i="1" spc="-55" dirty="0">
-                <a:solidFill>
-                  <a:srgbClr val="777879"/>
-                </a:solidFill>
-                <a:latin typeface="AdobeClean-LightIt"/>
-                <a:cs typeface="AdobeClean-LightIt"/>
-              </a:rPr>
-              <a:t> </a:t>
-            </a:r>
-            <a:r>
-              <a:rPr sz="1100" i="1" spc="-15" dirty="0">
-                <a:solidFill>
-                  <a:srgbClr val="777879"/>
-                </a:solidFill>
-                <a:latin typeface="AdobeClean-LightIt"/>
-                <a:cs typeface="AdobeClean-LightIt"/>
-              </a:rPr>
-              <a:t>right</a:t>
-            </a:r>
-            <a:r>
-              <a:rPr sz="1100" i="1" spc="-95" dirty="0">
-                <a:solidFill>
-                  <a:srgbClr val="777879"/>
-                </a:solidFill>
-                <a:latin typeface="AdobeClean-LightIt"/>
-                <a:cs typeface="AdobeClean-LightIt"/>
-              </a:rPr>
-              <a:t> </a:t>
-            </a:r>
-            <a:r>
-              <a:rPr sz="1100" i="1" spc="-15" dirty="0">
-                <a:solidFill>
-                  <a:srgbClr val="777879"/>
-                </a:solidFill>
-                <a:latin typeface="AdobeClean-LightIt"/>
-                <a:cs typeface="AdobeClean-LightIt"/>
-              </a:rPr>
-              <a:t>level</a:t>
-            </a:r>
-            <a:r>
-              <a:rPr sz="1100" i="1" spc="-55" dirty="0">
-                <a:solidFill>
-                  <a:srgbClr val="777879"/>
-                </a:solidFill>
-                <a:latin typeface="AdobeClean-LightIt"/>
-                <a:cs typeface="AdobeClean-LightIt"/>
-              </a:rPr>
-              <a:t> </a:t>
-            </a:r>
-            <a:r>
-              <a:rPr sz="1100" i="1" spc="-15" dirty="0">
-                <a:solidFill>
-                  <a:srgbClr val="777879"/>
-                </a:solidFill>
-                <a:latin typeface="AdobeClean-LightIt"/>
-                <a:cs typeface="AdobeClean-LightIt"/>
-              </a:rPr>
-              <a:t>for</a:t>
-            </a:r>
-            <a:r>
-              <a:rPr sz="1100" i="1" spc="-85" dirty="0">
-                <a:solidFill>
-                  <a:srgbClr val="777879"/>
-                </a:solidFill>
-                <a:latin typeface="AdobeClean-LightIt"/>
-                <a:cs typeface="AdobeClean-LightIt"/>
-              </a:rPr>
-              <a:t> </a:t>
-            </a:r>
-            <a:r>
-              <a:rPr sz="1100" i="1" spc="-15" dirty="0">
-                <a:solidFill>
-                  <a:srgbClr val="777879"/>
-                </a:solidFill>
-                <a:latin typeface="AdobeClean-LightIt"/>
-                <a:cs typeface="AdobeClean-LightIt"/>
-              </a:rPr>
-              <a:t>you,</a:t>
-            </a:r>
-            <a:r>
-              <a:rPr sz="1100" i="1" spc="-65" dirty="0">
-                <a:solidFill>
-                  <a:srgbClr val="777879"/>
-                </a:solidFill>
-                <a:latin typeface="AdobeClean-LightIt"/>
-                <a:cs typeface="AdobeClean-LightIt"/>
-              </a:rPr>
-              <a:t> </a:t>
-            </a:r>
-            <a:r>
-              <a:rPr sz="1100" i="1" spc="-15" dirty="0">
-                <a:solidFill>
-                  <a:srgbClr val="777879"/>
-                </a:solidFill>
-                <a:latin typeface="AdobeClean-LightIt"/>
-                <a:cs typeface="AdobeClean-LightIt"/>
-              </a:rPr>
-              <a:t>contact</a:t>
-            </a:r>
-            <a:r>
-              <a:rPr sz="1100" i="1" spc="-85" dirty="0">
-                <a:solidFill>
-                  <a:srgbClr val="777879"/>
-                </a:solidFill>
-                <a:latin typeface="AdobeClean-LightIt"/>
-                <a:cs typeface="AdobeClean-LightIt"/>
-              </a:rPr>
-              <a:t> </a:t>
-            </a:r>
-            <a:r>
-              <a:rPr sz="1100" i="1" spc="-15" dirty="0">
-                <a:solidFill>
-                  <a:srgbClr val="777879"/>
-                </a:solidFill>
-                <a:latin typeface="AdobeClean-LightIt"/>
-                <a:cs typeface="AdobeClean-LightIt"/>
-              </a:rPr>
-              <a:t>your</a:t>
-            </a:r>
-            <a:r>
-              <a:rPr sz="1100" i="1" spc="-70" dirty="0">
-                <a:solidFill>
-                  <a:srgbClr val="777879"/>
-                </a:solidFill>
-                <a:latin typeface="AdobeClean-LightIt"/>
-                <a:cs typeface="AdobeClean-LightIt"/>
-              </a:rPr>
-              <a:t> </a:t>
-            </a:r>
-            <a:r>
-              <a:rPr sz="1100" i="1" spc="-15" dirty="0">
-                <a:solidFill>
-                  <a:srgbClr val="777879"/>
-                </a:solidFill>
-                <a:latin typeface="AdobeClean-LightIt"/>
-                <a:cs typeface="AdobeClean-LightIt"/>
-              </a:rPr>
-              <a:t>Named</a:t>
-            </a:r>
-            <a:r>
-              <a:rPr sz="1100" i="1" spc="-55" dirty="0">
-                <a:solidFill>
-                  <a:srgbClr val="777879"/>
-                </a:solidFill>
-                <a:latin typeface="AdobeClean-LightIt"/>
-                <a:cs typeface="AdobeClean-LightIt"/>
-              </a:rPr>
-              <a:t> </a:t>
-            </a:r>
-            <a:r>
-              <a:rPr sz="1100" i="1" spc="-25" dirty="0">
-                <a:solidFill>
-                  <a:srgbClr val="777879"/>
-                </a:solidFill>
-                <a:latin typeface="AdobeClean-LightIt"/>
-                <a:cs typeface="AdobeClean-LightIt"/>
-              </a:rPr>
-              <a:t>Account</a:t>
-            </a:r>
-            <a:r>
-              <a:rPr sz="1100" i="1" spc="-120" dirty="0">
-                <a:solidFill>
-                  <a:srgbClr val="777879"/>
-                </a:solidFill>
-                <a:latin typeface="AdobeClean-LightIt"/>
-                <a:cs typeface="AdobeClean-LightIt"/>
-              </a:rPr>
-              <a:t> </a:t>
-            </a:r>
-            <a:r>
-              <a:rPr sz="1100" i="1" spc="-20" dirty="0">
-                <a:solidFill>
-                  <a:srgbClr val="777879"/>
-                </a:solidFill>
-                <a:latin typeface="AdobeClean-LightIt"/>
-                <a:cs typeface="AdobeClean-LightIt"/>
-              </a:rPr>
-              <a:t>Manager </a:t>
-            </a:r>
-            <a:r>
-              <a:rPr sz="1100" i="1" spc="-15" dirty="0">
-                <a:solidFill>
-                  <a:srgbClr val="777879"/>
-                </a:solidFill>
-                <a:latin typeface="AdobeClean-LightIt"/>
-                <a:cs typeface="AdobeClean-LightIt"/>
-              </a:rPr>
-              <a:t>(NAM) </a:t>
-            </a:r>
-            <a:r>
-              <a:rPr sz="1100" i="1" spc="-10" dirty="0">
-                <a:solidFill>
-                  <a:srgbClr val="777879"/>
-                </a:solidFill>
-                <a:latin typeface="AdobeClean-LightIt"/>
-                <a:cs typeface="AdobeClean-LightIt"/>
-              </a:rPr>
-              <a:t>or </a:t>
-            </a:r>
-            <a:r>
-              <a:rPr sz="1100" i="1" spc="-15" dirty="0">
-                <a:solidFill>
-                  <a:srgbClr val="777879"/>
-                </a:solidFill>
-                <a:latin typeface="AdobeClean-LightIt"/>
-                <a:cs typeface="AdobeClean-LightIt"/>
-              </a:rPr>
-              <a:t>Customer </a:t>
-            </a:r>
-            <a:r>
-              <a:rPr sz="1100" i="1" spc="-20" dirty="0">
-                <a:solidFill>
-                  <a:srgbClr val="777879"/>
-                </a:solidFill>
-                <a:latin typeface="AdobeClean-LightIt"/>
-                <a:cs typeface="AdobeClean-LightIt"/>
-              </a:rPr>
-              <a:t>Success</a:t>
-            </a:r>
-            <a:r>
-              <a:rPr sz="1100" i="1" spc="-180" dirty="0">
-                <a:solidFill>
-                  <a:srgbClr val="777879"/>
-                </a:solidFill>
-                <a:latin typeface="AdobeClean-LightIt"/>
-                <a:cs typeface="AdobeClean-LightIt"/>
-              </a:rPr>
-              <a:t> </a:t>
-            </a:r>
-            <a:r>
-              <a:rPr sz="1100" i="1" spc="-15" dirty="0">
-                <a:solidFill>
-                  <a:srgbClr val="777879"/>
-                </a:solidFill>
-                <a:latin typeface="AdobeClean-LightIt"/>
-                <a:cs typeface="AdobeClean-LightIt"/>
-              </a:rPr>
-              <a:t>Manager</a:t>
-            </a:r>
-            <a:r>
-              <a:rPr lang="en-US" sz="1100" i="1" spc="-15" dirty="0">
-                <a:solidFill>
-                  <a:srgbClr val="777879"/>
-                </a:solidFill>
-                <a:latin typeface="AdobeClean-LightIt"/>
-                <a:cs typeface="AdobeClean-LightIt"/>
-              </a:rPr>
-              <a:t> </a:t>
-            </a:r>
-            <a:r>
-              <a:rPr sz="1100" i="1" spc="-15" dirty="0">
-                <a:solidFill>
-                  <a:srgbClr val="777879"/>
-                </a:solidFill>
-                <a:latin typeface="AdobeClean-LightIt"/>
-                <a:cs typeface="AdobeClean-LightIt"/>
-              </a:rPr>
-              <a:t>(CSM)</a:t>
-            </a:r>
-            <a:r>
-              <a:rPr lang="en-US" sz="1100" i="1" spc="-15" dirty="0">
-                <a:solidFill>
-                  <a:srgbClr val="777879"/>
-                </a:solidFill>
-                <a:latin typeface="AdobeClean-LightIt"/>
-                <a:cs typeface="AdobeClean-LightIt"/>
-              </a:rPr>
-              <a:t>.</a:t>
-            </a:r>
-            <a:endParaRPr sz="1100" dirty="0">
-              <a:latin typeface="AdobeClean-LightIt"/>
-              <a:cs typeface="AdobeClean-LightIt"/>
-            </a:endParaRPr>
           </a:p>
           <a:p>
             <a:pPr marL="34290">
@@ -12026,59 +10177,15 @@
               </a:spcBef>
             </a:pPr>
             <a:r>
-              <a:rPr sz="800" spc="-5" dirty="0">
+              <a:rPr lang="es-ES" sz="800">
                 <a:solidFill>
                   <a:srgbClr val="6D6D6D"/>
                 </a:solidFill>
                 <a:latin typeface="Adobe Clean"/>
                 <a:cs typeface="Adobe Clean"/>
               </a:rPr>
-              <a:t>©202</a:t>
+              <a:t>©2022 Adobe. All Rights Reserved. Adobe Confidential.</a:t>
             </a:r>
-            <a:r>
-              <a:rPr lang="en-US" sz="800" spc="-5" dirty="0">
-                <a:solidFill>
-                  <a:srgbClr val="6D6D6D"/>
-                </a:solidFill>
-                <a:latin typeface="Adobe Clean"/>
-                <a:cs typeface="Adobe Clean"/>
-              </a:rPr>
-              <a:t>2 </a:t>
-            </a:r>
-            <a:r>
-              <a:rPr sz="800" spc="-5" dirty="0">
-                <a:solidFill>
-                  <a:srgbClr val="6D6D6D"/>
-                </a:solidFill>
-                <a:latin typeface="Adobe Clean"/>
-                <a:cs typeface="Adobe Clean"/>
-              </a:rPr>
-              <a:t>Adobe. All Rights Reserved. Adobe</a:t>
-            </a:r>
-            <a:r>
-              <a:rPr sz="800" spc="75" dirty="0">
-                <a:solidFill>
-                  <a:srgbClr val="6D6D6D"/>
-                </a:solidFill>
-                <a:latin typeface="Adobe Clean"/>
-                <a:cs typeface="Adobe Clean"/>
-              </a:rPr>
-              <a:t> </a:t>
-            </a:r>
-            <a:r>
-              <a:rPr sz="800" spc="-5" dirty="0">
-                <a:solidFill>
-                  <a:srgbClr val="6D6D6D"/>
-                </a:solidFill>
-                <a:latin typeface="Adobe Clean"/>
-                <a:cs typeface="Adobe Clean"/>
-              </a:rPr>
-              <a:t>Confidential.</a:t>
-            </a:r>
-            <a:endParaRPr sz="800" dirty="0">
-              <a:latin typeface="Adobe Clean"/>
-              <a:cs typeface="Adobe Clean"/>
-            </a:endParaRPr>
           </a:p>
         </p:txBody>
       </p:sp>
@@ -12115,14 +10222,14 @@
               </a:spcBef>
             </a:pPr>
             <a:r>
-              <a:rPr lang="en-US" sz="1400" b="1" spc="-15" dirty="0">
+              <a:rPr lang="es-ES" sz="1400" b="1">
                 <a:solidFill>
                   <a:srgbClr val="020302"/>
                 </a:solidFill>
                 <a:latin typeface="Adobe Clean"/>
                 <a:cs typeface="Adobe Clean"/>
               </a:rPr>
-              <a:t>Core Regional Hours Of Operation And Language Support</a:t>
+              <a:t>Horario regional principal y asistencia en otros idiomas</a:t>
             </a:r>
           </a:p>
           <a:p>
@@ -12132,13 +10239,13 @@
               </a:spcBef>
             </a:pPr>
             <a:r>
-              <a:rPr lang="en-US" sz="1000" spc="-15" dirty="0">
+              <a:rPr lang="es-ES" sz="1000">
                 <a:solidFill>
                   <a:srgbClr val="1F1F1F"/>
                 </a:solidFill>
                 <a:latin typeface="AdobeClean-Light"/>
               </a:rPr>
-              <a:t>Adobe’s local business hours align to the customer’s billing region.</a:t>
+              <a:t>El horario laboral local de Adobe está adaptado a la región de facturación del cliente.</a:t>
             </a:r>
           </a:p>
         </p:txBody>
@@ -12158,14 +10265,14 @@
           <p:nvPr>
             <p:extLst>
               <p:ext uri="{D42A27DB-BD31-4B8C-83A1-F6EECF244321}">
-                <p14:modId xmlns:p14="http://schemas.microsoft.com/office/powerpoint/2010/main" val="3057365317"/>
+                <p14:modId xmlns:p14="http://schemas.microsoft.com/office/powerpoint/2010/main" val="1863889617"/>
               </p:ext>
             </p:extLst>
           </p:nvPr>
         </p:nvGraphicFramePr>
         <p:xfrm>
           <a:off x="171128" y="5586349"/>
-          <a:ext cx="7391400" cy="1280160"/>
+          <a:ext cx="7391400" cy="1112520"/>
         </p:xfrm>
         <a:graphic>
           <a:graphicData uri="http://schemas.openxmlformats.org/drawingml/2006/table">
@@ -12174,21 +10281,21 @@
                 <a:tableStyleId>{5C22544A-7EE6-4342-B048-85BDC9FD1C3A}</a:tableStyleId>
               </a:tblPr>
               <a:tblGrid>
-                <a:gridCol w="1847850">
+                <a:gridCol w="1733872">
                   <a:extLst>
                     <a:ext uri="{9D8B030D-6E8A-4147-A177-3AD203B41FA5}">
                       <a16:colId xmlns:a16="http://schemas.microsoft.com/office/drawing/2014/main" val="2364693614"/>
                     </a:ext>
                   </a:extLst>
                 </a:gridCol>
-                <a:gridCol w="1847850">
+                <a:gridCol w="2133600">
                   <a:extLst>
                     <a:ext uri="{9D8B030D-6E8A-4147-A177-3AD203B41FA5}">
                       <a16:colId xmlns:a16="http://schemas.microsoft.com/office/drawing/2014/main" val="1545335406"/>
                     </a:ext>
                   </a:extLst>
                 </a:gridCol>
-                <a:gridCol w="1847850">
+                <a:gridCol w="1676078">
                   <a:extLst>
                     <a:ext uri="{9D8B030D-6E8A-4147-A177-3AD203B41FA5}">
                       <a16:colId xmlns:a16="http://schemas.microsoft.com/office/drawing/2014/main" val="4165218250"/>
@@ -12211,16 +10318,16 @@
                     <a:p>
                       <a:pPr algn="ctr"/>
                       <a:r>
-                        <a:rPr lang="en-US" sz="1100" dirty="0">
+                        <a:rPr lang="es-ES" sz="1100">
                           <a:solidFill>
                             <a:schemeClr val="tx1"/>
                           </a:solidFill>
                           <a:latin typeface="Adobe Clean" panose="020B0503020404020204" pitchFamily="34" charset="0"/>
                         </a:rPr>
-                        <a:t>Americas </a:t>
+                        <a:t>América</a:t>
                       </a:r>
                       <a:r>
-                        <a:rPr lang="en-US" sz="1100" baseline="30000" dirty="0">
+                        <a:rPr lang="es-ES" sz="1100" baseline="30000">
                           <a:solidFill>
                             <a:schemeClr val="tx1"/>
                           </a:solidFill>
@@ -12285,13 +10392,13 @@
                     <a:p>
                       <a:pPr algn="ctr"/>
                       <a:r>
-                        <a:rPr lang="en-US" sz="1100" dirty="0">
+                        <a:rPr lang="es-ES" sz="1100">
                           <a:solidFill>
                             <a:schemeClr val="tx1"/>
                           </a:solidFill>
                           <a:latin typeface="Adobe Clean" panose="020B0503020404020204" pitchFamily="34" charset="0"/>
                         </a:rPr>
-                        <a:t>Europe, Middle East &amp; Africa</a:t>
+                        <a:t>Europa, Oriente Medio y África</a:t>
                       </a:r>
                     </a:p>
                   </a:txBody>
@@ -12350,13 +10457,13 @@
                     <a:p>
                       <a:pPr algn="ctr"/>
                       <a:r>
-                        <a:rPr lang="en-US" sz="1100" dirty="0">
+                        <a:rPr lang="es-ES" sz="1100" dirty="0">
                           <a:solidFill>
                             <a:schemeClr val="tx1"/>
                           </a:solidFill>
                           <a:latin typeface="Adobe Clean" panose="020B0503020404020204" pitchFamily="34" charset="0"/>
                         </a:rPr>
-                        <a:t>Asia Pacific</a:t>
+                        <a:t>Asia-Pacífico</a:t>
                       </a:r>
                     </a:p>
                   </a:txBody>
@@ -12415,13 +10522,13 @@
                     <a:p>
                       <a:pPr algn="ctr"/>
                       <a:r>
-                        <a:rPr lang="en-US" sz="1100" dirty="0">
+                        <a:rPr lang="es-ES" sz="1100">
                           <a:solidFill>
                             <a:schemeClr val="tx1"/>
                           </a:solidFill>
                           <a:latin typeface="Adobe Clean" panose="020B0503020404020204" pitchFamily="34" charset="0"/>
                         </a:rPr>
-                        <a:t>Japan </a:t>
+                        <a:t>Japón </a:t>
                       </a:r>
                     </a:p>
                   </a:txBody>
@@ -12487,7 +10594,7 @@
                     <a:p>
                       <a:pPr algn="ctr"/>
                       <a:r>
-                        <a:rPr lang="en-US" sz="1100" dirty="0">
+                        <a:rPr lang="es-ES" sz="1100">
                           <a:solidFill>
                             <a:schemeClr val="tx1"/>
                           </a:solidFill>
@@ -12552,13 +10659,13 @@
                     <a:p>
                       <a:pPr algn="ctr"/>
                       <a:r>
-                        <a:rPr lang="en-US" sz="1100" dirty="0">
+                        <a:rPr lang="es-ES" sz="1100">
                           <a:solidFill>
                             <a:schemeClr val="tx1"/>
                           </a:solidFill>
                           <a:latin typeface="Adobe Clean" panose="020B0503020404020204" pitchFamily="34" charset="0"/>
                         </a:rPr>
-                        <a:t>9 am – 5 pm</a:t>
+                        <a:t>09:00 h - 17:00 h</a:t>
                       </a:r>
                     </a:p>
                   </a:txBody>
@@ -12617,13 +10724,13 @@
                     <a:p>
                       <a:pPr algn="ctr"/>
                       <a:r>
-                        <a:rPr lang="en-US" sz="1100" dirty="0">
+                        <a:rPr lang="es-ES" sz="1100" dirty="0">
                           <a:solidFill>
                             <a:schemeClr val="tx1"/>
                           </a:solidFill>
                           <a:latin typeface="Adobe Clean" panose="020B0503020404020204" pitchFamily="34" charset="0"/>
                         </a:rPr>
-                        <a:t>9 am – 5 pm</a:t>
+                        <a:t>09:00 h - 17:00 h</a:t>
                       </a:r>
                     </a:p>
                   </a:txBody>
@@ -12682,13 +10789,13 @@
                     <a:p>
                       <a:pPr algn="ctr"/>
                       <a:r>
-                        <a:rPr lang="en-US" sz="1100" dirty="0">
+                        <a:rPr lang="es-ES" sz="1100">
                           <a:solidFill>
                             <a:schemeClr val="tx1"/>
                           </a:solidFill>
                           <a:latin typeface="Adobe Clean" panose="020B0503020404020204" pitchFamily="34" charset="0"/>
                         </a:rPr>
-                        <a:t>9 am – 5:30 pm</a:t>
+                        <a:t>09:00 h - 17:30 h</a:t>
                       </a:r>
                     </a:p>
                   </a:txBody>
@@ -12752,7 +10859,7 @@
                     <a:bodyPr/>
                     <a:lstStyle/>
                     <a:p>
-                      <a:pPr marL="0" marR="0" lvl="0" indent="0" algn="ctr" defTabSz="914400" eaLnBrk="1" fontAlgn="auto" latinLnBrk="0" hangingPunct="1">
+                      <a:pPr marL="0" marR="0" lvl="0" indent="0" algn="l" defTabSz="914400" rtl="0" eaLnBrk="1" fontAlgn="auto" latinLnBrk="0" hangingPunct="1">
                         <a:lnSpc>
                           <a:spcPct val="100000"/>
                         </a:lnSpc>
@@ -12795,7 +10902,7 @@
                         <a:defRPr/>
                       </a:pPr>
                       <a:r>
-                        <a:rPr lang="en-US" sz="1100" baseline="30000" dirty="0">
+                        <a:rPr lang="es-ES" sz="1100" baseline="30000" dirty="0">
                           <a:solidFill>
                             <a:schemeClr val="tx1"/>
                           </a:solidFill>
@@ -12804,31 +10911,17 @@
                         <a:t>1</a:t>
                       </a:r>
                       <a:r>
-                        <a:rPr lang="en-US" sz="1100" dirty="0">
+                        <a:rPr lang="es-ES" sz="1100" dirty="0">
                           <a:solidFill>
                             <a:schemeClr val="tx1"/>
                           </a:solidFill>
                           <a:latin typeface="Adobe Clean" panose="020B0503020404020204" pitchFamily="34" charset="0"/>
                         </a:rPr>
-                        <a:t>Americas Language support available in English only.</a:t>
+                        <a:t>Soporte en América solo disponible en inglés.</a:t>
                       </a:r>
-                      <a:endParaRPr kumimoji="0" lang="en-US" sz="1100" b="1" i="0" u="none" strike="noStrike" kern="0" cap="none" spc="0" normalizeH="0" baseline="30000" noProof="0" dirty="0">
-                        <a:ln>
-                          <a:noFill/>
-                        </a:ln>
-                        <a:solidFill>
-                          <a:prstClr val="black"/>
-                        </a:solidFill>
-                        <a:effectLst/>
-                        <a:uLnTx/>
-                        <a:uFillTx/>
-                        <a:latin typeface="Adobe Clean" panose="020B0503020404020204" pitchFamily="34" charset="0"/>
-                        <a:ea typeface="+mn-ea"/>
-                        <a:cs typeface="+mn-cs"/>
-                      </a:endParaRPr>
-                    </a:p>
-                    <a:p>
-                      <a:pPr algn="ctr"/>
+                    </a:p>
+                    <a:p>
+                      <a:pPr algn="l" rtl="0"/>
                       <a:endParaRPr lang="en-US" sz="1100" b="1" i="0" dirty="0">
                         <a:solidFill>
                           <a:schemeClr val="tx1"/>
@@ -13198,129 +11291,15 @@
               </a:spcBef>
             </a:pPr>
             <a:r>
-              <a:rPr sz="1200" b="1" spc="-15" dirty="0">
+              <a:rPr lang="es-ES" sz="1200" b="1">
                 <a:solidFill>
                   <a:srgbClr val="FFFFFF"/>
                 </a:solidFill>
                 <a:latin typeface="Adobe Clean"/>
                 <a:cs typeface="Adobe Clean"/>
               </a:rPr>
-              <a:t>U</a:t>
+              <a:t>Experiencia sin igual</a:t>
             </a:r>
-            <a:r>
-              <a:rPr sz="1200" b="1" spc="-20" dirty="0">
-                <a:solidFill>
-                  <a:srgbClr val="FFFFFF"/>
-                </a:solidFill>
-                <a:latin typeface="Adobe Clean"/>
-                <a:cs typeface="Adobe Clean"/>
-              </a:rPr>
-              <a:t>n</a:t>
-            </a:r>
-            <a:r>
-              <a:rPr sz="1200" b="1" spc="-25" dirty="0">
-                <a:solidFill>
-                  <a:srgbClr val="FFFFFF"/>
-                </a:solidFill>
-                <a:latin typeface="Adobe Clean"/>
-                <a:cs typeface="Adobe Clean"/>
-              </a:rPr>
-              <a:t>p</a:t>
-            </a:r>
-            <a:r>
-              <a:rPr sz="1200" b="1" spc="-15" dirty="0">
-                <a:solidFill>
-                  <a:srgbClr val="FFFFFF"/>
-                </a:solidFill>
-                <a:latin typeface="Adobe Clean"/>
-                <a:cs typeface="Adobe Clean"/>
-              </a:rPr>
-              <a:t>a</a:t>
-            </a:r>
-            <a:r>
-              <a:rPr sz="1200" b="1" spc="-25" dirty="0">
-                <a:solidFill>
-                  <a:srgbClr val="FFFFFF"/>
-                </a:solidFill>
-                <a:latin typeface="Adobe Clean"/>
-                <a:cs typeface="Adobe Clean"/>
-              </a:rPr>
-              <a:t>r</a:t>
-            </a:r>
-            <a:r>
-              <a:rPr sz="1200" b="1" spc="-15" dirty="0">
-                <a:solidFill>
-                  <a:srgbClr val="FFFFFF"/>
-                </a:solidFill>
-                <a:latin typeface="Adobe Clean"/>
-                <a:cs typeface="Adobe Clean"/>
-              </a:rPr>
-              <a:t>a</a:t>
-            </a:r>
-            <a:r>
-              <a:rPr sz="1200" b="1" spc="-30" dirty="0">
-                <a:solidFill>
-                  <a:srgbClr val="FFFFFF"/>
-                </a:solidFill>
-                <a:latin typeface="Adobe Clean"/>
-                <a:cs typeface="Adobe Clean"/>
-              </a:rPr>
-              <a:t>ll</a:t>
-            </a:r>
-            <a:r>
-              <a:rPr sz="1200" b="1" spc="-25" dirty="0">
-                <a:solidFill>
-                  <a:srgbClr val="FFFFFF"/>
-                </a:solidFill>
-                <a:latin typeface="Adobe Clean"/>
-                <a:cs typeface="Adobe Clean"/>
-              </a:rPr>
-              <a:t>e</a:t>
-            </a:r>
-            <a:r>
-              <a:rPr sz="1200" b="1" spc="-30" dirty="0">
-                <a:solidFill>
-                  <a:srgbClr val="FFFFFF"/>
-                </a:solidFill>
-                <a:latin typeface="Adobe Clean"/>
-                <a:cs typeface="Adobe Clean"/>
-              </a:rPr>
-              <a:t>l</a:t>
-            </a:r>
-            <a:r>
-              <a:rPr sz="1200" b="1" spc="-25" dirty="0">
-                <a:solidFill>
-                  <a:srgbClr val="FFFFFF"/>
-                </a:solidFill>
-                <a:latin typeface="Adobe Clean"/>
-                <a:cs typeface="Adobe Clean"/>
-              </a:rPr>
-              <a:t>e</a:t>
-            </a:r>
-            <a:r>
-              <a:rPr sz="1200" b="1" dirty="0">
-                <a:solidFill>
-                  <a:srgbClr val="FFFFFF"/>
-                </a:solidFill>
-                <a:latin typeface="Adobe Clean"/>
-                <a:cs typeface="Adobe Clean"/>
-              </a:rPr>
-              <a:t>d  </a:t>
-            </a:r>
-            <a:r>
-              <a:rPr sz="1200" b="1" spc="-25" dirty="0">
-                <a:solidFill>
-                  <a:srgbClr val="FFFFFF"/>
-                </a:solidFill>
-                <a:latin typeface="Adobe Clean"/>
-                <a:cs typeface="Adobe Clean"/>
-              </a:rPr>
-              <a:t>Expertise</a:t>
-            </a:r>
-            <a:endParaRPr sz="1200" dirty="0">
-              <a:latin typeface="Adobe Clean"/>
-              <a:cs typeface="Adobe Clean"/>
-            </a:endParaRPr>
           </a:p>
         </p:txBody>
       </p:sp>
@@ -13338,8 +11317,8 @@
         </p:nvSpPr>
         <p:spPr>
           <a:xfrm>
-            <a:off x="4732495" y="8541244"/>
-            <a:ext cx="810895" cy="382797"/>
+            <a:off x="4648200" y="8541244"/>
+            <a:ext cx="990599" cy="203261"/>
           </a:xfrm>
           <a:prstGeom prst="rect">
             <a:avLst/>
@@ -13360,19 +11339,15 @@
               </a:spcBef>
             </a:pPr>
             <a:r>
-              <a:rPr lang="en-US" sz="1200" b="1" spc="-15" dirty="0">
+              <a:rPr lang="es-ES" sz="1200" b="1" dirty="0">
                 <a:solidFill>
                   <a:srgbClr val="FFFFFF"/>
                 </a:solidFill>
                 <a:latin typeface="Adobe Clean"/>
                 <a:cs typeface="Adobe Clean"/>
               </a:rPr>
-              <a:t>Accelerated Support</a:t>
+              <a:t>Asistencia ágil</a:t>
             </a:r>
-            <a:endParaRPr sz="1200" dirty="0">
-              <a:latin typeface="Adobe Clean"/>
-              <a:cs typeface="Adobe Clean"/>
-            </a:endParaRPr>
           </a:p>
         </p:txBody>
       </p:sp>
@@ -13390,8 +11365,8 @@
         </p:nvSpPr>
         <p:spPr>
           <a:xfrm>
-            <a:off x="6624119" y="8543943"/>
-            <a:ext cx="510540" cy="385445"/>
+            <a:off x="6473941" y="8544706"/>
+            <a:ext cx="810895" cy="385445"/>
           </a:xfrm>
           <a:prstGeom prst="rect">
             <a:avLst/>
@@ -13403,7 +11378,7 @@
           </a:bodyPr>
           <a:lstStyle/>
           <a:p>
-            <a:pPr marL="50800" marR="5080" indent="-51435">
+            <a:pPr marL="50800" marR="5080" indent="-51435" algn="ctr">
               <a:lnSpc>
                 <a:spcPts val="1390"/>
               </a:lnSpc>
@@ -13412,109 +11387,15 @@
               </a:spcBef>
             </a:pPr>
             <a:r>
-              <a:rPr sz="1200" b="1" spc="-50" dirty="0">
+              <a:rPr lang="es-ES" sz="1200" b="1" dirty="0">
                 <a:solidFill>
                   <a:srgbClr val="FFFFFF"/>
                 </a:solidFill>
                 <a:latin typeface="Adobe Clean"/>
                 <a:cs typeface="Adobe Clean"/>
               </a:rPr>
-              <a:t>S</a:t>
+              <a:t>Asesoría estratégica</a:t>
             </a:r>
-            <a:r>
-              <a:rPr sz="1200" b="1" spc="-20" dirty="0">
-                <a:solidFill>
-                  <a:srgbClr val="FFFFFF"/>
-                </a:solidFill>
-                <a:latin typeface="Adobe Clean"/>
-                <a:cs typeface="Adobe Clean"/>
-              </a:rPr>
-              <a:t>t</a:t>
-            </a:r>
-            <a:r>
-              <a:rPr sz="1200" b="1" spc="-75" dirty="0">
-                <a:solidFill>
-                  <a:srgbClr val="FFFFFF"/>
-                </a:solidFill>
-                <a:latin typeface="Adobe Clean"/>
-                <a:cs typeface="Adobe Clean"/>
-              </a:rPr>
-              <a:t>r</a:t>
-            </a:r>
-            <a:r>
-              <a:rPr sz="1200" b="1" spc="-90" dirty="0">
-                <a:solidFill>
-                  <a:srgbClr val="FFFFFF"/>
-                </a:solidFill>
-                <a:latin typeface="Adobe Clean"/>
-                <a:cs typeface="Adobe Clean"/>
-              </a:rPr>
-              <a:t>a</a:t>
-            </a:r>
-            <a:r>
-              <a:rPr sz="1200" b="1" spc="-55" dirty="0">
-                <a:solidFill>
-                  <a:srgbClr val="FFFFFF"/>
-                </a:solidFill>
-                <a:latin typeface="Adobe Clean"/>
-                <a:cs typeface="Adobe Clean"/>
-              </a:rPr>
-              <a:t>t</a:t>
-            </a:r>
-            <a:r>
-              <a:rPr sz="1200" b="1" spc="-100" dirty="0">
-                <a:solidFill>
-                  <a:srgbClr val="FFFFFF"/>
-                </a:solidFill>
-                <a:latin typeface="Adobe Clean"/>
-                <a:cs typeface="Adobe Clean"/>
-              </a:rPr>
-              <a:t>e</a:t>
-            </a:r>
-            <a:r>
-              <a:rPr sz="1200" b="1" spc="-80" dirty="0">
-                <a:solidFill>
-                  <a:srgbClr val="FFFFFF"/>
-                </a:solidFill>
-                <a:latin typeface="Adobe Clean"/>
-                <a:cs typeface="Adobe Clean"/>
-              </a:rPr>
-              <a:t>g</a:t>
-            </a:r>
-            <a:r>
-              <a:rPr sz="1200" b="1" spc="-35" dirty="0">
-                <a:solidFill>
-                  <a:srgbClr val="FFFFFF"/>
-                </a:solidFill>
-                <a:latin typeface="Adobe Clean"/>
-                <a:cs typeface="Adobe Clean"/>
-              </a:rPr>
-              <a:t>i</a:t>
-            </a:r>
-            <a:r>
-              <a:rPr sz="1200" b="1" dirty="0">
-                <a:solidFill>
-                  <a:srgbClr val="FFFFFF"/>
-                </a:solidFill>
-                <a:latin typeface="Adobe Clean"/>
-                <a:cs typeface="Adobe Clean"/>
-              </a:rPr>
-              <a:t>c  </a:t>
-            </a:r>
-            <a:r>
-              <a:rPr sz="1200" b="1" spc="-45" dirty="0">
-                <a:solidFill>
-                  <a:srgbClr val="FFFFFF"/>
-                </a:solidFill>
-                <a:latin typeface="Adobe Clean"/>
-                <a:cs typeface="Adobe Clean"/>
-              </a:rPr>
-              <a:t>Advice</a:t>
-            </a:r>
-            <a:endParaRPr sz="1200" dirty="0">
-              <a:latin typeface="Adobe Clean"/>
-              <a:cs typeface="Adobe Clean"/>
-            </a:endParaRPr>
           </a:p>
         </p:txBody>
       </p:sp>
@@ -13657,7 +11538,7 @@
         </p:nvGraphicFramePr>
         <p:xfrm>
           <a:off x="202054" y="1222225"/>
-          <a:ext cx="7368291" cy="2473960"/>
+          <a:ext cx="7368291" cy="2778760"/>
         </p:xfrm>
         <a:graphic>
           <a:graphicData uri="http://schemas.openxmlformats.org/drawingml/2006/table">
@@ -13691,7 +11572,7 @@
                         <a:tabLst/>
                       </a:pPr>
                       <a:r>
-                        <a:rPr lang="en-US" sz="1200" b="0" strike="noStrike" dirty="0">
+                        <a:rPr lang="es-ES" sz="1200" b="0" strike="noStrike">
                           <a:solidFill>
                             <a:srgbClr val="5F5F5F"/>
                           </a:solidFill>
@@ -13708,14 +11589,6 @@
                         </a:rPr>
                         <a:t>Experience League</a:t>
                       </a:r>
-                      <a:endParaRPr lang="en-US" sz="1200" b="0" strike="noStrike" dirty="0">
-                        <a:solidFill>
-                          <a:srgbClr val="5F5F5F"/>
-                        </a:solidFill>
-                        <a:latin typeface="Adobe Clean" panose="020B0503020404020204" pitchFamily="34" charset="0"/>
-                        <a:ea typeface="+mn-ea"/>
-                        <a:cs typeface="+mn-cs"/>
-                      </a:endParaRPr>
                     </a:p>
                   </a:txBody>
                   <a:tcPr marL="47625" marR="47625" marT="0" marB="0" anchor="ctr">
@@ -13789,7 +11662,7 @@
                         <a:defRPr/>
                       </a:pPr>
                       <a:r>
-                        <a:rPr lang="en-US" sz="1000" b="0" strike="noStrike" kern="1200" dirty="0">
+                        <a:rPr lang="es-ES" sz="1000" b="0" strike="noStrike">
                           <a:solidFill>
                             <a:schemeClr val="tx1"/>
                           </a:solidFill>
@@ -13797,7 +11670,7 @@
                           <a:ea typeface="+mn-ea"/>
                           <a:cs typeface="+mn-cs"/>
                         </a:rPr>
-                        <a:t>Experience League is a place where Adobe customers can find self-help tutorials, product documentation, instructor-led training, community and support for select Adobe Creative Cloud and Document products.</a:t>
+                        <a:t>Experience League es el lugar donde los clientes de Adobe pueden encontrar tutoriales de autoayuda, documentación de productos, formación impartida por monitores, comunidad y soporte para ciertos productos de Adobe Creative Cloud y Document.</a:t>
                       </a:r>
                     </a:p>
                   </a:txBody>
@@ -13879,11 +11752,10 @@
                         <a:defRPr/>
                       </a:pPr>
                       <a:r>
-                        <a:rPr lang="en-US" sz="1200" strike="noStrike" dirty="0">
+                        <a:rPr lang="es-ES" sz="1200" strike="noStrike">
                           <a:solidFill>
                             <a:srgbClr val="5F5F5F"/>
                           </a:solidFill>
-                          <a:effectLst/>
                           <a:latin typeface="Adobe Clean" panose="020B0503020404020204" pitchFamily="34" charset="0"/>
                           <a:ea typeface="+mn-ea"/>
                           <a:cs typeface="+mn-cs"/>
@@ -13895,17 +11767,8 @@
                             </a:extLst>
                           </a:hlinkClick>
                         </a:rPr>
-                        <a:t>Adobe Support Community </a:t>
+                        <a:t>Comunidad de soporte de Adobe </a:t>
                       </a:r>
-                      <a:endParaRPr lang="en-US" sz="1200" strike="noStrike" dirty="0">
-                        <a:solidFill>
-                          <a:srgbClr val="5F5F5F"/>
-                        </a:solidFill>
-                        <a:effectLst/>
-                        <a:latin typeface="Adobe Clean" panose="020B0503020404020204" pitchFamily="34" charset="0"/>
-                        <a:ea typeface="+mn-ea"/>
-                        <a:cs typeface="+mn-cs"/>
-                      </a:endParaRPr>
                     </a:p>
                   </a:txBody>
                   <a:tcPr anchor="ctr">
@@ -13979,7 +11842,7 @@
                         <a:defRPr/>
                       </a:pPr>
                       <a:r>
-                        <a:rPr lang="en-US" sz="1000" strike="noStrike" kern="1200" dirty="0">
+                        <a:rPr lang="es-ES" sz="1000" strike="noStrike">
                           <a:solidFill>
                             <a:schemeClr val="tx1"/>
                           </a:solidFill>
@@ -13987,19 +11850,8 @@
                           <a:ea typeface="+mn-ea"/>
                           <a:cs typeface="+mn-cs"/>
                         </a:rPr>
-                        <a:t>The Adobe Support Community is the place to ask questions, find answers, learn from experts and share your knowledge.</a:t>
+                        <a:t>La comunidad de soporte de Adobe es el lugar adecuado para realizar preguntas, encontrar respuestas, aprender de expertos y compartir información.</a:t>
                       </a:r>
-                      <a:endParaRPr lang="en-US" sz="1000" strike="noStrike" kern="1200" dirty="0">
-                        <a:solidFill>
-                          <a:schemeClr val="tx1"/>
-                        </a:solidFill>
-                        <a:highlight>
-                          <a:srgbClr val="FFFF00"/>
-                        </a:highlight>
-                        <a:latin typeface="Adobe Clean Light" panose="020B0303020404020204" pitchFamily="34" charset="0"/>
-                        <a:ea typeface="+mn-ea"/>
-                        <a:cs typeface="+mn-cs"/>
-                      </a:endParaRPr>
                     </a:p>
                   </a:txBody>
                   <a:tcPr anchor="ctr">
@@ -14080,11 +11932,10 @@
                         <a:defRPr/>
                       </a:pPr>
                       <a:r>
-                        <a:rPr lang="en-US" sz="1200" dirty="0">
+                        <a:rPr lang="es-ES" sz="1200">
                           <a:solidFill>
                             <a:srgbClr val="5F5F5F"/>
                           </a:solidFill>
-                          <a:effectLst/>
                           <a:latin typeface="Adobe Clean" panose="020B0503020404020204" pitchFamily="34" charset="0"/>
                           <a:ea typeface="+mn-ea"/>
                           <a:cs typeface="+mn-cs"/>
@@ -14096,17 +11947,8 @@
                             </a:extLst>
                           </a:hlinkClick>
                         </a:rPr>
-                        <a:t>Production Issues &amp; System Outages</a:t>
+                        <a:t>Problemas de producción e interrupciones del sistema</a:t>
                       </a:r>
-                      <a:endParaRPr lang="en-US" sz="1200" dirty="0">
-                        <a:solidFill>
-                          <a:srgbClr val="5F5F5F"/>
-                        </a:solidFill>
-                        <a:effectLst/>
-                        <a:latin typeface="Adobe Clean" panose="020B0503020404020204" pitchFamily="34" charset="0"/>
-                        <a:ea typeface="+mn-ea"/>
-                        <a:cs typeface="+mn-cs"/>
-                      </a:endParaRPr>
                     </a:p>
                   </a:txBody>
                   <a:tcPr anchor="ctr">
@@ -14180,7 +12022,7 @@
                         <a:defRPr/>
                       </a:pPr>
                       <a:r>
-                        <a:rPr lang="en-US" sz="1000" kern="1200" dirty="0">
+                        <a:rPr lang="es-ES" sz="1000">
                           <a:solidFill>
                             <a:schemeClr val="tx1"/>
                           </a:solidFill>
@@ -14188,7 +12030,7 @@
                           <a:ea typeface="+mn-ea"/>
                           <a:cs typeface="+mn-cs"/>
                         </a:rPr>
-                        <a:t>Status.adobe.com conveys the health information of all Adobe products and services that are deployed in multi-tenant environments. Customers can choose their subscription preferences to get email notifications whenever Adobe creates, updates or resolves a product event. This can include scheduled maintenance or service issues of varying levels of severity. </a:t>
+                        <a:t>Status.adobe.com transmite la información de estado de todos los productos y servicios de Adobe implementados en entornos de varios inquilinos. Los clientes pueden elegir sus preferencias de suscripción para recibir notificaciones por correo electrónico cada vez que Adobe cree, actualice o resuelva un evento de producto. Esto puede incluir problemas de mantenimiento o servicio programados de diversos niveles de gravedad. </a:t>
                       </a:r>
                     </a:p>
                   </a:txBody>
@@ -14270,11 +12112,10 @@
                         <a:defRPr/>
                       </a:pPr>
                       <a:r>
-                        <a:rPr lang="en-US" sz="1200" dirty="0">
+                        <a:rPr lang="es-ES" sz="1200">
                           <a:solidFill>
                             <a:srgbClr val="5F5F5F"/>
                           </a:solidFill>
-                          <a:effectLst/>
                           <a:latin typeface="Adobe Clean" panose="020B0503020404020204" pitchFamily="34" charset="0"/>
                           <a:ea typeface="+mn-ea"/>
                           <a:cs typeface="+mn-cs"/>
@@ -14286,17 +12127,8 @@
                             </a:extLst>
                           </a:hlinkClick>
                         </a:rPr>
-                        <a:t>Terms and Conditions</a:t>
+                        <a:t>Términos y condiciones</a:t>
                       </a:r>
-                      <a:endParaRPr lang="en-US" sz="1200" dirty="0">
-                        <a:solidFill>
-                          <a:srgbClr val="5F5F5F"/>
-                        </a:solidFill>
-                        <a:effectLst/>
-                        <a:latin typeface="Adobe Clean" panose="020B0503020404020204" pitchFamily="34" charset="0"/>
-                        <a:ea typeface="+mn-ea"/>
-                        <a:cs typeface="+mn-cs"/>
-                      </a:endParaRPr>
                     </a:p>
                   </a:txBody>
                   <a:tcPr anchor="ctr">
@@ -14353,7 +12185,7 @@
                     <a:lstStyle/>
                     <a:p>
                       <a:r>
-                        <a:rPr lang="en-US" sz="1000" kern="1200" dirty="0">
+                        <a:rPr lang="es-ES" sz="1000">
                           <a:solidFill>
                             <a:schemeClr val="tx1"/>
                           </a:solidFill>
@@ -14361,7 +12193,7 @@
                           <a:ea typeface="+mn-ea"/>
                           <a:cs typeface="+mn-cs"/>
                         </a:rPr>
-                        <a:t>Terms and conditions detailing Support Services offerings.</a:t>
+                        <a:t>Términos y condiciones de las ofertas de los servicios de soporte.</a:t>
                       </a:r>
                     </a:p>
                   </a:txBody>
@@ -14436,9 +12268,9 @@
           <p:nvPr/>
         </p:nvSpPr>
         <p:spPr>
-          <a:xfrm>
-            <a:off x="194237" y="914400"/>
-            <a:ext cx="777240" cy="0"/>
+          <a:xfrm flipV="1">
+            <a:off x="194237" y="868680"/>
+            <a:ext cx="720163" cy="45719"/>
           </a:xfrm>
           <a:custGeom>
             <a:avLst/>
@@ -15063,9 +12895,12 @@
 </file>
 
 <file path=customXml/item1.xml><?xml version="1.0" encoding="utf-8"?>
-<p:properties xmlns:p="http://schemas.microsoft.com/office/2006/metadata/properties" xmlns:xsi="http://www.w3.org/2001/XMLSchema-instance" xmlns:pc="http://schemas.microsoft.com/office/infopath/2007/PartnerControls">
-  <documentManagement/>
-</p:properties>
+<?mso-contentType ?>
+<FormTemplates xmlns="http://schemas.microsoft.com/sharepoint/v3/contenttype/forms">
+  <Display>DocumentLibraryForm</Display>
+  <Edit>DocumentLibraryForm</Edit>
+  <New>DocumentLibraryForm</New>
+</FormTemplates>
 </file>
 
 <file path=customXml/item2.xml><?xml version="1.0" encoding="utf-8"?>
@@ -15286,27 +13121,15 @@
 </file>
 
 <file path=customXml/item3.xml><?xml version="1.0" encoding="utf-8"?>
-<?mso-contentType ?>
-<FormTemplates xmlns="http://schemas.microsoft.com/sharepoint/v3/contenttype/forms">
-  <Display>DocumentLibraryForm</Display>
-  <Edit>DocumentLibraryForm</Edit>
-  <New>DocumentLibraryForm</New>
-</FormTemplates>
+<p:properties xmlns:p="http://schemas.microsoft.com/office/2006/metadata/properties" xmlns:xsi="http://www.w3.org/2001/XMLSchema-instance" xmlns:pc="http://schemas.microsoft.com/office/infopath/2007/PartnerControls">
+  <documentManagement/>
+</p:properties>
 </file>
 
 <file path=customXml/itemProps1.xml><?xml version="1.0" encoding="utf-8"?>
-<ds:datastoreItem xmlns:ds="http://schemas.openxmlformats.org/officeDocument/2006/customXml" ds:itemID="{8D12BD98-169B-4BEE-86DF-4C9641DF23C4}">
+<ds:datastoreItem xmlns:ds="http://schemas.openxmlformats.org/officeDocument/2006/customXml" ds:itemID="{AC92E7FA-19A2-4675-9C77-2C92D8A268D1}">
   <ds:schemaRefs>
-    <ds:schemaRef ds:uri="01e63850-2818-4a9f-a0cd-2d4201ad5cd5"/>
-    <ds:schemaRef ds:uri="http://schemas.microsoft.com/office/2006/documentManagement/types"/>
-    <ds:schemaRef ds:uri="http://purl.org/dc/elements/1.1/"/>
-    <ds:schemaRef ds:uri="http://purl.org/dc/terms/"/>
-    <ds:schemaRef ds:uri="http://schemas.microsoft.com/office/infopath/2007/PartnerControls"/>
-    <ds:schemaRef ds:uri="http://schemas.microsoft.com/office/2006/metadata/properties"/>
-    <ds:schemaRef ds:uri="http://schemas.openxmlformats.org/package/2006/metadata/core-properties"/>
-    <ds:schemaRef ds:uri="281057cd-4f7e-4aa3-94a7-05201549cd15"/>
-    <ds:schemaRef ds:uri="http://www.w3.org/XML/1998/namespace"/>
-    <ds:schemaRef ds:uri="http://purl.org/dc/dcmitype/"/>
+    <ds:schemaRef ds:uri="http://schemas.microsoft.com/sharepoint/v3/contenttype/forms"/>
   </ds:schemaRefs>
 </ds:datastoreItem>
 </file>
@@ -15331,9 +13154,18 @@
 </file>
 
 <file path=customXml/itemProps3.xml><?xml version="1.0" encoding="utf-8"?>
-<ds:datastoreItem xmlns:ds="http://schemas.openxmlformats.org/officeDocument/2006/customXml" ds:itemID="{AC92E7FA-19A2-4675-9C77-2C92D8A268D1}">
+<ds:datastoreItem xmlns:ds="http://schemas.openxmlformats.org/officeDocument/2006/customXml" ds:itemID="{8D12BD98-169B-4BEE-86DF-4C9641DF23C4}">
   <ds:schemaRefs>
-    <ds:schemaRef ds:uri="http://schemas.microsoft.com/sharepoint/v3/contenttype/forms"/>
+    <ds:schemaRef ds:uri="01e63850-2818-4a9f-a0cd-2d4201ad5cd5"/>
+    <ds:schemaRef ds:uri="http://schemas.microsoft.com/office/2006/documentManagement/types"/>
+    <ds:schemaRef ds:uri="http://purl.org/dc/elements/1.1/"/>
+    <ds:schemaRef ds:uri="http://purl.org/dc/terms/"/>
+    <ds:schemaRef ds:uri="http://schemas.microsoft.com/office/infopath/2007/PartnerControls"/>
+    <ds:schemaRef ds:uri="http://schemas.microsoft.com/office/2006/metadata/properties"/>
+    <ds:schemaRef ds:uri="http://schemas.openxmlformats.org/package/2006/metadata/core-properties"/>
+    <ds:schemaRef ds:uri="281057cd-4f7e-4aa3-94a7-05201549cd15"/>
+    <ds:schemaRef ds:uri="http://www.w3.org/XML/1998/namespace"/>
+    <ds:schemaRef ds:uri="http://purl.org/dc/dcmitype/"/>
   </ds:schemaRefs>
 </ds:datastoreItem>
 </file>